--- a/GIT.pptx
+++ b/GIT.pptx
@@ -5,52 +5,54 @@
     <p:sldMasterId id="2147483648" r:id="rId4"/>
   </p:sldMasterIdLst>
   <p:notesMasterIdLst>
-    <p:notesMasterId r:id="rId45"/>
+    <p:notesMasterId r:id="rId47"/>
   </p:notesMasterIdLst>
   <p:handoutMasterIdLst>
-    <p:handoutMasterId r:id="rId46"/>
+    <p:handoutMasterId r:id="rId48"/>
   </p:handoutMasterIdLst>
   <p:sldIdLst>
     <p:sldId id="259" r:id="rId5"/>
     <p:sldId id="265" r:id="rId6"/>
     <p:sldId id="317" r:id="rId7"/>
     <p:sldId id="319" r:id="rId8"/>
-    <p:sldId id="339" r:id="rId9"/>
-    <p:sldId id="340" r:id="rId10"/>
-    <p:sldId id="367" r:id="rId11"/>
-    <p:sldId id="266" r:id="rId12"/>
-    <p:sldId id="306" r:id="rId13"/>
-    <p:sldId id="267" r:id="rId14"/>
-    <p:sldId id="342" r:id="rId15"/>
-    <p:sldId id="343" r:id="rId16"/>
-    <p:sldId id="369" r:id="rId17"/>
-    <p:sldId id="368" r:id="rId18"/>
-    <p:sldId id="316" r:id="rId19"/>
-    <p:sldId id="348" r:id="rId20"/>
-    <p:sldId id="370" r:id="rId21"/>
-    <p:sldId id="336" r:id="rId22"/>
-    <p:sldId id="344" r:id="rId23"/>
-    <p:sldId id="346" r:id="rId24"/>
-    <p:sldId id="366" r:id="rId25"/>
-    <p:sldId id="375" r:id="rId26"/>
-    <p:sldId id="354" r:id="rId27"/>
-    <p:sldId id="371" r:id="rId28"/>
-    <p:sldId id="341" r:id="rId29"/>
-    <p:sldId id="352" r:id="rId30"/>
-    <p:sldId id="353" r:id="rId31"/>
-    <p:sldId id="363" r:id="rId32"/>
-    <p:sldId id="374" r:id="rId33"/>
-    <p:sldId id="359" r:id="rId34"/>
-    <p:sldId id="307" r:id="rId35"/>
-    <p:sldId id="355" r:id="rId36"/>
-    <p:sldId id="372" r:id="rId37"/>
-    <p:sldId id="345" r:id="rId38"/>
-    <p:sldId id="362" r:id="rId39"/>
-    <p:sldId id="357" r:id="rId40"/>
-    <p:sldId id="358" r:id="rId41"/>
-    <p:sldId id="360" r:id="rId42"/>
-    <p:sldId id="361" r:id="rId43"/>
-    <p:sldId id="356" r:id="rId44"/>
+    <p:sldId id="377" r:id="rId9"/>
+    <p:sldId id="339" r:id="rId10"/>
+    <p:sldId id="376" r:id="rId11"/>
+    <p:sldId id="340" r:id="rId12"/>
+    <p:sldId id="367" r:id="rId13"/>
+    <p:sldId id="266" r:id="rId14"/>
+    <p:sldId id="306" r:id="rId15"/>
+    <p:sldId id="267" r:id="rId16"/>
+    <p:sldId id="342" r:id="rId17"/>
+    <p:sldId id="343" r:id="rId18"/>
+    <p:sldId id="369" r:id="rId19"/>
+    <p:sldId id="368" r:id="rId20"/>
+    <p:sldId id="316" r:id="rId21"/>
+    <p:sldId id="348" r:id="rId22"/>
+    <p:sldId id="370" r:id="rId23"/>
+    <p:sldId id="336" r:id="rId24"/>
+    <p:sldId id="346" r:id="rId25"/>
+    <p:sldId id="344" r:id="rId26"/>
+    <p:sldId id="366" r:id="rId27"/>
+    <p:sldId id="375" r:id="rId28"/>
+    <p:sldId id="354" r:id="rId29"/>
+    <p:sldId id="371" r:id="rId30"/>
+    <p:sldId id="341" r:id="rId31"/>
+    <p:sldId id="352" r:id="rId32"/>
+    <p:sldId id="353" r:id="rId33"/>
+    <p:sldId id="363" r:id="rId34"/>
+    <p:sldId id="374" r:id="rId35"/>
+    <p:sldId id="359" r:id="rId36"/>
+    <p:sldId id="307" r:id="rId37"/>
+    <p:sldId id="355" r:id="rId38"/>
+    <p:sldId id="372" r:id="rId39"/>
+    <p:sldId id="345" r:id="rId40"/>
+    <p:sldId id="362" r:id="rId41"/>
+    <p:sldId id="357" r:id="rId42"/>
+    <p:sldId id="358" r:id="rId43"/>
+    <p:sldId id="360" r:id="rId44"/>
+    <p:sldId id="361" r:id="rId45"/>
+    <p:sldId id="356" r:id="rId46"/>
   </p:sldIdLst>
   <p:sldSz cx="12192000" cy="6858000"/>
   <p:notesSz cx="6858000" cy="9144000"/>
@@ -404,7 +406,7 @@
           <a:p>
             <a:fld id="{13F6AEEE-E778-402E-8B8F-9A98AED26EB8}" type="datetimeFigureOut">
               <a:rPr lang="en-GB" sz="1000" smtClean="0"/>
-              <a:t>02/03/2022</a:t>
+              <a:t>03/03/2022</a:t>
             </a:fld>
             <a:endParaRPr lang="en-GB" sz="1000"/>
           </a:p>
@@ -564,7 +566,7 @@
             <a:fld id="{1386E511-D742-4EFE-90B5-C9FC42762E0F}" type="datetimeFigureOut">
               <a:rPr lang="en-GB" smtClean="0"/>
               <a:pPr/>
-              <a:t>02/03/2022</a:t>
+              <a:t>03/03/2022</a:t>
             </a:fld>
             <a:endParaRPr lang="en-GB"/>
           </a:p>
@@ -932,7 +934,7 @@
           <a:bodyPr/>
           <a:lstStyle/>
           <a:p>
-            <a:endParaRPr lang="en-US"/>
+            <a:endParaRPr lang="lt-LT" dirty="0"/>
           </a:p>
         </p:txBody>
       </p:sp>
@@ -963,7 +965,7 @@
     </p:spTree>
     <p:extLst>
       <p:ext uri="{BB962C8B-B14F-4D97-AF65-F5344CB8AC3E}">
-        <p14:creationId xmlns:p14="http://schemas.microsoft.com/office/powerpoint/2010/main" val="4202623894"/>
+        <p14:creationId xmlns:p14="http://schemas.microsoft.com/office/powerpoint/2010/main" val="152724784"/>
       </p:ext>
     </p:extLst>
   </p:cSld>
@@ -1048,7 +1050,7 @@
     </p:spTree>
     <p:extLst>
       <p:ext uri="{BB962C8B-B14F-4D97-AF65-F5344CB8AC3E}">
-        <p14:creationId xmlns:p14="http://schemas.microsoft.com/office/powerpoint/2010/main" val="4028090920"/>
+        <p14:creationId xmlns:p14="http://schemas.microsoft.com/office/powerpoint/2010/main" val="3188560776"/>
       </p:ext>
     </p:extLst>
   </p:cSld>
@@ -1102,7 +1104,7 @@
           <a:bodyPr/>
           <a:lstStyle/>
           <a:p>
-            <a:endParaRPr lang="lt-LT" dirty="0"/>
+            <a:endParaRPr lang="en-US"/>
           </a:p>
         </p:txBody>
       </p:sp>
@@ -1133,7 +1135,7 @@
     </p:spTree>
     <p:extLst>
       <p:ext uri="{BB962C8B-B14F-4D97-AF65-F5344CB8AC3E}">
-        <p14:creationId xmlns:p14="http://schemas.microsoft.com/office/powerpoint/2010/main" val="2005055666"/>
+        <p14:creationId xmlns:p14="http://schemas.microsoft.com/office/powerpoint/2010/main" val="4202623894"/>
       </p:ext>
     </p:extLst>
   </p:cSld>
@@ -1218,7 +1220,7 @@
     </p:spTree>
     <p:extLst>
       <p:ext uri="{BB962C8B-B14F-4D97-AF65-F5344CB8AC3E}">
-        <p14:creationId xmlns:p14="http://schemas.microsoft.com/office/powerpoint/2010/main" val="4039734025"/>
+        <p14:creationId xmlns:p14="http://schemas.microsoft.com/office/powerpoint/2010/main" val="4028090920"/>
       </p:ext>
     </p:extLst>
   </p:cSld>
@@ -1272,7 +1274,7 @@
           <a:bodyPr/>
           <a:lstStyle/>
           <a:p>
-            <a:endParaRPr lang="en-US"/>
+            <a:endParaRPr lang="lt-LT" dirty="0"/>
           </a:p>
         </p:txBody>
       </p:sp>
@@ -1303,7 +1305,7 @@
     </p:spTree>
     <p:extLst>
       <p:ext uri="{BB962C8B-B14F-4D97-AF65-F5344CB8AC3E}">
-        <p14:creationId xmlns:p14="http://schemas.microsoft.com/office/powerpoint/2010/main" val="728062295"/>
+        <p14:creationId xmlns:p14="http://schemas.microsoft.com/office/powerpoint/2010/main" val="2005055666"/>
       </p:ext>
     </p:extLst>
   </p:cSld>
@@ -1388,7 +1390,7 @@
     </p:spTree>
     <p:extLst>
       <p:ext uri="{BB962C8B-B14F-4D97-AF65-F5344CB8AC3E}">
-        <p14:creationId xmlns:p14="http://schemas.microsoft.com/office/powerpoint/2010/main" val="2852008362"/>
+        <p14:creationId xmlns:p14="http://schemas.microsoft.com/office/powerpoint/2010/main" val="4039734025"/>
       </p:ext>
     </p:extLst>
   </p:cSld>
@@ -1442,7 +1444,7 @@
           <a:bodyPr/>
           <a:lstStyle/>
           <a:p>
-            <a:endParaRPr lang="lt-LT" dirty="0"/>
+            <a:endParaRPr lang="en-US"/>
           </a:p>
         </p:txBody>
       </p:sp>
@@ -1473,7 +1475,7 @@
     </p:spTree>
     <p:extLst>
       <p:ext uri="{BB962C8B-B14F-4D97-AF65-F5344CB8AC3E}">
-        <p14:creationId xmlns:p14="http://schemas.microsoft.com/office/powerpoint/2010/main" val="3439653993"/>
+        <p14:creationId xmlns:p14="http://schemas.microsoft.com/office/powerpoint/2010/main" val="728062295"/>
       </p:ext>
     </p:extLst>
   </p:cSld>
@@ -1527,7 +1529,7 @@
           <a:bodyPr/>
           <a:lstStyle/>
           <a:p>
-            <a:endParaRPr lang="en-US"/>
+            <a:endParaRPr lang="lt-LT" dirty="0"/>
           </a:p>
         </p:txBody>
       </p:sp>
@@ -1558,7 +1560,7 @@
     </p:spTree>
     <p:extLst>
       <p:ext uri="{BB962C8B-B14F-4D97-AF65-F5344CB8AC3E}">
-        <p14:creationId xmlns:p14="http://schemas.microsoft.com/office/powerpoint/2010/main" val="3274057965"/>
+        <p14:creationId xmlns:p14="http://schemas.microsoft.com/office/powerpoint/2010/main" val="2852008362"/>
       </p:ext>
     </p:extLst>
   </p:cSld>
@@ -1643,7 +1645,7 @@
     </p:spTree>
     <p:extLst>
       <p:ext uri="{BB962C8B-B14F-4D97-AF65-F5344CB8AC3E}">
-        <p14:creationId xmlns:p14="http://schemas.microsoft.com/office/powerpoint/2010/main" val="525314632"/>
+        <p14:creationId xmlns:p14="http://schemas.microsoft.com/office/powerpoint/2010/main" val="3439653993"/>
       </p:ext>
     </p:extLst>
   </p:cSld>
@@ -1697,7 +1699,7 @@
           <a:bodyPr/>
           <a:lstStyle/>
           <a:p>
-            <a:endParaRPr lang="lt-LT" dirty="0"/>
+            <a:endParaRPr lang="en-US"/>
           </a:p>
         </p:txBody>
       </p:sp>
@@ -1728,7 +1730,7 @@
     </p:spTree>
     <p:extLst>
       <p:ext uri="{BB962C8B-B14F-4D97-AF65-F5344CB8AC3E}">
-        <p14:creationId xmlns:p14="http://schemas.microsoft.com/office/powerpoint/2010/main" val="2582726641"/>
+        <p14:creationId xmlns:p14="http://schemas.microsoft.com/office/powerpoint/2010/main" val="3274057965"/>
       </p:ext>
     </p:extLst>
   </p:cSld>
@@ -1898,7 +1900,7 @@
     </p:spTree>
     <p:extLst>
       <p:ext uri="{BB962C8B-B14F-4D97-AF65-F5344CB8AC3E}">
-        <p14:creationId xmlns:p14="http://schemas.microsoft.com/office/powerpoint/2010/main" val="555430749"/>
+        <p14:creationId xmlns:p14="http://schemas.microsoft.com/office/powerpoint/2010/main" val="525314632"/>
       </p:ext>
     </p:extLst>
   </p:cSld>
@@ -1983,7 +1985,7 @@
     </p:spTree>
     <p:extLst>
       <p:ext uri="{BB962C8B-B14F-4D97-AF65-F5344CB8AC3E}">
-        <p14:creationId xmlns:p14="http://schemas.microsoft.com/office/powerpoint/2010/main" val="1369668380"/>
+        <p14:creationId xmlns:p14="http://schemas.microsoft.com/office/powerpoint/2010/main" val="555430749"/>
       </p:ext>
     </p:extLst>
   </p:cSld>
@@ -2037,7 +2039,7 @@
           <a:bodyPr/>
           <a:lstStyle/>
           <a:p>
-            <a:endParaRPr lang="en-US"/>
+            <a:endParaRPr lang="lt-LT" dirty="0"/>
           </a:p>
         </p:txBody>
       </p:sp>
@@ -2068,7 +2070,7 @@
     </p:spTree>
     <p:extLst>
       <p:ext uri="{BB962C8B-B14F-4D97-AF65-F5344CB8AC3E}">
-        <p14:creationId xmlns:p14="http://schemas.microsoft.com/office/powerpoint/2010/main" val="2977450156"/>
+        <p14:creationId xmlns:p14="http://schemas.microsoft.com/office/powerpoint/2010/main" val="2582726641"/>
       </p:ext>
     </p:extLst>
   </p:cSld>
@@ -2153,7 +2155,7 @@
     </p:spTree>
     <p:extLst>
       <p:ext uri="{BB962C8B-B14F-4D97-AF65-F5344CB8AC3E}">
-        <p14:creationId xmlns:p14="http://schemas.microsoft.com/office/powerpoint/2010/main" val="4141488813"/>
+        <p14:creationId xmlns:p14="http://schemas.microsoft.com/office/powerpoint/2010/main" val="1369668380"/>
       </p:ext>
     </p:extLst>
   </p:cSld>
@@ -2238,7 +2240,7 @@
     </p:spTree>
     <p:extLst>
       <p:ext uri="{BB962C8B-B14F-4D97-AF65-F5344CB8AC3E}">
-        <p14:creationId xmlns:p14="http://schemas.microsoft.com/office/powerpoint/2010/main" val="2629805349"/>
+        <p14:creationId xmlns:p14="http://schemas.microsoft.com/office/powerpoint/2010/main" val="2977450156"/>
       </p:ext>
     </p:extLst>
   </p:cSld>
@@ -2323,7 +2325,7 @@
     </p:spTree>
     <p:extLst>
       <p:ext uri="{BB962C8B-B14F-4D97-AF65-F5344CB8AC3E}">
-        <p14:creationId xmlns:p14="http://schemas.microsoft.com/office/powerpoint/2010/main" val="732845485"/>
+        <p14:creationId xmlns:p14="http://schemas.microsoft.com/office/powerpoint/2010/main" val="4141488813"/>
       </p:ext>
     </p:extLst>
   </p:cSld>
@@ -2377,7 +2379,7 @@
           <a:bodyPr/>
           <a:lstStyle/>
           <a:p>
-            <a:endParaRPr lang="lt-LT" dirty="0"/>
+            <a:endParaRPr lang="en-US"/>
           </a:p>
         </p:txBody>
       </p:sp>
@@ -2408,7 +2410,7 @@
     </p:spTree>
     <p:extLst>
       <p:ext uri="{BB962C8B-B14F-4D97-AF65-F5344CB8AC3E}">
-        <p14:creationId xmlns:p14="http://schemas.microsoft.com/office/powerpoint/2010/main" val="1575381542"/>
+        <p14:creationId xmlns:p14="http://schemas.microsoft.com/office/powerpoint/2010/main" val="2629805349"/>
       </p:ext>
     </p:extLst>
   </p:cSld>
@@ -2493,7 +2495,7 @@
     </p:spTree>
     <p:extLst>
       <p:ext uri="{BB962C8B-B14F-4D97-AF65-F5344CB8AC3E}">
-        <p14:creationId xmlns:p14="http://schemas.microsoft.com/office/powerpoint/2010/main" val="952754121"/>
+        <p14:creationId xmlns:p14="http://schemas.microsoft.com/office/powerpoint/2010/main" val="732845485"/>
       </p:ext>
     </p:extLst>
   </p:cSld>
@@ -2578,7 +2580,7 @@
     </p:spTree>
     <p:extLst>
       <p:ext uri="{BB962C8B-B14F-4D97-AF65-F5344CB8AC3E}">
-        <p14:creationId xmlns:p14="http://schemas.microsoft.com/office/powerpoint/2010/main" val="4277698426"/>
+        <p14:creationId xmlns:p14="http://schemas.microsoft.com/office/powerpoint/2010/main" val="1575381542"/>
       </p:ext>
     </p:extLst>
   </p:cSld>
@@ -2632,7 +2634,7 @@
           <a:bodyPr/>
           <a:lstStyle/>
           <a:p>
-            <a:endParaRPr lang="en-US"/>
+            <a:endParaRPr lang="lt-LT" dirty="0"/>
           </a:p>
         </p:txBody>
       </p:sp>
@@ -2663,7 +2665,7 @@
     </p:spTree>
     <p:extLst>
       <p:ext uri="{BB962C8B-B14F-4D97-AF65-F5344CB8AC3E}">
-        <p14:creationId xmlns:p14="http://schemas.microsoft.com/office/powerpoint/2010/main" val="630534675"/>
+        <p14:creationId xmlns:p14="http://schemas.microsoft.com/office/powerpoint/2010/main" val="952754121"/>
       </p:ext>
     </p:extLst>
   </p:cSld>
@@ -2833,7 +2835,7 @@
     </p:spTree>
     <p:extLst>
       <p:ext uri="{BB962C8B-B14F-4D97-AF65-F5344CB8AC3E}">
-        <p14:creationId xmlns:p14="http://schemas.microsoft.com/office/powerpoint/2010/main" val="412630049"/>
+        <p14:creationId xmlns:p14="http://schemas.microsoft.com/office/powerpoint/2010/main" val="4277698426"/>
       </p:ext>
     </p:extLst>
   </p:cSld>
@@ -2887,7 +2889,7 @@
           <a:bodyPr/>
           <a:lstStyle/>
           <a:p>
-            <a:endParaRPr lang="lt-LT" dirty="0"/>
+            <a:endParaRPr lang="en-US"/>
           </a:p>
         </p:txBody>
       </p:sp>
@@ -2918,7 +2920,7 @@
     </p:spTree>
     <p:extLst>
       <p:ext uri="{BB962C8B-B14F-4D97-AF65-F5344CB8AC3E}">
-        <p14:creationId xmlns:p14="http://schemas.microsoft.com/office/powerpoint/2010/main" val="3188560776"/>
+        <p14:creationId xmlns:p14="http://schemas.microsoft.com/office/powerpoint/2010/main" val="630534675"/>
       </p:ext>
     </p:extLst>
   </p:cSld>
@@ -3003,7 +3005,7 @@
     </p:spTree>
     <p:extLst>
       <p:ext uri="{BB962C8B-B14F-4D97-AF65-F5344CB8AC3E}">
-        <p14:creationId xmlns:p14="http://schemas.microsoft.com/office/powerpoint/2010/main" val="2075554035"/>
+        <p14:creationId xmlns:p14="http://schemas.microsoft.com/office/powerpoint/2010/main" val="412630049"/>
       </p:ext>
     </p:extLst>
   </p:cSld>
@@ -3057,7 +3059,7 @@
           <a:bodyPr/>
           <a:lstStyle/>
           <a:p>
-            <a:endParaRPr lang="en-US"/>
+            <a:endParaRPr lang="lt-LT" dirty="0"/>
           </a:p>
         </p:txBody>
       </p:sp>
@@ -3088,7 +3090,7 @@
     </p:spTree>
     <p:extLst>
       <p:ext uri="{BB962C8B-B14F-4D97-AF65-F5344CB8AC3E}">
-        <p14:creationId xmlns:p14="http://schemas.microsoft.com/office/powerpoint/2010/main" val="219332139"/>
+        <p14:creationId xmlns:p14="http://schemas.microsoft.com/office/powerpoint/2010/main" val="3188560776"/>
       </p:ext>
     </p:extLst>
   </p:cSld>
@@ -3173,7 +3175,7 @@
     </p:spTree>
     <p:extLst>
       <p:ext uri="{BB962C8B-B14F-4D97-AF65-F5344CB8AC3E}">
-        <p14:creationId xmlns:p14="http://schemas.microsoft.com/office/powerpoint/2010/main" val="2435909096"/>
+        <p14:creationId xmlns:p14="http://schemas.microsoft.com/office/powerpoint/2010/main" val="2075554035"/>
       </p:ext>
     </p:extLst>
   </p:cSld>
@@ -3258,7 +3260,7 @@
     </p:spTree>
     <p:extLst>
       <p:ext uri="{BB962C8B-B14F-4D97-AF65-F5344CB8AC3E}">
-        <p14:creationId xmlns:p14="http://schemas.microsoft.com/office/powerpoint/2010/main" val="392443468"/>
+        <p14:creationId xmlns:p14="http://schemas.microsoft.com/office/powerpoint/2010/main" val="219332139"/>
       </p:ext>
     </p:extLst>
   </p:cSld>
@@ -3343,7 +3345,7 @@
     </p:spTree>
     <p:extLst>
       <p:ext uri="{BB962C8B-B14F-4D97-AF65-F5344CB8AC3E}">
-        <p14:creationId xmlns:p14="http://schemas.microsoft.com/office/powerpoint/2010/main" val="1775906756"/>
+        <p14:creationId xmlns:p14="http://schemas.microsoft.com/office/powerpoint/2010/main" val="2435909096"/>
       </p:ext>
     </p:extLst>
   </p:cSld>
@@ -3397,7 +3399,7 @@
           <a:bodyPr/>
           <a:lstStyle/>
           <a:p>
-            <a:endParaRPr lang="lt-LT" dirty="0"/>
+            <a:endParaRPr lang="en-US"/>
           </a:p>
         </p:txBody>
       </p:sp>
@@ -3428,7 +3430,7 @@
     </p:spTree>
     <p:extLst>
       <p:ext uri="{BB962C8B-B14F-4D97-AF65-F5344CB8AC3E}">
-        <p14:creationId xmlns:p14="http://schemas.microsoft.com/office/powerpoint/2010/main" val="3535693947"/>
+        <p14:creationId xmlns:p14="http://schemas.microsoft.com/office/powerpoint/2010/main" val="392443468"/>
       </p:ext>
     </p:extLst>
   </p:cSld>
@@ -3513,7 +3515,7 @@
     </p:spTree>
     <p:extLst>
       <p:ext uri="{BB962C8B-B14F-4D97-AF65-F5344CB8AC3E}">
-        <p14:creationId xmlns:p14="http://schemas.microsoft.com/office/powerpoint/2010/main" val="1990349743"/>
+        <p14:creationId xmlns:p14="http://schemas.microsoft.com/office/powerpoint/2010/main" val="1775906756"/>
       </p:ext>
     </p:extLst>
   </p:cSld>
@@ -3598,7 +3600,7 @@
     </p:spTree>
     <p:extLst>
       <p:ext uri="{BB962C8B-B14F-4D97-AF65-F5344CB8AC3E}">
-        <p14:creationId xmlns:p14="http://schemas.microsoft.com/office/powerpoint/2010/main" val="3843097027"/>
+        <p14:creationId xmlns:p14="http://schemas.microsoft.com/office/powerpoint/2010/main" val="3535693947"/>
       </p:ext>
     </p:extLst>
   </p:cSld>
@@ -3768,6 +3770,176 @@
     </p:spTree>
     <p:extLst>
       <p:ext uri="{BB962C8B-B14F-4D97-AF65-F5344CB8AC3E}">
+        <p14:creationId xmlns:p14="http://schemas.microsoft.com/office/powerpoint/2010/main" val="1990349743"/>
+      </p:ext>
+    </p:extLst>
+  </p:cSld>
+  <p:clrMapOvr>
+    <a:masterClrMapping/>
+  </p:clrMapOvr>
+</p:notes>
+</file>
+
+<file path=ppt/notesSlides/notesSlide41.xml><?xml version="1.0" encoding="utf-8"?>
+<p:notes xmlns:a="http://schemas.openxmlformats.org/drawingml/2006/main" xmlns:r="http://schemas.openxmlformats.org/officeDocument/2006/relationships" xmlns:p="http://schemas.openxmlformats.org/presentationml/2006/main">
+  <p:cSld>
+    <p:spTree>
+      <p:nvGrpSpPr>
+        <p:cNvPr id="1" name=""/>
+        <p:cNvGrpSpPr/>
+        <p:nvPr/>
+      </p:nvGrpSpPr>
+      <p:grpSpPr>
+        <a:xfrm>
+          <a:off x="0" y="0"/>
+          <a:ext cx="0" cy="0"/>
+          <a:chOff x="0" y="0"/>
+          <a:chExt cx="0" cy="0"/>
+        </a:xfrm>
+      </p:grpSpPr>
+      <p:sp>
+        <p:nvSpPr>
+          <p:cNvPr id="2" name="Slide Image Placeholder 1"/>
+          <p:cNvSpPr>
+            <a:spLocks noGrp="1" noRot="1" noChangeAspect="1"/>
+          </p:cNvSpPr>
+          <p:nvPr>
+            <p:ph type="sldImg"/>
+          </p:nvPr>
+        </p:nvSpPr>
+        <p:spPr/>
+      </p:sp>
+      <p:sp>
+        <p:nvSpPr>
+          <p:cNvPr id="3" name="Notes Placeholder 2"/>
+          <p:cNvSpPr>
+            <a:spLocks noGrp="1"/>
+          </p:cNvSpPr>
+          <p:nvPr>
+            <p:ph type="body" idx="1"/>
+          </p:nvPr>
+        </p:nvSpPr>
+        <p:spPr/>
+        <p:txBody>
+          <a:bodyPr/>
+          <a:lstStyle/>
+          <a:p>
+            <a:endParaRPr lang="lt-LT" dirty="0"/>
+          </a:p>
+        </p:txBody>
+      </p:sp>
+      <p:sp>
+        <p:nvSpPr>
+          <p:cNvPr id="4" name="Slide Number Placeholder 3"/>
+          <p:cNvSpPr>
+            <a:spLocks noGrp="1"/>
+          </p:cNvSpPr>
+          <p:nvPr>
+            <p:ph type="sldNum" sz="quarter" idx="10"/>
+          </p:nvPr>
+        </p:nvSpPr>
+        <p:spPr/>
+        <p:txBody>
+          <a:bodyPr/>
+          <a:lstStyle/>
+          <a:p>
+            <a:fld id="{A16CFAD1-D197-4A88-B173-A6412E995EE5}" type="slidenum">
+              <a:rPr lang="en-GB" smtClean="0"/>
+              <a:pPr/>
+              <a:t>41</a:t>
+            </a:fld>
+            <a:endParaRPr lang="en-GB"/>
+          </a:p>
+        </p:txBody>
+      </p:sp>
+    </p:spTree>
+    <p:extLst>
+      <p:ext uri="{BB962C8B-B14F-4D97-AF65-F5344CB8AC3E}">
+        <p14:creationId xmlns:p14="http://schemas.microsoft.com/office/powerpoint/2010/main" val="3843097027"/>
+      </p:ext>
+    </p:extLst>
+  </p:cSld>
+  <p:clrMapOvr>
+    <a:masterClrMapping/>
+  </p:clrMapOvr>
+</p:notes>
+</file>
+
+<file path=ppt/notesSlides/notesSlide42.xml><?xml version="1.0" encoding="utf-8"?>
+<p:notes xmlns:a="http://schemas.openxmlformats.org/drawingml/2006/main" xmlns:r="http://schemas.openxmlformats.org/officeDocument/2006/relationships" xmlns:p="http://schemas.openxmlformats.org/presentationml/2006/main">
+  <p:cSld>
+    <p:spTree>
+      <p:nvGrpSpPr>
+        <p:cNvPr id="1" name=""/>
+        <p:cNvGrpSpPr/>
+        <p:nvPr/>
+      </p:nvGrpSpPr>
+      <p:grpSpPr>
+        <a:xfrm>
+          <a:off x="0" y="0"/>
+          <a:ext cx="0" cy="0"/>
+          <a:chOff x="0" y="0"/>
+          <a:chExt cx="0" cy="0"/>
+        </a:xfrm>
+      </p:grpSpPr>
+      <p:sp>
+        <p:nvSpPr>
+          <p:cNvPr id="2" name="Slide Image Placeholder 1"/>
+          <p:cNvSpPr>
+            <a:spLocks noGrp="1" noRot="1" noChangeAspect="1"/>
+          </p:cNvSpPr>
+          <p:nvPr>
+            <p:ph type="sldImg"/>
+          </p:nvPr>
+        </p:nvSpPr>
+        <p:spPr/>
+      </p:sp>
+      <p:sp>
+        <p:nvSpPr>
+          <p:cNvPr id="3" name="Notes Placeholder 2"/>
+          <p:cNvSpPr>
+            <a:spLocks noGrp="1"/>
+          </p:cNvSpPr>
+          <p:nvPr>
+            <p:ph type="body" idx="1"/>
+          </p:nvPr>
+        </p:nvSpPr>
+        <p:spPr/>
+        <p:txBody>
+          <a:bodyPr/>
+          <a:lstStyle/>
+          <a:p>
+            <a:endParaRPr lang="lt-LT" dirty="0"/>
+          </a:p>
+        </p:txBody>
+      </p:sp>
+      <p:sp>
+        <p:nvSpPr>
+          <p:cNvPr id="4" name="Slide Number Placeholder 3"/>
+          <p:cNvSpPr>
+            <a:spLocks noGrp="1"/>
+          </p:cNvSpPr>
+          <p:nvPr>
+            <p:ph type="sldNum" sz="quarter" idx="10"/>
+          </p:nvPr>
+        </p:nvSpPr>
+        <p:spPr/>
+        <p:txBody>
+          <a:bodyPr/>
+          <a:lstStyle/>
+          <a:p>
+            <a:fld id="{A16CFAD1-D197-4A88-B173-A6412E995EE5}" type="slidenum">
+              <a:rPr lang="en-GB" smtClean="0"/>
+              <a:pPr/>
+              <a:t>42</a:t>
+            </a:fld>
+            <a:endParaRPr lang="en-GB"/>
+          </a:p>
+        </p:txBody>
+      </p:sp>
+    </p:spTree>
+    <p:extLst>
+      <p:ext uri="{BB962C8B-B14F-4D97-AF65-F5344CB8AC3E}">
         <p14:creationId xmlns:p14="http://schemas.microsoft.com/office/powerpoint/2010/main" val="2183384820"/>
       </p:ext>
     </p:extLst>
@@ -3853,7 +4025,7 @@
     </p:spTree>
     <p:extLst>
       <p:ext uri="{BB962C8B-B14F-4D97-AF65-F5344CB8AC3E}">
-        <p14:creationId xmlns:p14="http://schemas.microsoft.com/office/powerpoint/2010/main" val="903302368"/>
+        <p14:creationId xmlns:p14="http://schemas.microsoft.com/office/powerpoint/2010/main" val="2798445008"/>
       </p:ext>
     </p:extLst>
   </p:cSld>
@@ -3938,7 +4110,7 @@
     </p:spTree>
     <p:extLst>
       <p:ext uri="{BB962C8B-B14F-4D97-AF65-F5344CB8AC3E}">
-        <p14:creationId xmlns:p14="http://schemas.microsoft.com/office/powerpoint/2010/main" val="3643340720"/>
+        <p14:creationId xmlns:p14="http://schemas.microsoft.com/office/powerpoint/2010/main" val="903302368"/>
       </p:ext>
     </p:extLst>
   </p:cSld>
@@ -3992,7 +4164,7 @@
           <a:bodyPr/>
           <a:lstStyle/>
           <a:p>
-            <a:endParaRPr lang="en-US"/>
+            <a:endParaRPr lang="lt-LT" dirty="0"/>
           </a:p>
         </p:txBody>
       </p:sp>
@@ -4023,7 +4195,7 @@
     </p:spTree>
     <p:extLst>
       <p:ext uri="{BB962C8B-B14F-4D97-AF65-F5344CB8AC3E}">
-        <p14:creationId xmlns:p14="http://schemas.microsoft.com/office/powerpoint/2010/main" val="921033942"/>
+        <p14:creationId xmlns:p14="http://schemas.microsoft.com/office/powerpoint/2010/main" val="368088263"/>
       </p:ext>
     </p:extLst>
   </p:cSld>
@@ -4108,7 +4280,7 @@
     </p:spTree>
     <p:extLst>
       <p:ext uri="{BB962C8B-B14F-4D97-AF65-F5344CB8AC3E}">
-        <p14:creationId xmlns:p14="http://schemas.microsoft.com/office/powerpoint/2010/main" val="152724784"/>
+        <p14:creationId xmlns:p14="http://schemas.microsoft.com/office/powerpoint/2010/main" val="3643340720"/>
       </p:ext>
     </p:extLst>
   </p:cSld>
@@ -4162,7 +4334,7 @@
           <a:bodyPr/>
           <a:lstStyle/>
           <a:p>
-            <a:endParaRPr lang="lt-LT" dirty="0"/>
+            <a:endParaRPr lang="en-US"/>
           </a:p>
         </p:txBody>
       </p:sp>
@@ -4193,7 +4365,7 @@
     </p:spTree>
     <p:extLst>
       <p:ext uri="{BB962C8B-B14F-4D97-AF65-F5344CB8AC3E}">
-        <p14:creationId xmlns:p14="http://schemas.microsoft.com/office/powerpoint/2010/main" val="3188560776"/>
+        <p14:creationId xmlns:p14="http://schemas.microsoft.com/office/powerpoint/2010/main" val="921033942"/>
       </p:ext>
     </p:extLst>
   </p:cSld>
@@ -17089,85 +17261,158 @@
           <a:chExt cx="0" cy="0"/>
         </a:xfrm>
       </p:grpSpPr>
-      <p:pic>
-        <p:nvPicPr>
-          <p:cNvPr id="10" name="Picture Placeholder 9"/>
-          <p:cNvPicPr>
-            <a:picLocks noGrp="1" noChangeAspect="1"/>
-          </p:cNvPicPr>
-          <p:nvPr>
-            <p:ph type="pic" sz="quarter" idx="13"/>
-          </p:nvPr>
-        </p:nvPicPr>
-        <p:blipFill>
-          <a:blip r:embed="rId3">
-            <a:extLst>
-              <a:ext uri="{28A0092B-C50C-407E-A947-70E740481C1C}">
-                <a14:useLocalDpi xmlns:a14="http://schemas.microsoft.com/office/drawing/2010/main" val="0"/>
-              </a:ext>
-            </a:extLst>
-          </a:blip>
-          <a:srcRect l="4" r="4"/>
-          <a:stretch>
-            <a:fillRect/>
-          </a:stretch>
-        </p:blipFill>
-        <p:spPr/>
-      </p:pic>
-      <p:sp>
-        <p:nvSpPr>
-          <p:cNvPr id="7" name="Title 6"/>
-          <p:cNvSpPr>
-            <a:spLocks noGrp="1"/>
-          </p:cNvSpPr>
-          <p:nvPr>
-            <p:ph type="ctrTitle"/>
-          </p:nvPr>
-        </p:nvSpPr>
-        <p:spPr/>
-        <p:txBody>
-          <a:bodyPr/>
-          <a:lstStyle/>
-          <a:p>
+      <p:sp>
+        <p:nvSpPr>
+          <p:cNvPr id="2" name="Title 1"/>
+          <p:cNvSpPr>
+            <a:spLocks noGrp="1"/>
+          </p:cNvSpPr>
+          <p:nvPr>
+            <p:ph type="title"/>
+          </p:nvPr>
+        </p:nvSpPr>
+        <p:spPr/>
+        <p:txBody>
+          <a:bodyPr/>
+          <a:lstStyle/>
+          <a:p>
+            <a:r>
+              <a:rPr lang="lt-LT" dirty="0" err="1"/>
+              <a:t>Install</a:t>
+            </a:r>
             <a:r>
               <a:rPr lang="lt-LT" dirty="0"/>
-              <a:t>1</a:t>
+              <a:t> </a:t>
+            </a:r>
+            <a:r>
+              <a:rPr lang="lt-LT" dirty="0" err="1"/>
+              <a:t>git</a:t>
+            </a:r>
+            <a:endParaRPr lang="lt-LT" dirty="0"/>
+          </a:p>
+        </p:txBody>
+      </p:sp>
+      <p:sp>
+        <p:nvSpPr>
+          <p:cNvPr id="3" name="Content Placeholder 2"/>
+          <p:cNvSpPr>
+            <a:spLocks noGrp="1"/>
+          </p:cNvSpPr>
+          <p:nvPr>
+            <p:ph idx="1"/>
+          </p:nvPr>
+        </p:nvSpPr>
+        <p:spPr>
+          <a:xfrm>
+            <a:off x="809624" y="1533905"/>
+            <a:ext cx="10621963" cy="4310304"/>
+          </a:xfrm>
+        </p:spPr>
+        <p:txBody>
+          <a:bodyPr/>
+          <a:lstStyle/>
+          <a:p>
+            <a:r>
+              <a:rPr lang="en-US" b="1" dirty="0"/>
+              <a:t>Linux</a:t>
             </a:r>
             <a:r>
               <a:rPr lang="en-US" dirty="0"/>
-              <a:t>.1</a:t>
-            </a:r>
-            <a:r>
-              <a:rPr lang="lt-LT" dirty="0"/>
-              <a:t>. </a:t>
-            </a:r>
-            <a:r>
-              <a:rPr lang="en-US" dirty="0"/>
-              <a:t>Remote</a:t>
-            </a:r>
-            <a:endParaRPr lang="en-GB" dirty="0"/>
-          </a:p>
-        </p:txBody>
-      </p:sp>
-      <p:sp>
-        <p:nvSpPr>
-          <p:cNvPr id="8" name="Subtitle 7"/>
-          <p:cNvSpPr>
-            <a:spLocks noGrp="1"/>
-          </p:cNvSpPr>
-          <p:nvPr>
-            <p:ph type="subTitle" idx="1"/>
-          </p:nvPr>
-        </p:nvSpPr>
-        <p:spPr/>
-        <p:txBody>
-          <a:bodyPr/>
-          <a:lstStyle/>
-          <a:p>
-            <a:pPr>
+              <a:t> </a:t>
+            </a:r>
+            <a:endParaRPr lang="lt-LT" dirty="0"/>
+          </a:p>
+          <a:p>
+            <a:pPr marL="0" indent="0">
               <a:buNone/>
             </a:pPr>
-            <a:endParaRPr lang="en-GB" dirty="0"/>
+            <a:r>
+              <a:rPr lang="lt-LT" dirty="0"/>
+              <a:t>	</a:t>
+            </a:r>
+            <a:r>
+              <a:rPr lang="en-US" dirty="0" err="1"/>
+              <a:t>sudo</a:t>
+            </a:r>
+            <a:r>
+              <a:rPr lang="en-US" dirty="0"/>
+              <a:t> apt-get install git</a:t>
+            </a:r>
+            <a:endParaRPr lang="lt-LT" dirty="0"/>
+          </a:p>
+          <a:p>
+            <a:pPr marL="0" indent="0">
+              <a:buNone/>
+            </a:pPr>
+            <a:r>
+              <a:rPr lang="lt-LT" dirty="0"/>
+              <a:t>	</a:t>
+            </a:r>
+            <a:r>
+              <a:rPr lang="en-US" dirty="0" err="1"/>
+              <a:t>sudo</a:t>
+            </a:r>
+            <a:r>
+              <a:rPr lang="en-US" dirty="0"/>
+              <a:t> yum install git</a:t>
+            </a:r>
+            <a:endParaRPr lang="lt-LT" dirty="0"/>
+          </a:p>
+          <a:p>
+            <a:r>
+              <a:rPr lang="en-US" b="1" dirty="0"/>
+              <a:t>Mac</a:t>
+            </a:r>
+            <a:r>
+              <a:rPr lang="en-US" dirty="0"/>
+              <a:t> </a:t>
+            </a:r>
+            <a:endParaRPr lang="lt-LT" dirty="0"/>
+          </a:p>
+          <a:p>
+            <a:pPr marL="0" indent="0">
+              <a:buNone/>
+            </a:pPr>
+            <a:r>
+              <a:rPr lang="lt-LT" dirty="0"/>
+              <a:t>	</a:t>
+            </a:r>
+            <a:r>
+              <a:rPr lang="en-US" dirty="0">
+                <a:hlinkClick r:id="rId3"/>
+              </a:rPr>
+              <a:t>http://git-scm.com/download/mac </a:t>
+            </a:r>
+            <a:endParaRPr lang="lt-LT" dirty="0"/>
+          </a:p>
+          <a:p>
+            <a:pPr marL="0" indent="0">
+              <a:buNone/>
+            </a:pPr>
+            <a:endParaRPr lang="lt-LT" dirty="0"/>
+          </a:p>
+          <a:p>
+            <a:r>
+              <a:rPr lang="en-US" b="1" dirty="0"/>
+              <a:t>Windows</a:t>
+            </a:r>
+            <a:endParaRPr lang="lt-LT" b="1" dirty="0"/>
+          </a:p>
+          <a:p>
+            <a:pPr marL="0" indent="0">
+              <a:buNone/>
+            </a:pPr>
+            <a:r>
+              <a:rPr lang="lt-LT" dirty="0"/>
+              <a:t>	</a:t>
+            </a:r>
+            <a:r>
+              <a:rPr lang="en-US" dirty="0">
+                <a:hlinkClick r:id="rId4"/>
+              </a:rPr>
+              <a:t>http://git-scm.com/download/win</a:t>
+            </a:r>
+            <a:endParaRPr lang="lt-LT" dirty="0"/>
           </a:p>
         </p:txBody>
       </p:sp>
@@ -17186,7 +17431,7 @@
           <a:bodyPr/>
           <a:lstStyle/>
           <a:p>
-            <a:endParaRPr lang="en-GB" dirty="0"/>
+            <a:endParaRPr lang="en-GB" noProof="0" dirty="0"/>
           </a:p>
         </p:txBody>
       </p:sp>
@@ -17205,7 +17450,7 @@
           <a:bodyPr/>
           <a:lstStyle/>
           <a:p>
-            <a:endParaRPr lang="en-GB" dirty="0"/>
+            <a:endParaRPr lang="en-GB" noProof="0" dirty="0"/>
           </a:p>
         </p:txBody>
       </p:sp>
@@ -17224,19 +17469,18 @@
           <a:bodyPr/>
           <a:lstStyle/>
           <a:p>
-            <a:fld id="{24C8C45C-947F-4981-8B3F-4F32E973C901}" type="slidenum">
-              <a:rPr lang="en-GB" smtClean="0"/>
-              <a:pPr/>
+            <a:fld id="{859873C9-BF5D-4A9A-BB31-45BBB7BABAF7}" type="slidenum">
+              <a:rPr lang="en-GB" noProof="0" smtClean="0"/>
               <a:t>10</a:t>
             </a:fld>
-            <a:endParaRPr lang="en-GB" dirty="0"/>
+            <a:endParaRPr lang="en-GB" noProof="0" dirty="0"/>
           </a:p>
         </p:txBody>
       </p:sp>
     </p:spTree>
     <p:extLst>
       <p:ext uri="{BB962C8B-B14F-4D97-AF65-F5344CB8AC3E}">
-        <p14:creationId xmlns:p14="http://schemas.microsoft.com/office/powerpoint/2010/main" val="2955926452"/>
+        <p14:creationId xmlns:p14="http://schemas.microsoft.com/office/powerpoint/2010/main" val="3857406326"/>
       </p:ext>
     </p:extLst>
   </p:cSld>
@@ -17273,21 +17517,102 @@
             <p:ph type="title"/>
           </p:nvPr>
         </p:nvSpPr>
-        <p:spPr/>
+        <p:spPr>
+          <a:xfrm>
+            <a:off x="784224" y="481665"/>
+            <a:ext cx="10671175" cy="1052240"/>
+          </a:xfrm>
+        </p:spPr>
         <p:txBody>
           <a:bodyPr/>
           <a:lstStyle/>
           <a:p>
             <a:r>
               <a:rPr lang="en-US" dirty="0"/>
-              <a:t>Group Changes</a:t>
-            </a:r>
-          </a:p>
-        </p:txBody>
-      </p:sp>
-      <p:sp>
-        <p:nvSpPr>
-          <p:cNvPr id="3" name="Content Placeholder 2"/>
+              <a:t>Task</a:t>
+            </a:r>
+            <a:r>
+              <a:rPr lang="lt-LT" dirty="0"/>
+              <a:t> </a:t>
+            </a:r>
+            <a:r>
+              <a:rPr lang="en-US" dirty="0"/>
+              <a:t>#1</a:t>
+            </a:r>
+            <a:endParaRPr lang="lt-LT" dirty="0"/>
+          </a:p>
+        </p:txBody>
+      </p:sp>
+      <p:sp>
+        <p:nvSpPr>
+          <p:cNvPr id="4" name="Date Placeholder 3"/>
+          <p:cNvSpPr>
+            <a:spLocks noGrp="1"/>
+          </p:cNvSpPr>
+          <p:nvPr>
+            <p:ph type="dt" sz="half" idx="10"/>
+          </p:nvPr>
+        </p:nvSpPr>
+        <p:spPr/>
+        <p:txBody>
+          <a:bodyPr/>
+          <a:lstStyle/>
+          <a:p>
+            <a:endParaRPr lang="en-GB" noProof="0" dirty="0"/>
+          </a:p>
+        </p:txBody>
+      </p:sp>
+      <p:sp>
+        <p:nvSpPr>
+          <p:cNvPr id="5" name="Footer Placeholder 4"/>
+          <p:cNvSpPr>
+            <a:spLocks noGrp="1"/>
+          </p:cNvSpPr>
+          <p:nvPr>
+            <p:ph type="ftr" sz="quarter" idx="11"/>
+          </p:nvPr>
+        </p:nvSpPr>
+        <p:spPr/>
+        <p:txBody>
+          <a:bodyPr/>
+          <a:lstStyle/>
+          <a:p>
+            <a:endParaRPr lang="en-GB" noProof="0" dirty="0"/>
+          </a:p>
+        </p:txBody>
+      </p:sp>
+      <p:sp>
+        <p:nvSpPr>
+          <p:cNvPr id="6" name="Slide Number Placeholder 5"/>
+          <p:cNvSpPr>
+            <a:spLocks noGrp="1"/>
+          </p:cNvSpPr>
+          <p:nvPr>
+            <p:ph type="sldNum" sz="quarter" idx="12"/>
+          </p:nvPr>
+        </p:nvSpPr>
+        <p:spPr/>
+        <p:txBody>
+          <a:bodyPr/>
+          <a:lstStyle/>
+          <a:p>
+            <a:fld id="{859873C9-BF5D-4A9A-BB31-45BBB7BABAF7}" type="slidenum">
+              <a:rPr lang="en-GB" noProof="0" smtClean="0"/>
+              <a:t>11</a:t>
+            </a:fld>
+            <a:endParaRPr lang="en-GB" noProof="0" dirty="0"/>
+          </a:p>
+        </p:txBody>
+      </p:sp>
+      <p:sp>
+        <p:nvSpPr>
+          <p:cNvPr id="9" name="Content Placeholder 2">
+            <a:extLst>
+              <a:ext uri="{FF2B5EF4-FFF2-40B4-BE49-F238E27FC236}">
+                <a16:creationId xmlns:a16="http://schemas.microsoft.com/office/drawing/2014/main" id="{6FBA3C69-E815-40A0-901C-A5E3695FC5A5}"/>
+              </a:ext>
+            </a:extLst>
+          </p:cNvPr>
           <p:cNvSpPr>
             <a:spLocks noGrp="1"/>
           </p:cNvSpPr>
@@ -17305,133 +17630,55 @@
           <a:bodyPr/>
           <a:lstStyle/>
           <a:p>
-            <a:pPr marL="0" indent="0">
-              <a:buNone/>
-            </a:pPr>
-            <a:r>
-              <a:rPr lang="en-US" sz="2800" b="1" dirty="0"/>
-              <a:t>git remote add [remote-name] [</a:t>
-            </a:r>
-            <a:r>
-              <a:rPr lang="en-US" sz="2800" b="1" dirty="0" err="1"/>
-              <a:t>url</a:t>
-            </a:r>
-            <a:r>
-              <a:rPr lang="en-US" sz="2800" b="1" dirty="0"/>
-              <a:t>]</a:t>
-            </a:r>
-          </a:p>
-          <a:p>
-            <a:pPr lvl="1"/>
-            <a:r>
-              <a:rPr lang="en-US" sz="2400" dirty="0"/>
-              <a:t> Add a new remote git repository as a </a:t>
-            </a:r>
-            <a:r>
-              <a:rPr lang="en-US" sz="2400" dirty="0" err="1"/>
-              <a:t>shortname</a:t>
-            </a:r>
-            <a:r>
-              <a:rPr lang="en-US" sz="2400" dirty="0"/>
+            <a:r>
+              <a:rPr lang="lt-LT" sz="3200" dirty="0" err="1"/>
+              <a:t>Initialize</a:t>
+            </a:r>
+            <a:r>
+              <a:rPr lang="lt-LT" sz="3200" dirty="0"/>
+              <a:t> a </a:t>
+            </a:r>
+            <a:r>
+              <a:rPr lang="lt-LT" sz="3200" dirty="0" err="1"/>
+              <a:t>new</a:t>
+            </a:r>
+            <a:r>
+              <a:rPr lang="lt-LT" sz="3200" dirty="0"/>
               <a:t> </a:t>
             </a:r>
-          </a:p>
-          <a:p>
-            <a:pPr lvl="1"/>
-            <a:endParaRPr lang="en-US" sz="2400" dirty="0"/>
-          </a:p>
-          <a:p>
-            <a:pPr marL="0" indent="0">
-              <a:buNone/>
-            </a:pPr>
-            <a:r>
-              <a:rPr lang="fr-FR" sz="2800" b="1" dirty="0"/>
-              <a:t>git </a:t>
-            </a:r>
-            <a:r>
-              <a:rPr lang="fr-FR" sz="2800" b="1" dirty="0" err="1"/>
-              <a:t>remote</a:t>
-            </a:r>
-            <a:r>
-              <a:rPr lang="fr-FR" sz="2800" b="1" dirty="0"/>
-              <a:t> -v</a:t>
-            </a:r>
-            <a:endParaRPr lang="en-US" sz="2800" b="1" dirty="0"/>
-          </a:p>
-          <a:p>
-            <a:pPr lvl="1"/>
-            <a:r>
-              <a:rPr lang="en-US" sz="2400" dirty="0"/>
-              <a:t> Lists all remote git repositories</a:t>
-            </a:r>
-          </a:p>
-        </p:txBody>
-      </p:sp>
-      <p:sp>
-        <p:nvSpPr>
-          <p:cNvPr id="4" name="Date Placeholder 3"/>
-          <p:cNvSpPr>
-            <a:spLocks noGrp="1"/>
-          </p:cNvSpPr>
-          <p:nvPr>
-            <p:ph type="dt" sz="half" idx="10"/>
-          </p:nvPr>
-        </p:nvSpPr>
-        <p:spPr/>
-        <p:txBody>
-          <a:bodyPr/>
-          <a:lstStyle/>
-          <a:p>
-            <a:endParaRPr lang="en-GB" noProof="0" dirty="0"/>
-          </a:p>
-        </p:txBody>
-      </p:sp>
-      <p:sp>
-        <p:nvSpPr>
-          <p:cNvPr id="5" name="Footer Placeholder 4"/>
-          <p:cNvSpPr>
-            <a:spLocks noGrp="1"/>
-          </p:cNvSpPr>
-          <p:nvPr>
-            <p:ph type="ftr" sz="quarter" idx="11"/>
-          </p:nvPr>
-        </p:nvSpPr>
-        <p:spPr/>
-        <p:txBody>
-          <a:bodyPr/>
-          <a:lstStyle/>
-          <a:p>
-            <a:endParaRPr lang="en-GB" noProof="0" dirty="0"/>
-          </a:p>
-        </p:txBody>
-      </p:sp>
-      <p:sp>
-        <p:nvSpPr>
-          <p:cNvPr id="6" name="Slide Number Placeholder 5"/>
-          <p:cNvSpPr>
-            <a:spLocks noGrp="1"/>
-          </p:cNvSpPr>
-          <p:nvPr>
-            <p:ph type="sldNum" sz="quarter" idx="12"/>
-          </p:nvPr>
-        </p:nvSpPr>
-        <p:spPr/>
-        <p:txBody>
-          <a:bodyPr/>
-          <a:lstStyle/>
-          <a:p>
-            <a:fld id="{859873C9-BF5D-4A9A-BB31-45BBB7BABAF7}" type="slidenum">
-              <a:rPr lang="en-GB" noProof="0" smtClean="0"/>
-              <a:t>11</a:t>
-            </a:fld>
-            <a:endParaRPr lang="en-GB" noProof="0" dirty="0"/>
+            <a:r>
+              <a:rPr lang="lt-LT" sz="3200" dirty="0" err="1"/>
+              <a:t>git</a:t>
+            </a:r>
+            <a:r>
+              <a:rPr lang="lt-LT" sz="3200" dirty="0"/>
+              <a:t> </a:t>
+            </a:r>
+            <a:r>
+              <a:rPr lang="lt-LT" sz="3200" dirty="0" err="1"/>
+              <a:t>project</a:t>
+            </a:r>
+            <a:endParaRPr lang="en-US" sz="3200" dirty="0"/>
+          </a:p>
+          <a:p>
+            <a:r>
+              <a:rPr lang="en-US" sz="3200" dirty="0"/>
+              <a:t>Create a new file “readme.txt”</a:t>
+            </a:r>
+          </a:p>
+          <a:p>
+            <a:r>
+              <a:rPr lang="en-US" sz="3200" dirty="0"/>
+              <a:t>Commit changes to local repo</a:t>
+            </a:r>
+            <a:endParaRPr lang="lt-LT" sz="3200" dirty="0"/>
           </a:p>
         </p:txBody>
       </p:sp>
     </p:spTree>
     <p:extLst>
       <p:ext uri="{BB962C8B-B14F-4D97-AF65-F5344CB8AC3E}">
-        <p14:creationId xmlns:p14="http://schemas.microsoft.com/office/powerpoint/2010/main" val="1932665292"/>
+        <p14:creationId xmlns:p14="http://schemas.microsoft.com/office/powerpoint/2010/main" val="1977380185"/>
       </p:ext>
     </p:extLst>
   </p:cSld>
@@ -17458,103 +17705,85 @@
           <a:chExt cx="0" cy="0"/>
         </a:xfrm>
       </p:grpSpPr>
-      <p:sp>
-        <p:nvSpPr>
-          <p:cNvPr id="2" name="Title 1"/>
-          <p:cNvSpPr>
-            <a:spLocks noGrp="1"/>
-          </p:cNvSpPr>
-          <p:nvPr>
-            <p:ph type="title"/>
-          </p:nvPr>
-        </p:nvSpPr>
-        <p:spPr/>
-        <p:txBody>
-          <a:bodyPr/>
-          <a:lstStyle/>
-          <a:p>
+      <p:pic>
+        <p:nvPicPr>
+          <p:cNvPr id="10" name="Picture Placeholder 9"/>
+          <p:cNvPicPr>
+            <a:picLocks noGrp="1" noChangeAspect="1"/>
+          </p:cNvPicPr>
+          <p:nvPr>
+            <p:ph type="pic" sz="quarter" idx="13"/>
+          </p:nvPr>
+        </p:nvPicPr>
+        <p:blipFill>
+          <a:blip r:embed="rId3">
+            <a:extLst>
+              <a:ext uri="{28A0092B-C50C-407E-A947-70E740481C1C}">
+                <a14:useLocalDpi xmlns:a14="http://schemas.microsoft.com/office/drawing/2010/main" val="0"/>
+              </a:ext>
+            </a:extLst>
+          </a:blip>
+          <a:srcRect l="4" r="4"/>
+          <a:stretch>
+            <a:fillRect/>
+          </a:stretch>
+        </p:blipFill>
+        <p:spPr/>
+      </p:pic>
+      <p:sp>
+        <p:nvSpPr>
+          <p:cNvPr id="7" name="Title 6"/>
+          <p:cNvSpPr>
+            <a:spLocks noGrp="1"/>
+          </p:cNvSpPr>
+          <p:nvPr>
+            <p:ph type="ctrTitle"/>
+          </p:nvPr>
+        </p:nvSpPr>
+        <p:spPr/>
+        <p:txBody>
+          <a:bodyPr/>
+          <a:lstStyle/>
+          <a:p>
+            <a:r>
+              <a:rPr lang="lt-LT" dirty="0"/>
+              <a:t>1</a:t>
+            </a:r>
             <a:r>
               <a:rPr lang="en-US" dirty="0"/>
-              <a:t>Synchronize Changes</a:t>
-            </a:r>
-          </a:p>
-        </p:txBody>
-      </p:sp>
-      <p:sp>
-        <p:nvSpPr>
-          <p:cNvPr id="3" name="Content Placeholder 2"/>
-          <p:cNvSpPr>
-            <a:spLocks noGrp="1"/>
-          </p:cNvSpPr>
-          <p:nvPr>
-            <p:ph idx="1"/>
-          </p:nvPr>
-        </p:nvSpPr>
-        <p:spPr>
-          <a:xfrm>
-            <a:off x="809624" y="1533905"/>
-            <a:ext cx="10367457" cy="4310303"/>
-          </a:xfrm>
-        </p:spPr>
-        <p:txBody>
-          <a:bodyPr/>
-          <a:lstStyle/>
-          <a:p>
-            <a:pPr marL="0" indent="0">
+              <a:t>.1</a:t>
+            </a:r>
+            <a:r>
+              <a:rPr lang="lt-LT" dirty="0"/>
+              <a:t>. </a:t>
+            </a:r>
+            <a:r>
+              <a:rPr lang="en-US" dirty="0"/>
+              <a:t>Remote</a:t>
+            </a:r>
+            <a:endParaRPr lang="en-GB" dirty="0"/>
+          </a:p>
+        </p:txBody>
+      </p:sp>
+      <p:sp>
+        <p:nvSpPr>
+          <p:cNvPr id="8" name="Subtitle 7"/>
+          <p:cNvSpPr>
+            <a:spLocks noGrp="1"/>
+          </p:cNvSpPr>
+          <p:nvPr>
+            <p:ph type="subTitle" idx="1"/>
+          </p:nvPr>
+        </p:nvSpPr>
+        <p:spPr/>
+        <p:txBody>
+          <a:bodyPr/>
+          <a:lstStyle/>
+          <a:p>
+            <a:pPr>
               <a:buNone/>
             </a:pPr>
-            <a:r>
-              <a:rPr lang="en-US" sz="2800" b="1" dirty="0"/>
-              <a:t>git push [alias] [branch]</a:t>
-            </a:r>
-          </a:p>
-          <a:p>
-            <a:pPr lvl="1"/>
-            <a:r>
-              <a:rPr lang="en-US" sz="2400" dirty="0"/>
-              <a:t> Uploads all local branch commits to remote repo branch</a:t>
-            </a:r>
-          </a:p>
-          <a:p>
-            <a:pPr lvl="1"/>
-            <a:endParaRPr lang="en-US" sz="2400" dirty="0"/>
-          </a:p>
-          <a:p>
-            <a:pPr marL="0" indent="0">
-              <a:buNone/>
-            </a:pPr>
-            <a:r>
-              <a:rPr lang="en-US" sz="2800" b="1" dirty="0"/>
-              <a:t>git push -u [alias] [branch]</a:t>
-            </a:r>
-          </a:p>
-          <a:p>
-            <a:pPr lvl="1"/>
-            <a:r>
-              <a:rPr lang="en-US" sz="2400" dirty="0"/>
-              <a:t> Sets upstream and uploads all local branch commits to remote repo branch (used only first time pushing a new branch)</a:t>
-            </a:r>
-          </a:p>
-          <a:p>
-            <a:pPr lvl="1"/>
-            <a:endParaRPr lang="en-US" sz="2400" dirty="0"/>
-          </a:p>
-          <a:p>
-            <a:pPr marL="0" indent="0">
-              <a:buNone/>
-            </a:pPr>
-            <a:r>
-              <a:rPr lang="fr-FR" sz="2800" b="1" dirty="0"/>
-              <a:t>git pull</a:t>
-            </a:r>
-            <a:endParaRPr lang="en-US" sz="2800" b="1" dirty="0"/>
-          </a:p>
-          <a:p>
-            <a:pPr lvl="1"/>
-            <a:r>
-              <a:rPr lang="en-US" sz="2400" dirty="0"/>
-              <a:t> Fetches and merges any commits from the tracking remote branch</a:t>
-            </a:r>
+            <a:endParaRPr lang="en-GB" dirty="0"/>
           </a:p>
         </p:txBody>
       </p:sp>
@@ -17573,7 +17802,7 @@
           <a:bodyPr/>
           <a:lstStyle/>
           <a:p>
-            <a:endParaRPr lang="en-GB" noProof="0" dirty="0"/>
+            <a:endParaRPr lang="en-GB" dirty="0"/>
           </a:p>
         </p:txBody>
       </p:sp>
@@ -17592,7 +17821,7 @@
           <a:bodyPr/>
           <a:lstStyle/>
           <a:p>
-            <a:endParaRPr lang="en-GB" noProof="0" dirty="0"/>
+            <a:endParaRPr lang="en-GB" dirty="0"/>
           </a:p>
         </p:txBody>
       </p:sp>
@@ -17611,18 +17840,19 @@
           <a:bodyPr/>
           <a:lstStyle/>
           <a:p>
-            <a:fld id="{859873C9-BF5D-4A9A-BB31-45BBB7BABAF7}" type="slidenum">
-              <a:rPr lang="en-GB" noProof="0" smtClean="0"/>
+            <a:fld id="{24C8C45C-947F-4981-8B3F-4F32E973C901}" type="slidenum">
+              <a:rPr lang="en-GB" smtClean="0"/>
+              <a:pPr/>
               <a:t>12</a:t>
             </a:fld>
-            <a:endParaRPr lang="en-GB" noProof="0" dirty="0"/>
+            <a:endParaRPr lang="en-GB" dirty="0"/>
           </a:p>
         </p:txBody>
       </p:sp>
     </p:spTree>
     <p:extLst>
       <p:ext uri="{BB962C8B-B14F-4D97-AF65-F5344CB8AC3E}">
-        <p14:creationId xmlns:p14="http://schemas.microsoft.com/office/powerpoint/2010/main" val="1697815032"/>
+        <p14:creationId xmlns:p14="http://schemas.microsoft.com/office/powerpoint/2010/main" val="2955926452"/>
       </p:ext>
     </p:extLst>
   </p:cSld>
@@ -17684,7 +17914,7 @@
         <p:spPr>
           <a:xfrm>
             <a:off x="809624" y="1533905"/>
-            <a:ext cx="10367457" cy="4310303"/>
+            <a:ext cx="10621963" cy="4310303"/>
           </a:xfrm>
         </p:spPr>
         <p:txBody>
@@ -17695,35 +17925,52 @@
               <a:buNone/>
             </a:pPr>
             <a:r>
-              <a:rPr lang="fr-FR" sz="2800" b="1" dirty="0"/>
-              <a:t>git </a:t>
-            </a:r>
-            <a:r>
-              <a:rPr lang="fr-FR" sz="2800" b="1" dirty="0" err="1"/>
-              <a:t>fetch</a:t>
-            </a:r>
-            <a:endParaRPr lang="en-US" sz="2800" b="1" dirty="0"/>
+              <a:rPr lang="en-US" sz="2800" b="1" dirty="0"/>
+              <a:t>git remote add [remote-name] [</a:t>
+            </a:r>
+            <a:r>
+              <a:rPr lang="en-US" sz="2800" b="1" dirty="0" err="1"/>
+              <a:t>url</a:t>
+            </a:r>
+            <a:r>
+              <a:rPr lang="en-US" sz="2800" b="1" dirty="0"/>
+              <a:t>]</a:t>
+            </a:r>
           </a:p>
           <a:p>
             <a:pPr lvl="1"/>
             <a:r>
               <a:rPr lang="en-US" sz="2400" dirty="0"/>
-              <a:t> Fetch branches and/or tags (collectively, "refs") from one or more other repositories, along with the objects necessary to complete their histories</a:t>
-            </a:r>
+              <a:t> Add a new remote git repository as a </a:t>
+            </a:r>
+            <a:r>
+              <a:rPr lang="en-US" sz="2400" dirty="0" err="1"/>
+              <a:t>shortname</a:t>
+            </a:r>
+            <a:r>
+              <a:rPr lang="en-US" sz="2400" dirty="0"/>
+              <a:t> </a:t>
+            </a:r>
+          </a:p>
+          <a:p>
+            <a:pPr lvl="1"/>
+            <a:endParaRPr lang="en-US" sz="2400" dirty="0"/>
           </a:p>
           <a:p>
             <a:pPr marL="0" indent="0">
               <a:buNone/>
             </a:pPr>
-            <a:endParaRPr lang="fr-FR" sz="2800" b="1" dirty="0"/>
-          </a:p>
-          <a:p>
-            <a:pPr marL="0" indent="0">
-              <a:buNone/>
-            </a:pPr>
             <a:r>
               <a:rPr lang="fr-FR" sz="2800" b="1" dirty="0"/>
-              <a:t>git pull</a:t>
+              <a:t>git </a:t>
+            </a:r>
+            <a:r>
+              <a:rPr lang="fr-FR" sz="2800" b="1" dirty="0" err="1"/>
+              <a:t>remote</a:t>
+            </a:r>
+            <a:r>
+              <a:rPr lang="fr-FR" sz="2800" b="1" dirty="0"/>
+              <a:t> -v</a:t>
             </a:r>
             <a:endParaRPr lang="en-US" sz="2800" b="1" dirty="0"/>
           </a:p>
@@ -17731,14 +17978,8 @@
             <a:pPr lvl="1"/>
             <a:r>
               <a:rPr lang="en-US" sz="2400" dirty="0"/>
-              <a:t> Fetches and merges any commits from the tracking remote branch</a:t>
-            </a:r>
-          </a:p>
-          <a:p>
-            <a:pPr marL="216000" lvl="1" indent="0">
-              <a:buNone/>
-            </a:pPr>
-            <a:endParaRPr lang="en-US" sz="2400" dirty="0"/>
+              <a:t> Lists all remote git repositories</a:t>
+            </a:r>
           </a:p>
         </p:txBody>
       </p:sp>
@@ -17806,7 +18047,7 @@
     </p:spTree>
     <p:extLst>
       <p:ext uri="{BB962C8B-B14F-4D97-AF65-F5344CB8AC3E}">
-        <p14:creationId xmlns:p14="http://schemas.microsoft.com/office/powerpoint/2010/main" val="1354629239"/>
+        <p14:creationId xmlns:p14="http://schemas.microsoft.com/office/powerpoint/2010/main" val="1932665292"/>
       </p:ext>
     </p:extLst>
   </p:cSld>
@@ -17833,39 +18074,14 @@
           <a:chExt cx="0" cy="0"/>
         </a:xfrm>
       </p:grpSpPr>
-      <p:pic>
-        <p:nvPicPr>
-          <p:cNvPr id="10" name="Picture Placeholder 9"/>
-          <p:cNvPicPr>
-            <a:picLocks noGrp="1" noChangeAspect="1"/>
-          </p:cNvPicPr>
-          <p:nvPr>
-            <p:ph type="pic" sz="quarter" idx="13"/>
-          </p:nvPr>
-        </p:nvPicPr>
-        <p:blipFill>
-          <a:blip r:embed="rId3">
-            <a:extLst>
-              <a:ext uri="{28A0092B-C50C-407E-A947-70E740481C1C}">
-                <a14:useLocalDpi xmlns:a14="http://schemas.microsoft.com/office/drawing/2010/main" val="0"/>
-              </a:ext>
-            </a:extLst>
-          </a:blip>
-          <a:srcRect l="4" r="4"/>
-          <a:stretch>
-            <a:fillRect/>
-          </a:stretch>
-        </p:blipFill>
-        <p:spPr/>
-      </p:pic>
-      <p:sp>
-        <p:nvSpPr>
-          <p:cNvPr id="7" name="Title 6"/>
-          <p:cNvSpPr>
-            <a:spLocks noGrp="1"/>
-          </p:cNvSpPr>
-          <p:nvPr>
-            <p:ph type="ctrTitle"/>
+      <p:sp>
+        <p:nvSpPr>
+          <p:cNvPr id="2" name="Title 1"/>
+          <p:cNvSpPr>
+            <a:spLocks noGrp="1"/>
+          </p:cNvSpPr>
+          <p:nvPr>
+            <p:ph type="title"/>
           </p:nvPr>
         </p:nvSpPr>
         <p:spPr/>
@@ -17875,31 +18091,86 @@
           <a:p>
             <a:r>
               <a:rPr lang="en-US" dirty="0"/>
-              <a:t>Practice</a:t>
-            </a:r>
-            <a:endParaRPr lang="en-GB" dirty="0"/>
-          </a:p>
-        </p:txBody>
-      </p:sp>
-      <p:sp>
-        <p:nvSpPr>
-          <p:cNvPr id="8" name="Subtitle 7"/>
-          <p:cNvSpPr>
-            <a:spLocks noGrp="1"/>
-          </p:cNvSpPr>
-          <p:nvPr>
-            <p:ph type="subTitle" idx="1"/>
-          </p:nvPr>
-        </p:nvSpPr>
-        <p:spPr/>
-        <p:txBody>
-          <a:bodyPr/>
-          <a:lstStyle/>
-          <a:p>
-            <a:pPr>
+              <a:t>Synchronize Changes</a:t>
+            </a:r>
+          </a:p>
+        </p:txBody>
+      </p:sp>
+      <p:sp>
+        <p:nvSpPr>
+          <p:cNvPr id="3" name="Content Placeholder 2"/>
+          <p:cNvSpPr>
+            <a:spLocks noGrp="1"/>
+          </p:cNvSpPr>
+          <p:nvPr>
+            <p:ph idx="1"/>
+          </p:nvPr>
+        </p:nvSpPr>
+        <p:spPr>
+          <a:xfrm>
+            <a:off x="809624" y="1533905"/>
+            <a:ext cx="10367457" cy="4310303"/>
+          </a:xfrm>
+        </p:spPr>
+        <p:txBody>
+          <a:bodyPr/>
+          <a:lstStyle/>
+          <a:p>
+            <a:pPr marL="0" indent="0">
               <a:buNone/>
             </a:pPr>
-            <a:endParaRPr lang="en-GB" dirty="0"/>
+            <a:r>
+              <a:rPr lang="en-US" sz="2800" b="1" dirty="0"/>
+              <a:t>git push [alias] [branch]</a:t>
+            </a:r>
+          </a:p>
+          <a:p>
+            <a:pPr lvl="1"/>
+            <a:r>
+              <a:rPr lang="en-US" sz="2400" dirty="0"/>
+              <a:t> Uploads all local branch commits to remote repo branch</a:t>
+            </a:r>
+          </a:p>
+          <a:p>
+            <a:pPr lvl="1"/>
+            <a:endParaRPr lang="en-US" sz="2400" dirty="0"/>
+          </a:p>
+          <a:p>
+            <a:pPr marL="0" indent="0">
+              <a:buNone/>
+            </a:pPr>
+            <a:r>
+              <a:rPr lang="en-US" sz="2800" b="1" dirty="0"/>
+              <a:t>git push -u [alias] [branch]</a:t>
+            </a:r>
+          </a:p>
+          <a:p>
+            <a:pPr lvl="1"/>
+            <a:r>
+              <a:rPr lang="en-US" sz="2400" dirty="0"/>
+              <a:t> Sets upstream and uploads all local branch commits to remote repo branch (used only first time pushing a new branch)</a:t>
+            </a:r>
+          </a:p>
+          <a:p>
+            <a:pPr lvl="1"/>
+            <a:endParaRPr lang="en-US" sz="2400" dirty="0"/>
+          </a:p>
+          <a:p>
+            <a:pPr marL="0" indent="0">
+              <a:buNone/>
+            </a:pPr>
+            <a:r>
+              <a:rPr lang="fr-FR" sz="2800" b="1" dirty="0"/>
+              <a:t>git pull</a:t>
+            </a:r>
+            <a:endParaRPr lang="en-US" sz="2800" b="1" dirty="0"/>
+          </a:p>
+          <a:p>
+            <a:pPr lvl="1"/>
+            <a:r>
+              <a:rPr lang="en-US" sz="2400" dirty="0"/>
+              <a:t> Fetches and merges any commits from the tracking remote branch</a:t>
+            </a:r>
           </a:p>
         </p:txBody>
       </p:sp>
@@ -17918,7 +18189,7 @@
           <a:bodyPr/>
           <a:lstStyle/>
           <a:p>
-            <a:endParaRPr lang="en-GB" dirty="0"/>
+            <a:endParaRPr lang="en-GB" noProof="0" dirty="0"/>
           </a:p>
         </p:txBody>
       </p:sp>
@@ -17937,7 +18208,7 @@
           <a:bodyPr/>
           <a:lstStyle/>
           <a:p>
-            <a:endParaRPr lang="en-GB" dirty="0"/>
+            <a:endParaRPr lang="en-GB" noProof="0" dirty="0"/>
           </a:p>
         </p:txBody>
       </p:sp>
@@ -17956,19 +18227,18 @@
           <a:bodyPr/>
           <a:lstStyle/>
           <a:p>
-            <a:fld id="{24C8C45C-947F-4981-8B3F-4F32E973C901}" type="slidenum">
-              <a:rPr lang="en-GB" smtClean="0"/>
-              <a:pPr/>
+            <a:fld id="{859873C9-BF5D-4A9A-BB31-45BBB7BABAF7}" type="slidenum">
+              <a:rPr lang="en-GB" noProof="0" smtClean="0"/>
               <a:t>14</a:t>
             </a:fld>
-            <a:endParaRPr lang="en-GB" dirty="0"/>
+            <a:endParaRPr lang="en-GB" noProof="0" dirty="0"/>
           </a:p>
         </p:txBody>
       </p:sp>
     </p:spTree>
     <p:extLst>
       <p:ext uri="{BB962C8B-B14F-4D97-AF65-F5344CB8AC3E}">
-        <p14:creationId xmlns:p14="http://schemas.microsoft.com/office/powerpoint/2010/main" val="3670352501"/>
+        <p14:creationId xmlns:p14="http://schemas.microsoft.com/office/powerpoint/2010/main" val="1697815032"/>
       </p:ext>
     </p:extLst>
   </p:cSld>
@@ -18012,9 +18282,8 @@
           <a:p>
             <a:r>
               <a:rPr lang="en-US" dirty="0"/>
-              <a:t>Create GitHub account</a:t>
-            </a:r>
-            <a:endParaRPr lang="lt-LT" dirty="0"/>
+              <a:t>Synchronize Changes</a:t>
+            </a:r>
           </a:p>
         </p:txBody>
       </p:sp>
@@ -18031,29 +18300,60 @@
         <p:spPr>
           <a:xfrm>
             <a:off x="809624" y="1533905"/>
-            <a:ext cx="10621963" cy="4310304"/>
+            <a:ext cx="10367457" cy="4310303"/>
           </a:xfrm>
         </p:spPr>
         <p:txBody>
           <a:bodyPr/>
           <a:lstStyle/>
-          <a:p>
-            <a:r>
-              <a:rPr lang="en-US" sz="3600" dirty="0">
-                <a:hlinkClick r:id="rId3"/>
-              </a:rPr>
-              <a:t>www.github.com</a:t>
-            </a:r>
-            <a:endParaRPr lang="en-US" sz="3600" dirty="0"/>
-          </a:p>
           <a:p>
             <a:pPr marL="0" indent="0">
               <a:buNone/>
             </a:pPr>
-            <a:endParaRPr lang="en-US" sz="3600" dirty="0"/>
-          </a:p>
-          <a:p>
-            <a:endParaRPr lang="lt-LT" sz="3600" dirty="0"/>
+            <a:r>
+              <a:rPr lang="fr-FR" sz="2800" b="1" dirty="0"/>
+              <a:t>git </a:t>
+            </a:r>
+            <a:r>
+              <a:rPr lang="fr-FR" sz="2800" b="1" dirty="0" err="1"/>
+              <a:t>fetch</a:t>
+            </a:r>
+            <a:endParaRPr lang="en-US" sz="2800" b="1" dirty="0"/>
+          </a:p>
+          <a:p>
+            <a:pPr lvl="1"/>
+            <a:r>
+              <a:rPr lang="en-US" sz="2400" dirty="0"/>
+              <a:t> Download objects and refs from another repository</a:t>
+            </a:r>
+            <a:endParaRPr lang="lt-LT" sz="2400" dirty="0"/>
+          </a:p>
+          <a:p>
+            <a:pPr lvl="1"/>
+            <a:endParaRPr lang="fr-FR" sz="2800" b="1" dirty="0"/>
+          </a:p>
+          <a:p>
+            <a:pPr marL="0" indent="0">
+              <a:buNone/>
+            </a:pPr>
+            <a:r>
+              <a:rPr lang="fr-FR" sz="2800" b="1" dirty="0"/>
+              <a:t>git pull</a:t>
+            </a:r>
+            <a:endParaRPr lang="en-US" sz="2800" b="1" dirty="0"/>
+          </a:p>
+          <a:p>
+            <a:pPr lvl="1"/>
+            <a:r>
+              <a:rPr lang="en-US" sz="2400" dirty="0"/>
+              <a:t> Fetches and merges any commits from the tracking remote branch</a:t>
+            </a:r>
+          </a:p>
+          <a:p>
+            <a:pPr marL="216000" lvl="1" indent="0">
+              <a:buNone/>
+            </a:pPr>
+            <a:endParaRPr lang="en-US" sz="2400" dirty="0"/>
           </a:p>
         </p:txBody>
       </p:sp>
@@ -18121,7 +18421,7 @@
     </p:spTree>
     <p:extLst>
       <p:ext uri="{BB962C8B-B14F-4D97-AF65-F5344CB8AC3E}">
-        <p14:creationId xmlns:p14="http://schemas.microsoft.com/office/powerpoint/2010/main" val="3101125095"/>
+        <p14:creationId xmlns:p14="http://schemas.microsoft.com/office/powerpoint/2010/main" val="1354629239"/>
       </p:ext>
     </p:extLst>
   </p:cSld>
@@ -18148,39 +18448,73 @@
           <a:chExt cx="0" cy="0"/>
         </a:xfrm>
       </p:grpSpPr>
-      <p:sp>
-        <p:nvSpPr>
-          <p:cNvPr id="2" name="Title 1"/>
-          <p:cNvSpPr>
-            <a:spLocks noGrp="1"/>
-          </p:cNvSpPr>
-          <p:nvPr>
-            <p:ph type="title"/>
-          </p:nvPr>
-        </p:nvSpPr>
-        <p:spPr>
-          <a:xfrm>
-            <a:off x="784224" y="481665"/>
-            <a:ext cx="10671175" cy="1052240"/>
-          </a:xfrm>
-        </p:spPr>
+      <p:pic>
+        <p:nvPicPr>
+          <p:cNvPr id="10" name="Picture Placeholder 9"/>
+          <p:cNvPicPr>
+            <a:picLocks noGrp="1" noChangeAspect="1"/>
+          </p:cNvPicPr>
+          <p:nvPr>
+            <p:ph type="pic" sz="quarter" idx="13"/>
+          </p:nvPr>
+        </p:nvPicPr>
+        <p:blipFill>
+          <a:blip r:embed="rId3">
+            <a:extLst>
+              <a:ext uri="{28A0092B-C50C-407E-A947-70E740481C1C}">
+                <a14:useLocalDpi xmlns:a14="http://schemas.microsoft.com/office/drawing/2010/main" val="0"/>
+              </a:ext>
+            </a:extLst>
+          </a:blip>
+          <a:srcRect l="4" r="4"/>
+          <a:stretch>
+            <a:fillRect/>
+          </a:stretch>
+        </p:blipFill>
+        <p:spPr/>
+      </p:pic>
+      <p:sp>
+        <p:nvSpPr>
+          <p:cNvPr id="7" name="Title 6"/>
+          <p:cNvSpPr>
+            <a:spLocks noGrp="1"/>
+          </p:cNvSpPr>
+          <p:nvPr>
+            <p:ph type="ctrTitle"/>
+          </p:nvPr>
+        </p:nvSpPr>
+        <p:spPr/>
         <p:txBody>
           <a:bodyPr/>
           <a:lstStyle/>
           <a:p>
             <a:r>
               <a:rPr lang="en-US" dirty="0"/>
-              <a:t>Task</a:t>
-            </a:r>
-            <a:r>
-              <a:rPr lang="lt-LT" dirty="0"/>
-              <a:t> </a:t>
-            </a:r>
-            <a:r>
-              <a:rPr lang="en-US" dirty="0"/>
-              <a:t>#2</a:t>
-            </a:r>
-            <a:endParaRPr lang="lt-LT" dirty="0"/>
+              <a:t>Practice</a:t>
+            </a:r>
+            <a:endParaRPr lang="en-GB" dirty="0"/>
+          </a:p>
+        </p:txBody>
+      </p:sp>
+      <p:sp>
+        <p:nvSpPr>
+          <p:cNvPr id="8" name="Subtitle 7"/>
+          <p:cNvSpPr>
+            <a:spLocks noGrp="1"/>
+          </p:cNvSpPr>
+          <p:nvPr>
+            <p:ph type="subTitle" idx="1"/>
+          </p:nvPr>
+        </p:nvSpPr>
+        <p:spPr/>
+        <p:txBody>
+          <a:bodyPr/>
+          <a:lstStyle/>
+          <a:p>
+            <a:pPr>
+              <a:buNone/>
+            </a:pPr>
+            <a:endParaRPr lang="en-GB" dirty="0"/>
           </a:p>
         </p:txBody>
       </p:sp>
@@ -18199,7 +18533,7 @@
           <a:bodyPr/>
           <a:lstStyle/>
           <a:p>
-            <a:endParaRPr lang="en-GB" noProof="0" dirty="0"/>
+            <a:endParaRPr lang="en-GB" dirty="0"/>
           </a:p>
         </p:txBody>
       </p:sp>
@@ -18218,7 +18552,7 @@
           <a:bodyPr/>
           <a:lstStyle/>
           <a:p>
-            <a:endParaRPr lang="en-GB" noProof="0" dirty="0"/>
+            <a:endParaRPr lang="en-GB" dirty="0"/>
           </a:p>
         </p:txBody>
       </p:sp>
@@ -18237,233 +18571,19 @@
           <a:bodyPr/>
           <a:lstStyle/>
           <a:p>
-            <a:fld id="{859873C9-BF5D-4A9A-BB31-45BBB7BABAF7}" type="slidenum">
-              <a:rPr lang="en-GB" noProof="0" smtClean="0"/>
+            <a:fld id="{24C8C45C-947F-4981-8B3F-4F32E973C901}" type="slidenum">
+              <a:rPr lang="en-GB" smtClean="0"/>
+              <a:pPr/>
               <a:t>16</a:t>
             </a:fld>
-            <a:endParaRPr lang="en-GB" noProof="0" dirty="0"/>
-          </a:p>
-        </p:txBody>
-      </p:sp>
-      <p:sp>
-        <p:nvSpPr>
-          <p:cNvPr id="7" name="Content Placeholder 2">
-            <a:extLst>
-              <a:ext uri="{FF2B5EF4-FFF2-40B4-BE49-F238E27FC236}">
-                <a16:creationId xmlns:a16="http://schemas.microsoft.com/office/drawing/2014/main" id="{236D5AD3-798D-4235-9534-A03E209C626B}"/>
-              </a:ext>
-            </a:extLst>
-          </p:cNvPr>
-          <p:cNvSpPr txBox="1">
-            <a:spLocks/>
-          </p:cNvSpPr>
-          <p:nvPr/>
-        </p:nvSpPr>
-        <p:spPr>
-          <a:xfrm>
-            <a:off x="809624" y="1533905"/>
-            <a:ext cx="10621963" cy="4310303"/>
-          </a:xfrm>
-          <a:prstGeom prst="rect">
-            <a:avLst/>
-          </a:prstGeom>
-        </p:spPr>
-        <p:txBody>
-          <a:bodyPr vert="horz" lIns="0" tIns="0" rIns="0" bIns="0" rtlCol="0">
-            <a:noAutofit/>
-          </a:bodyPr>
-          <a:lstStyle>
-            <a:lvl1pPr marL="216000" indent="-216000" algn="l" defTabSz="914400" rtl="0" eaLnBrk="1" latinLnBrk="0" hangingPunct="1">
-              <a:lnSpc>
-                <a:spcPct val="100000"/>
-              </a:lnSpc>
-              <a:spcBef>
-                <a:spcPts val="800"/>
-              </a:spcBef>
-              <a:buClr>
-                <a:schemeClr val="accent1"/>
-              </a:buClr>
-              <a:buFont typeface="Arial" panose="020B0604020202020204" pitchFamily="34" charset="0"/>
-              <a:buChar char="•"/>
-              <a:defRPr sz="2200" kern="1200">
-                <a:solidFill>
-                  <a:schemeClr val="tx1"/>
-                </a:solidFill>
-                <a:latin typeface="+mn-lt"/>
-                <a:ea typeface="+mn-ea"/>
-                <a:cs typeface="+mn-cs"/>
-              </a:defRPr>
-            </a:lvl1pPr>
-            <a:lvl2pPr marL="396000" indent="-180000" algn="l" defTabSz="914400" rtl="0" eaLnBrk="1" latinLnBrk="0" hangingPunct="1">
-              <a:lnSpc>
-                <a:spcPct val="100000"/>
-              </a:lnSpc>
-              <a:spcBef>
-                <a:spcPts val="800"/>
-              </a:spcBef>
-              <a:buFont typeface="Arial" panose="020B0604020202020204" pitchFamily="34" charset="0"/>
-              <a:buChar char="–"/>
-              <a:defRPr sz="1800" kern="1200">
-                <a:solidFill>
-                  <a:schemeClr val="tx1"/>
-                </a:solidFill>
-                <a:latin typeface="+mn-lt"/>
-                <a:ea typeface="+mn-ea"/>
-                <a:cs typeface="+mn-cs"/>
-              </a:defRPr>
-            </a:lvl2pPr>
-            <a:lvl3pPr marL="576000" indent="-180000" algn="l" defTabSz="914400" rtl="0" eaLnBrk="1" latinLnBrk="0" hangingPunct="1">
-              <a:lnSpc>
-                <a:spcPct val="100000"/>
-              </a:lnSpc>
-              <a:spcBef>
-                <a:spcPts val="800"/>
-              </a:spcBef>
-              <a:buFont typeface="Arial" panose="020B0604020202020204" pitchFamily="34" charset="0"/>
-              <a:buChar char="•"/>
-              <a:defRPr sz="1600" kern="1200">
-                <a:solidFill>
-                  <a:schemeClr val="tx1"/>
-                </a:solidFill>
-                <a:latin typeface="+mn-lt"/>
-                <a:ea typeface="+mn-ea"/>
-                <a:cs typeface="+mn-cs"/>
-              </a:defRPr>
-            </a:lvl3pPr>
-            <a:lvl4pPr marL="756000" indent="-180000" algn="l" defTabSz="914400" rtl="0" eaLnBrk="1" latinLnBrk="0" hangingPunct="1">
-              <a:lnSpc>
-                <a:spcPct val="100000"/>
-              </a:lnSpc>
-              <a:spcBef>
-                <a:spcPts val="800"/>
-              </a:spcBef>
-              <a:buFont typeface="Arial" panose="020B0604020202020204" pitchFamily="34" charset="0"/>
-              <a:buChar char="–"/>
-              <a:defRPr sz="1400" kern="1200">
-                <a:solidFill>
-                  <a:schemeClr val="tx1"/>
-                </a:solidFill>
-                <a:latin typeface="+mn-lt"/>
-                <a:ea typeface="+mn-ea"/>
-                <a:cs typeface="+mn-cs"/>
-              </a:defRPr>
-            </a:lvl4pPr>
-            <a:lvl5pPr marL="936000" indent="-180000" algn="l" defTabSz="914400" rtl="0" eaLnBrk="1" latinLnBrk="0" hangingPunct="1">
-              <a:lnSpc>
-                <a:spcPct val="100000"/>
-              </a:lnSpc>
-              <a:spcBef>
-                <a:spcPts val="800"/>
-              </a:spcBef>
-              <a:buFont typeface="Arial" panose="020B0604020202020204" pitchFamily="34" charset="0"/>
-              <a:buChar char="•"/>
-              <a:defRPr sz="1400" kern="1200">
-                <a:solidFill>
-                  <a:schemeClr val="tx1"/>
-                </a:solidFill>
-                <a:latin typeface="+mn-lt"/>
-                <a:ea typeface="+mn-ea"/>
-                <a:cs typeface="+mn-cs"/>
-              </a:defRPr>
-            </a:lvl5pPr>
-            <a:lvl6pPr marL="936000" indent="-180000" algn="l" defTabSz="914400" rtl="0" eaLnBrk="1" latinLnBrk="0" hangingPunct="1">
-              <a:lnSpc>
-                <a:spcPct val="100000"/>
-              </a:lnSpc>
-              <a:spcBef>
-                <a:spcPts val="800"/>
-              </a:spcBef>
-              <a:buFont typeface="Arial" panose="020B0604020202020204" pitchFamily="34" charset="0"/>
-              <a:buChar char="•"/>
-              <a:defRPr sz="1400" kern="1200">
-                <a:solidFill>
-                  <a:schemeClr val="tx1"/>
-                </a:solidFill>
-                <a:latin typeface="+mn-lt"/>
-                <a:ea typeface="+mn-ea"/>
-                <a:cs typeface="+mn-cs"/>
-              </a:defRPr>
-            </a:lvl6pPr>
-            <a:lvl7pPr marL="936000" indent="-180000" algn="l" defTabSz="914400" rtl="0" eaLnBrk="1" latinLnBrk="0" hangingPunct="1">
-              <a:lnSpc>
-                <a:spcPct val="100000"/>
-              </a:lnSpc>
-              <a:spcBef>
-                <a:spcPts val="800"/>
-              </a:spcBef>
-              <a:buFont typeface="Arial" panose="020B0604020202020204" pitchFamily="34" charset="0"/>
-              <a:buChar char="•"/>
-              <a:defRPr sz="1400" kern="1200" baseline="0">
-                <a:solidFill>
-                  <a:schemeClr val="tx1"/>
-                </a:solidFill>
-                <a:latin typeface="+mn-lt"/>
-                <a:ea typeface="+mn-ea"/>
-                <a:cs typeface="+mn-cs"/>
-              </a:defRPr>
-            </a:lvl7pPr>
-            <a:lvl8pPr marL="936000" indent="-180000" algn="l" defTabSz="914400" rtl="0" eaLnBrk="1" latinLnBrk="0" hangingPunct="1">
-              <a:lnSpc>
-                <a:spcPct val="100000"/>
-              </a:lnSpc>
-              <a:spcBef>
-                <a:spcPts val="800"/>
-              </a:spcBef>
-              <a:buFont typeface="Arial" panose="020B0604020202020204" pitchFamily="34" charset="0"/>
-              <a:buChar char="•"/>
-              <a:defRPr sz="1400" kern="1200">
-                <a:solidFill>
-                  <a:schemeClr val="tx1"/>
-                </a:solidFill>
-                <a:latin typeface="+mn-lt"/>
-                <a:ea typeface="+mn-ea"/>
-                <a:cs typeface="+mn-cs"/>
-              </a:defRPr>
-            </a:lvl8pPr>
-            <a:lvl9pPr marL="936000" indent="-180000" algn="l" defTabSz="914400" rtl="0" eaLnBrk="1" latinLnBrk="0" hangingPunct="1">
-              <a:lnSpc>
-                <a:spcPct val="100000"/>
-              </a:lnSpc>
-              <a:spcBef>
-                <a:spcPts val="800"/>
-              </a:spcBef>
-              <a:buFont typeface="Arial" panose="020B0604020202020204" pitchFamily="34" charset="0"/>
-              <a:buChar char="•"/>
-              <a:defRPr sz="1400" kern="1200" baseline="0">
-                <a:solidFill>
-                  <a:schemeClr val="tx1"/>
-                </a:solidFill>
-                <a:latin typeface="+mn-lt"/>
-                <a:ea typeface="+mn-ea"/>
-                <a:cs typeface="+mn-cs"/>
-              </a:defRPr>
-            </a:lvl9pPr>
-          </a:lstStyle>
-          <a:p>
-            <a:r>
-              <a:rPr lang="en-US" sz="3200" dirty="0"/>
-              <a:t>Create a new repository in GitHub</a:t>
-            </a:r>
-          </a:p>
-          <a:p>
-            <a:r>
-              <a:rPr lang="en-US" sz="3200" dirty="0"/>
-              <a:t>Setup remote in your local git project</a:t>
-            </a:r>
-          </a:p>
-          <a:p>
-            <a:r>
-              <a:rPr lang="en-US" sz="3200" dirty="0"/>
-              <a:t>Push changes to GitHub</a:t>
-            </a:r>
-            <a:endParaRPr lang="lt-LT" sz="3200" dirty="0"/>
+            <a:endParaRPr lang="en-GB" dirty="0"/>
           </a:p>
         </p:txBody>
       </p:sp>
     </p:spTree>
     <p:extLst>
       <p:ext uri="{BB962C8B-B14F-4D97-AF65-F5344CB8AC3E}">
-        <p14:creationId xmlns:p14="http://schemas.microsoft.com/office/powerpoint/2010/main" val="289100511"/>
+        <p14:creationId xmlns:p14="http://schemas.microsoft.com/office/powerpoint/2010/main" val="3670352501"/>
       </p:ext>
     </p:extLst>
   </p:cSld>
@@ -18490,39 +18610,14 @@
           <a:chExt cx="0" cy="0"/>
         </a:xfrm>
       </p:grpSpPr>
-      <p:pic>
-        <p:nvPicPr>
-          <p:cNvPr id="10" name="Picture Placeholder 9"/>
-          <p:cNvPicPr>
-            <a:picLocks noGrp="1" noChangeAspect="1"/>
-          </p:cNvPicPr>
-          <p:nvPr>
-            <p:ph type="pic" sz="quarter" idx="13"/>
-          </p:nvPr>
-        </p:nvPicPr>
-        <p:blipFill>
-          <a:blip r:embed="rId3">
-            <a:extLst>
-              <a:ext uri="{28A0092B-C50C-407E-A947-70E740481C1C}">
-                <a14:useLocalDpi xmlns:a14="http://schemas.microsoft.com/office/drawing/2010/main" val="0"/>
-              </a:ext>
-            </a:extLst>
-          </a:blip>
-          <a:srcRect l="4" r="4"/>
-          <a:stretch>
-            <a:fillRect/>
-          </a:stretch>
-        </p:blipFill>
-        <p:spPr/>
-      </p:pic>
-      <p:sp>
-        <p:nvSpPr>
-          <p:cNvPr id="7" name="Title 6"/>
-          <p:cNvSpPr>
-            <a:spLocks noGrp="1"/>
-          </p:cNvSpPr>
-          <p:nvPr>
-            <p:ph type="ctrTitle"/>
+      <p:sp>
+        <p:nvSpPr>
+          <p:cNvPr id="2" name="Title 1"/>
+          <p:cNvSpPr>
+            <a:spLocks noGrp="1"/>
+          </p:cNvSpPr>
+          <p:nvPr>
+            <p:ph type="title"/>
           </p:nvPr>
         </p:nvSpPr>
         <p:spPr/>
@@ -18532,39 +18627,48 @@
           <a:p>
             <a:r>
               <a:rPr lang="en-US" dirty="0"/>
-              <a:t>2</a:t>
-            </a:r>
-            <a:r>
-              <a:rPr lang="lt-LT" dirty="0"/>
-              <a:t>. </a:t>
-            </a:r>
-            <a:r>
-              <a:rPr lang="en-US" dirty="0"/>
-              <a:t>Extra content</a:t>
-            </a:r>
-            <a:endParaRPr lang="en-GB" dirty="0"/>
-          </a:p>
-        </p:txBody>
-      </p:sp>
-      <p:sp>
-        <p:nvSpPr>
-          <p:cNvPr id="8" name="Subtitle 7"/>
-          <p:cNvSpPr>
-            <a:spLocks noGrp="1"/>
-          </p:cNvSpPr>
-          <p:nvPr>
-            <p:ph type="subTitle" idx="1"/>
-          </p:nvPr>
-        </p:nvSpPr>
-        <p:spPr/>
-        <p:txBody>
-          <a:bodyPr/>
-          <a:lstStyle/>
-          <a:p>
-            <a:pPr>
+              <a:t>Create GitHub account</a:t>
+            </a:r>
+            <a:endParaRPr lang="lt-LT" dirty="0"/>
+          </a:p>
+        </p:txBody>
+      </p:sp>
+      <p:sp>
+        <p:nvSpPr>
+          <p:cNvPr id="3" name="Content Placeholder 2"/>
+          <p:cNvSpPr>
+            <a:spLocks noGrp="1"/>
+          </p:cNvSpPr>
+          <p:nvPr>
+            <p:ph idx="1"/>
+          </p:nvPr>
+        </p:nvSpPr>
+        <p:spPr>
+          <a:xfrm>
+            <a:off x="809624" y="1533905"/>
+            <a:ext cx="10621963" cy="4310304"/>
+          </a:xfrm>
+        </p:spPr>
+        <p:txBody>
+          <a:bodyPr/>
+          <a:lstStyle/>
+          <a:p>
+            <a:r>
+              <a:rPr lang="en-US" sz="3600" dirty="0">
+                <a:hlinkClick r:id="rId3"/>
+              </a:rPr>
+              <a:t>www.github.com</a:t>
+            </a:r>
+            <a:endParaRPr lang="en-US" sz="3600" dirty="0"/>
+          </a:p>
+          <a:p>
+            <a:pPr marL="0" indent="0">
               <a:buNone/>
             </a:pPr>
-            <a:endParaRPr lang="en-GB" dirty="0"/>
+            <a:endParaRPr lang="en-US" sz="3600" dirty="0"/>
+          </a:p>
+          <a:p>
+            <a:endParaRPr lang="lt-LT" sz="3600" dirty="0"/>
           </a:p>
         </p:txBody>
       </p:sp>
@@ -18583,7 +18687,7 @@
           <a:bodyPr/>
           <a:lstStyle/>
           <a:p>
-            <a:endParaRPr lang="en-GB" dirty="0"/>
+            <a:endParaRPr lang="en-GB" noProof="0" dirty="0"/>
           </a:p>
         </p:txBody>
       </p:sp>
@@ -18602,7 +18706,7 @@
           <a:bodyPr/>
           <a:lstStyle/>
           <a:p>
-            <a:endParaRPr lang="en-GB" dirty="0"/>
+            <a:endParaRPr lang="en-GB" noProof="0" dirty="0"/>
           </a:p>
         </p:txBody>
       </p:sp>
@@ -18621,19 +18725,18 @@
           <a:bodyPr/>
           <a:lstStyle/>
           <a:p>
-            <a:fld id="{24C8C45C-947F-4981-8B3F-4F32E973C901}" type="slidenum">
-              <a:rPr lang="en-GB" smtClean="0"/>
-              <a:pPr/>
+            <a:fld id="{859873C9-BF5D-4A9A-BB31-45BBB7BABAF7}" type="slidenum">
+              <a:rPr lang="en-GB" noProof="0" smtClean="0"/>
               <a:t>17</a:t>
             </a:fld>
-            <a:endParaRPr lang="en-GB" dirty="0"/>
+            <a:endParaRPr lang="en-GB" noProof="0" dirty="0"/>
           </a:p>
         </p:txBody>
       </p:sp>
     </p:spTree>
     <p:extLst>
       <p:ext uri="{BB962C8B-B14F-4D97-AF65-F5344CB8AC3E}">
-        <p14:creationId xmlns:p14="http://schemas.microsoft.com/office/powerpoint/2010/main" val="1981243628"/>
+        <p14:creationId xmlns:p14="http://schemas.microsoft.com/office/powerpoint/2010/main" val="3101125095"/>
       </p:ext>
     </p:extLst>
   </p:cSld>
@@ -18670,20 +18773,29 @@
             <p:ph type="title"/>
           </p:nvPr>
         </p:nvSpPr>
-        <p:spPr/>
+        <p:spPr>
+          <a:xfrm>
+            <a:off x="784224" y="481665"/>
+            <a:ext cx="10671175" cy="1052240"/>
+          </a:xfrm>
+        </p:spPr>
         <p:txBody>
           <a:bodyPr/>
           <a:lstStyle/>
           <a:p>
             <a:r>
               <a:rPr lang="en-US" dirty="0"/>
-              <a:t>Git workflow</a:t>
-            </a:r>
-            <a:endParaRPr lang="lt-LT" dirty="0">
-              <a:solidFill>
-                <a:srgbClr val="0070C0"/>
-              </a:solidFill>
-            </a:endParaRPr>
+              <a:t>Task</a:t>
+            </a:r>
+            <a:r>
+              <a:rPr lang="lt-LT" dirty="0"/>
+              <a:t> </a:t>
+            </a:r>
+            <a:r>
+              <a:rPr lang="en-US" dirty="0"/>
+              <a:t>#2</a:t>
+            </a:r>
+            <a:endParaRPr lang="lt-LT" dirty="0"/>
           </a:p>
         </p:txBody>
       </p:sp>
@@ -18748,39 +18860,225 @@
           </a:p>
         </p:txBody>
       </p:sp>
-      <p:pic>
-        <p:nvPicPr>
-          <p:cNvPr id="20" name="Content Placeholder 19">
+      <p:sp>
+        <p:nvSpPr>
+          <p:cNvPr id="7" name="Content Placeholder 2">
             <a:extLst>
               <a:ext uri="{FF2B5EF4-FFF2-40B4-BE49-F238E27FC236}">
-                <a16:creationId xmlns:a16="http://schemas.microsoft.com/office/drawing/2014/main" id="{C909A682-DB9C-4955-AB5B-A1955A4359A9}"/>
+                <a16:creationId xmlns:a16="http://schemas.microsoft.com/office/drawing/2014/main" id="{236D5AD3-798D-4235-9534-A03E209C626B}"/>
               </a:ext>
             </a:extLst>
           </p:cNvPr>
-          <p:cNvPicPr>
-            <a:picLocks noGrp="1" noChangeAspect="1"/>
-          </p:cNvPicPr>
-          <p:nvPr>
-            <p:ph idx="1"/>
-          </p:nvPr>
-        </p:nvPicPr>
-        <p:blipFill>
-          <a:blip r:embed="rId3"/>
-          <a:stretch>
-            <a:fillRect/>
-          </a:stretch>
-        </p:blipFill>
+          <p:cNvSpPr txBox="1">
+            <a:spLocks/>
+          </p:cNvSpPr>
+          <p:nvPr/>
+        </p:nvSpPr>
         <p:spPr>
           <a:xfrm>
-            <a:off x="784225" y="1338943"/>
-            <a:ext cx="10272443" cy="5201651"/>
+            <a:off x="809624" y="1533905"/>
+            <a:ext cx="10621963" cy="4310303"/>
           </a:xfrm>
+          <a:prstGeom prst="rect">
+            <a:avLst/>
+          </a:prstGeom>
         </p:spPr>
-      </p:pic>
+        <p:txBody>
+          <a:bodyPr vert="horz" lIns="0" tIns="0" rIns="0" bIns="0" rtlCol="0">
+            <a:noAutofit/>
+          </a:bodyPr>
+          <a:lstStyle>
+            <a:lvl1pPr marL="216000" indent="-216000" algn="l" defTabSz="914400" rtl="0" eaLnBrk="1" latinLnBrk="0" hangingPunct="1">
+              <a:lnSpc>
+                <a:spcPct val="100000"/>
+              </a:lnSpc>
+              <a:spcBef>
+                <a:spcPts val="800"/>
+              </a:spcBef>
+              <a:buClr>
+                <a:schemeClr val="accent1"/>
+              </a:buClr>
+              <a:buFont typeface="Arial" panose="020B0604020202020204" pitchFamily="34" charset="0"/>
+              <a:buChar char="•"/>
+              <a:defRPr sz="2200" kern="1200">
+                <a:solidFill>
+                  <a:schemeClr val="tx1"/>
+                </a:solidFill>
+                <a:latin typeface="+mn-lt"/>
+                <a:ea typeface="+mn-ea"/>
+                <a:cs typeface="+mn-cs"/>
+              </a:defRPr>
+            </a:lvl1pPr>
+            <a:lvl2pPr marL="396000" indent="-180000" algn="l" defTabSz="914400" rtl="0" eaLnBrk="1" latinLnBrk="0" hangingPunct="1">
+              <a:lnSpc>
+                <a:spcPct val="100000"/>
+              </a:lnSpc>
+              <a:spcBef>
+                <a:spcPts val="800"/>
+              </a:spcBef>
+              <a:buFont typeface="Arial" panose="020B0604020202020204" pitchFamily="34" charset="0"/>
+              <a:buChar char="–"/>
+              <a:defRPr sz="1800" kern="1200">
+                <a:solidFill>
+                  <a:schemeClr val="tx1"/>
+                </a:solidFill>
+                <a:latin typeface="+mn-lt"/>
+                <a:ea typeface="+mn-ea"/>
+                <a:cs typeface="+mn-cs"/>
+              </a:defRPr>
+            </a:lvl2pPr>
+            <a:lvl3pPr marL="576000" indent="-180000" algn="l" defTabSz="914400" rtl="0" eaLnBrk="1" latinLnBrk="0" hangingPunct="1">
+              <a:lnSpc>
+                <a:spcPct val="100000"/>
+              </a:lnSpc>
+              <a:spcBef>
+                <a:spcPts val="800"/>
+              </a:spcBef>
+              <a:buFont typeface="Arial" panose="020B0604020202020204" pitchFamily="34" charset="0"/>
+              <a:buChar char="•"/>
+              <a:defRPr sz="1600" kern="1200">
+                <a:solidFill>
+                  <a:schemeClr val="tx1"/>
+                </a:solidFill>
+                <a:latin typeface="+mn-lt"/>
+                <a:ea typeface="+mn-ea"/>
+                <a:cs typeface="+mn-cs"/>
+              </a:defRPr>
+            </a:lvl3pPr>
+            <a:lvl4pPr marL="756000" indent="-180000" algn="l" defTabSz="914400" rtl="0" eaLnBrk="1" latinLnBrk="0" hangingPunct="1">
+              <a:lnSpc>
+                <a:spcPct val="100000"/>
+              </a:lnSpc>
+              <a:spcBef>
+                <a:spcPts val="800"/>
+              </a:spcBef>
+              <a:buFont typeface="Arial" panose="020B0604020202020204" pitchFamily="34" charset="0"/>
+              <a:buChar char="–"/>
+              <a:defRPr sz="1400" kern="1200">
+                <a:solidFill>
+                  <a:schemeClr val="tx1"/>
+                </a:solidFill>
+                <a:latin typeface="+mn-lt"/>
+                <a:ea typeface="+mn-ea"/>
+                <a:cs typeface="+mn-cs"/>
+              </a:defRPr>
+            </a:lvl4pPr>
+            <a:lvl5pPr marL="936000" indent="-180000" algn="l" defTabSz="914400" rtl="0" eaLnBrk="1" latinLnBrk="0" hangingPunct="1">
+              <a:lnSpc>
+                <a:spcPct val="100000"/>
+              </a:lnSpc>
+              <a:spcBef>
+                <a:spcPts val="800"/>
+              </a:spcBef>
+              <a:buFont typeface="Arial" panose="020B0604020202020204" pitchFamily="34" charset="0"/>
+              <a:buChar char="•"/>
+              <a:defRPr sz="1400" kern="1200">
+                <a:solidFill>
+                  <a:schemeClr val="tx1"/>
+                </a:solidFill>
+                <a:latin typeface="+mn-lt"/>
+                <a:ea typeface="+mn-ea"/>
+                <a:cs typeface="+mn-cs"/>
+              </a:defRPr>
+            </a:lvl5pPr>
+            <a:lvl6pPr marL="936000" indent="-180000" algn="l" defTabSz="914400" rtl="0" eaLnBrk="1" latinLnBrk="0" hangingPunct="1">
+              <a:lnSpc>
+                <a:spcPct val="100000"/>
+              </a:lnSpc>
+              <a:spcBef>
+                <a:spcPts val="800"/>
+              </a:spcBef>
+              <a:buFont typeface="Arial" panose="020B0604020202020204" pitchFamily="34" charset="0"/>
+              <a:buChar char="•"/>
+              <a:defRPr sz="1400" kern="1200">
+                <a:solidFill>
+                  <a:schemeClr val="tx1"/>
+                </a:solidFill>
+                <a:latin typeface="+mn-lt"/>
+                <a:ea typeface="+mn-ea"/>
+                <a:cs typeface="+mn-cs"/>
+              </a:defRPr>
+            </a:lvl6pPr>
+            <a:lvl7pPr marL="936000" indent="-180000" algn="l" defTabSz="914400" rtl="0" eaLnBrk="1" latinLnBrk="0" hangingPunct="1">
+              <a:lnSpc>
+                <a:spcPct val="100000"/>
+              </a:lnSpc>
+              <a:spcBef>
+                <a:spcPts val="800"/>
+              </a:spcBef>
+              <a:buFont typeface="Arial" panose="020B0604020202020204" pitchFamily="34" charset="0"/>
+              <a:buChar char="•"/>
+              <a:defRPr sz="1400" kern="1200" baseline="0">
+                <a:solidFill>
+                  <a:schemeClr val="tx1"/>
+                </a:solidFill>
+                <a:latin typeface="+mn-lt"/>
+                <a:ea typeface="+mn-ea"/>
+                <a:cs typeface="+mn-cs"/>
+              </a:defRPr>
+            </a:lvl7pPr>
+            <a:lvl8pPr marL="936000" indent="-180000" algn="l" defTabSz="914400" rtl="0" eaLnBrk="1" latinLnBrk="0" hangingPunct="1">
+              <a:lnSpc>
+                <a:spcPct val="100000"/>
+              </a:lnSpc>
+              <a:spcBef>
+                <a:spcPts val="800"/>
+              </a:spcBef>
+              <a:buFont typeface="Arial" panose="020B0604020202020204" pitchFamily="34" charset="0"/>
+              <a:buChar char="•"/>
+              <a:defRPr sz="1400" kern="1200">
+                <a:solidFill>
+                  <a:schemeClr val="tx1"/>
+                </a:solidFill>
+                <a:latin typeface="+mn-lt"/>
+                <a:ea typeface="+mn-ea"/>
+                <a:cs typeface="+mn-cs"/>
+              </a:defRPr>
+            </a:lvl8pPr>
+            <a:lvl9pPr marL="936000" indent="-180000" algn="l" defTabSz="914400" rtl="0" eaLnBrk="1" latinLnBrk="0" hangingPunct="1">
+              <a:lnSpc>
+                <a:spcPct val="100000"/>
+              </a:lnSpc>
+              <a:spcBef>
+                <a:spcPts val="800"/>
+              </a:spcBef>
+              <a:buFont typeface="Arial" panose="020B0604020202020204" pitchFamily="34" charset="0"/>
+              <a:buChar char="•"/>
+              <a:defRPr sz="1400" kern="1200" baseline="0">
+                <a:solidFill>
+                  <a:schemeClr val="tx1"/>
+                </a:solidFill>
+                <a:latin typeface="+mn-lt"/>
+                <a:ea typeface="+mn-ea"/>
+                <a:cs typeface="+mn-cs"/>
+              </a:defRPr>
+            </a:lvl9pPr>
+          </a:lstStyle>
+          <a:p>
+            <a:r>
+              <a:rPr lang="en-US" sz="3200" dirty="0"/>
+              <a:t>Create a new repository in GitHub</a:t>
+            </a:r>
+          </a:p>
+          <a:p>
+            <a:r>
+              <a:rPr lang="en-US" sz="3200" dirty="0"/>
+              <a:t>Setup remote in your local git project</a:t>
+            </a:r>
+          </a:p>
+          <a:p>
+            <a:r>
+              <a:rPr lang="en-US" sz="3200" dirty="0"/>
+              <a:t>Push changes to GitHub</a:t>
+            </a:r>
+            <a:endParaRPr lang="lt-LT" sz="3200" dirty="0"/>
+          </a:p>
+        </p:txBody>
+      </p:sp>
     </p:spTree>
     <p:extLst>
       <p:ext uri="{BB962C8B-B14F-4D97-AF65-F5344CB8AC3E}">
-        <p14:creationId xmlns:p14="http://schemas.microsoft.com/office/powerpoint/2010/main" val="891891473"/>
+        <p14:creationId xmlns:p14="http://schemas.microsoft.com/office/powerpoint/2010/main" val="289100511"/>
       </p:ext>
     </p:extLst>
   </p:cSld>
@@ -18807,14 +19105,39 @@
           <a:chExt cx="0" cy="0"/>
         </a:xfrm>
       </p:grpSpPr>
-      <p:sp>
-        <p:nvSpPr>
-          <p:cNvPr id="2" name="Title 1"/>
-          <p:cNvSpPr>
-            <a:spLocks noGrp="1"/>
-          </p:cNvSpPr>
-          <p:nvPr>
-            <p:ph type="title"/>
+      <p:pic>
+        <p:nvPicPr>
+          <p:cNvPr id="10" name="Picture Placeholder 9"/>
+          <p:cNvPicPr>
+            <a:picLocks noGrp="1" noChangeAspect="1"/>
+          </p:cNvPicPr>
+          <p:nvPr>
+            <p:ph type="pic" sz="quarter" idx="13"/>
+          </p:nvPr>
+        </p:nvPicPr>
+        <p:blipFill>
+          <a:blip r:embed="rId3">
+            <a:extLst>
+              <a:ext uri="{28A0092B-C50C-407E-A947-70E740481C1C}">
+                <a14:useLocalDpi xmlns:a14="http://schemas.microsoft.com/office/drawing/2010/main" val="0"/>
+              </a:ext>
+            </a:extLst>
+          </a:blip>
+          <a:srcRect l="4" r="4"/>
+          <a:stretch>
+            <a:fillRect/>
+          </a:stretch>
+        </p:blipFill>
+        <p:spPr/>
+      </p:pic>
+      <p:sp>
+        <p:nvSpPr>
+          <p:cNvPr id="7" name="Title 6"/>
+          <p:cNvSpPr>
+            <a:spLocks noGrp="1"/>
+          </p:cNvSpPr>
+          <p:nvPr>
+            <p:ph type="ctrTitle"/>
           </p:nvPr>
         </p:nvSpPr>
         <p:spPr/>
@@ -18824,120 +19147,39 @@
           <a:p>
             <a:r>
               <a:rPr lang="en-US" dirty="0"/>
-              <a:t>Configure Tooling</a:t>
-            </a:r>
-          </a:p>
-        </p:txBody>
-      </p:sp>
-      <p:sp>
-        <p:nvSpPr>
-          <p:cNvPr id="3" name="Content Placeholder 2"/>
-          <p:cNvSpPr>
-            <a:spLocks noGrp="1"/>
-          </p:cNvSpPr>
-          <p:nvPr>
-            <p:ph idx="1"/>
-          </p:nvPr>
-        </p:nvSpPr>
-        <p:spPr>
-          <a:xfrm>
-            <a:off x="809624" y="1533905"/>
-            <a:ext cx="10621963" cy="4310303"/>
-          </a:xfrm>
-        </p:spPr>
-        <p:txBody>
-          <a:bodyPr/>
-          <a:lstStyle/>
-          <a:p>
-            <a:pPr marL="0" indent="0">
+              <a:t>2</a:t>
+            </a:r>
+            <a:r>
+              <a:rPr lang="lt-LT" dirty="0"/>
+              <a:t>. </a:t>
+            </a:r>
+            <a:r>
+              <a:rPr lang="en-US" dirty="0"/>
+              <a:t>Extra content</a:t>
+            </a:r>
+            <a:endParaRPr lang="en-GB" dirty="0"/>
+          </a:p>
+        </p:txBody>
+      </p:sp>
+      <p:sp>
+        <p:nvSpPr>
+          <p:cNvPr id="8" name="Subtitle 7"/>
+          <p:cNvSpPr>
+            <a:spLocks noGrp="1"/>
+          </p:cNvSpPr>
+          <p:nvPr>
+            <p:ph type="subTitle" idx="1"/>
+          </p:nvPr>
+        </p:nvSpPr>
+        <p:spPr/>
+        <p:txBody>
+          <a:bodyPr/>
+          <a:lstStyle/>
+          <a:p>
+            <a:pPr>
               <a:buNone/>
             </a:pPr>
-            <a:r>
-              <a:rPr lang="en-US" sz="2800" b="1" dirty="0"/>
-              <a:t>git config --global user.name "[name]"</a:t>
-            </a:r>
-          </a:p>
-          <a:p>
-            <a:pPr lvl="1"/>
-            <a:r>
-              <a:rPr lang="en-US" sz="2400" dirty="0"/>
-              <a:t> Sets the name you want attached to your commit transactions</a:t>
-            </a:r>
-          </a:p>
-          <a:p>
-            <a:pPr marL="0" indent="0">
-              <a:buNone/>
-            </a:pPr>
-            <a:endParaRPr lang="en-US" sz="2400" dirty="0"/>
-          </a:p>
-          <a:p>
-            <a:pPr marL="0" indent="0">
-              <a:buNone/>
-            </a:pPr>
-            <a:r>
-              <a:rPr lang="en-US" sz="2800" b="1" dirty="0"/>
-              <a:t>git config --global </a:t>
-            </a:r>
-            <a:r>
-              <a:rPr lang="en-US" sz="2800" b="1" dirty="0" err="1"/>
-              <a:t>user.email</a:t>
-            </a:r>
-            <a:r>
-              <a:rPr lang="en-US" sz="2800" b="1" dirty="0"/>
-              <a:t> "[email address]"</a:t>
-            </a:r>
-          </a:p>
-          <a:p>
-            <a:pPr lvl="1"/>
-            <a:r>
-              <a:rPr lang="en-US" sz="2400" dirty="0"/>
-              <a:t> Sets the email you want attached to your commit transactions</a:t>
-            </a:r>
-          </a:p>
-          <a:p>
-            <a:pPr lvl="1"/>
-            <a:endParaRPr lang="en-US" sz="2400" dirty="0"/>
-          </a:p>
-          <a:p>
-            <a:pPr marL="0" indent="0">
-              <a:buNone/>
-            </a:pPr>
-            <a:r>
-              <a:rPr lang="fr-FR" sz="2800" b="1" dirty="0"/>
-              <a:t>git config --</a:t>
-            </a:r>
-            <a:r>
-              <a:rPr lang="fr-FR" sz="2800" b="1" dirty="0" err="1"/>
-              <a:t>add</a:t>
-            </a:r>
-            <a:r>
-              <a:rPr lang="fr-FR" sz="2800" b="1" dirty="0"/>
-              <a:t> --system </a:t>
-            </a:r>
-            <a:r>
-              <a:rPr lang="fr-FR" sz="2800" b="1" dirty="0" err="1"/>
-              <a:t>core.editor</a:t>
-            </a:r>
-            <a:r>
-              <a:rPr lang="fr-FR" sz="2800" b="1" dirty="0"/>
-              <a:t> </a:t>
-            </a:r>
-            <a:r>
-              <a:rPr lang="fr-FR" sz="2800" b="1" dirty="0" err="1"/>
-              <a:t>notepad</a:t>
-            </a:r>
-            <a:endParaRPr lang="en-US" sz="2800" b="1" dirty="0"/>
-          </a:p>
-          <a:p>
-            <a:pPr lvl="1"/>
-            <a:r>
-              <a:rPr lang="en-US" sz="2400" dirty="0"/>
-              <a:t> sets notepad as a default editor (directed to windows users)</a:t>
-            </a:r>
-          </a:p>
-          <a:p>
-            <a:pPr lvl="1"/>
-            <a:endParaRPr lang="en-US" sz="2400" dirty="0"/>
+            <a:endParaRPr lang="en-GB" dirty="0"/>
           </a:p>
         </p:txBody>
       </p:sp>
@@ -18956,7 +19198,7 @@
           <a:bodyPr/>
           <a:lstStyle/>
           <a:p>
-            <a:endParaRPr lang="en-GB" noProof="0" dirty="0"/>
+            <a:endParaRPr lang="en-GB" dirty="0"/>
           </a:p>
         </p:txBody>
       </p:sp>
@@ -18975,7 +19217,7 @@
           <a:bodyPr/>
           <a:lstStyle/>
           <a:p>
-            <a:endParaRPr lang="en-GB" noProof="0" dirty="0"/>
+            <a:endParaRPr lang="en-GB" dirty="0"/>
           </a:p>
         </p:txBody>
       </p:sp>
@@ -18994,18 +19236,19 @@
           <a:bodyPr/>
           <a:lstStyle/>
           <a:p>
-            <a:fld id="{859873C9-BF5D-4A9A-BB31-45BBB7BABAF7}" type="slidenum">
-              <a:rPr lang="en-GB" noProof="0" smtClean="0"/>
+            <a:fld id="{24C8C45C-947F-4981-8B3F-4F32E973C901}" type="slidenum">
+              <a:rPr lang="en-GB" smtClean="0"/>
+              <a:pPr/>
               <a:t>19</a:t>
             </a:fld>
-            <a:endParaRPr lang="en-GB" noProof="0" dirty="0"/>
+            <a:endParaRPr lang="en-GB" dirty="0"/>
           </a:p>
         </p:txBody>
       </p:sp>
     </p:spTree>
     <p:extLst>
       <p:ext uri="{BB962C8B-B14F-4D97-AF65-F5344CB8AC3E}">
-        <p14:creationId xmlns:p14="http://schemas.microsoft.com/office/powerpoint/2010/main" val="715837955"/>
+        <p14:creationId xmlns:p14="http://schemas.microsoft.com/office/powerpoint/2010/main" val="1981243628"/>
       </p:ext>
     </p:extLst>
   </p:cSld>
@@ -19244,48 +19487,13 @@
           <a:p>
             <a:r>
               <a:rPr lang="en-US" dirty="0"/>
-              <a:t>.</a:t>
-            </a:r>
-            <a:r>
-              <a:rPr lang="en-US" dirty="0" err="1"/>
-              <a:t>gitignore</a:t>
-            </a:r>
-            <a:endParaRPr lang="en-US" dirty="0"/>
-          </a:p>
-        </p:txBody>
-      </p:sp>
-      <p:sp>
-        <p:nvSpPr>
-          <p:cNvPr id="3" name="Content Placeholder 2"/>
-          <p:cNvSpPr>
-            <a:spLocks noGrp="1"/>
-          </p:cNvSpPr>
-          <p:nvPr>
-            <p:ph idx="1"/>
-          </p:nvPr>
-        </p:nvSpPr>
-        <p:spPr>
-          <a:xfrm>
-            <a:off x="809624" y="1533905"/>
-            <a:ext cx="10621963" cy="4310303"/>
-          </a:xfrm>
-        </p:spPr>
-        <p:txBody>
-          <a:bodyPr/>
-          <a:lstStyle/>
-          <a:p>
-            <a:r>
-              <a:rPr lang="en-US" sz="3200" dirty="0"/>
-              <a:t>.</a:t>
-            </a:r>
-            <a:r>
-              <a:rPr lang="en-US" sz="3200" dirty="0" err="1"/>
-              <a:t>gitignore</a:t>
-            </a:r>
-            <a:r>
-              <a:rPr lang="en-US" sz="3200" dirty="0"/>
-              <a:t> – file, that tells git which files (or patterns) it should ignore. It's usually used to avoid committing transient files from your working directory that aren't useful to other collaborators, such as compilation products, temporary files IDEs create, etc.</a:t>
-            </a:r>
+              <a:t>Git workflow</a:t>
+            </a:r>
+            <a:endParaRPr lang="lt-LT" dirty="0">
+              <a:solidFill>
+                <a:srgbClr val="0070C0"/>
+              </a:solidFill>
+            </a:endParaRPr>
           </a:p>
         </p:txBody>
       </p:sp>
@@ -19350,10 +19558,39 @@
           </a:p>
         </p:txBody>
       </p:sp>
+      <p:pic>
+        <p:nvPicPr>
+          <p:cNvPr id="20" name="Content Placeholder 19">
+            <a:extLst>
+              <a:ext uri="{FF2B5EF4-FFF2-40B4-BE49-F238E27FC236}">
+                <a16:creationId xmlns:a16="http://schemas.microsoft.com/office/drawing/2014/main" id="{C909A682-DB9C-4955-AB5B-A1955A4359A9}"/>
+              </a:ext>
+            </a:extLst>
+          </p:cNvPr>
+          <p:cNvPicPr>
+            <a:picLocks noGrp="1" noChangeAspect="1"/>
+          </p:cNvPicPr>
+          <p:nvPr>
+            <p:ph idx="1"/>
+          </p:nvPr>
+        </p:nvPicPr>
+        <p:blipFill>
+          <a:blip r:embed="rId3"/>
+          <a:stretch>
+            <a:fillRect/>
+          </a:stretch>
+        </p:blipFill>
+        <p:spPr>
+          <a:xfrm>
+            <a:off x="784225" y="1338943"/>
+            <a:ext cx="10272443" cy="5201651"/>
+          </a:xfrm>
+        </p:spPr>
+      </p:pic>
     </p:spTree>
     <p:extLst>
       <p:ext uri="{BB962C8B-B14F-4D97-AF65-F5344CB8AC3E}">
-        <p14:creationId xmlns:p14="http://schemas.microsoft.com/office/powerpoint/2010/main" val="2138177104"/>
+        <p14:creationId xmlns:p14="http://schemas.microsoft.com/office/powerpoint/2010/main" val="891891473"/>
       </p:ext>
     </p:extLst>
   </p:cSld>
@@ -19397,8 +19634,13 @@
           <a:p>
             <a:r>
               <a:rPr lang="en-US" dirty="0"/>
-              <a:t>Semantic Commit Messages</a:t>
-            </a:r>
+              <a:t>.</a:t>
+            </a:r>
+            <a:r>
+              <a:rPr lang="en-US" dirty="0" err="1"/>
+              <a:t>gitignore</a:t>
+            </a:r>
+            <a:endParaRPr lang="en-US" dirty="0"/>
           </a:p>
         </p:txBody>
       </p:sp>
@@ -19423,68 +19665,16 @@
           <a:lstStyle/>
           <a:p>
             <a:r>
-              <a:rPr lang="en-US" sz="2400" dirty="0"/>
-              <a:t>    feat: (new feature for the user, not a new feature for build script)</a:t>
-            </a:r>
-          </a:p>
-          <a:p>
-            <a:r>
-              <a:rPr lang="en-US" sz="2400" dirty="0"/>
-              <a:t>    fix: (bug fix for the user, not a fix to a build script)</a:t>
-            </a:r>
-          </a:p>
-          <a:p>
-            <a:r>
-              <a:rPr lang="en-US" sz="2400" dirty="0"/>
-              <a:t>    docs: (changes to the documentation)</a:t>
-            </a:r>
-          </a:p>
-          <a:p>
-            <a:r>
-              <a:rPr lang="en-US" sz="2400" dirty="0"/>
-              <a:t>    style: (formatting, missing semi colons, </a:t>
-            </a:r>
-            <a:r>
-              <a:rPr lang="en-US" sz="2400" dirty="0" err="1"/>
-              <a:t>etc</a:t>
-            </a:r>
-            <a:r>
-              <a:rPr lang="en-US" sz="2400" dirty="0"/>
-              <a:t>; no production code change)</a:t>
-            </a:r>
-          </a:p>
-          <a:p>
-            <a:r>
-              <a:rPr lang="en-US" sz="2400" dirty="0"/>
-              <a:t>    refactor: (refactoring production code, </a:t>
-            </a:r>
-            <a:r>
-              <a:rPr lang="en-US" sz="2400" dirty="0" err="1"/>
-              <a:t>eg.</a:t>
-            </a:r>
-            <a:r>
-              <a:rPr lang="en-US" sz="2400" dirty="0"/>
-              <a:t> renaming a variable)</a:t>
-            </a:r>
-          </a:p>
-          <a:p>
-            <a:r>
-              <a:rPr lang="en-US" sz="2400" dirty="0"/>
-              <a:t>    test: (adding missing tests, refactoring tests; no production code change)</a:t>
-            </a:r>
-          </a:p>
-          <a:p>
-            <a:r>
-              <a:rPr lang="en-US" sz="2400" dirty="0"/>
-              <a:t>    chore: (updating grunt tasks </a:t>
-            </a:r>
-            <a:r>
-              <a:rPr lang="en-US" sz="2400" dirty="0" err="1"/>
-              <a:t>etc</a:t>
-            </a:r>
-            <a:r>
-              <a:rPr lang="en-US" sz="2400" dirty="0"/>
-              <a:t>; no production code change)</a:t>
+              <a:rPr lang="en-US" sz="3200" dirty="0"/>
+              <a:t>.</a:t>
+            </a:r>
+            <a:r>
+              <a:rPr lang="en-US" sz="3200" dirty="0" err="1"/>
+              <a:t>gitignore</a:t>
+            </a:r>
+            <a:r>
+              <a:rPr lang="en-US" sz="3200" dirty="0"/>
+              <a:t> – file, that tells git which files (or patterns) it should ignore. It's usually used to avoid committing transient files from your working directory that aren't useful to other collaborators, such as compilation products, temporary files IDEs create, etc.</a:t>
             </a:r>
           </a:p>
         </p:txBody>
@@ -19553,7 +19743,7 @@
     </p:spTree>
     <p:extLst>
       <p:ext uri="{BB962C8B-B14F-4D97-AF65-F5344CB8AC3E}">
-        <p14:creationId xmlns:p14="http://schemas.microsoft.com/office/powerpoint/2010/main" val="2131"/>
+        <p14:creationId xmlns:p14="http://schemas.microsoft.com/office/powerpoint/2010/main" val="2138177104"/>
       </p:ext>
     </p:extLst>
   </p:cSld>
@@ -19580,39 +19770,14 @@
           <a:chExt cx="0" cy="0"/>
         </a:xfrm>
       </p:grpSpPr>
-      <p:pic>
-        <p:nvPicPr>
-          <p:cNvPr id="10" name="Picture Placeholder 9"/>
-          <p:cNvPicPr>
-            <a:picLocks noGrp="1" noChangeAspect="1"/>
-          </p:cNvPicPr>
-          <p:nvPr>
-            <p:ph type="pic" sz="quarter" idx="13"/>
-          </p:nvPr>
-        </p:nvPicPr>
-        <p:blipFill>
-          <a:blip r:embed="rId3">
-            <a:extLst>
-              <a:ext uri="{28A0092B-C50C-407E-A947-70E740481C1C}">
-                <a14:useLocalDpi xmlns:a14="http://schemas.microsoft.com/office/drawing/2010/main" val="0"/>
-              </a:ext>
-            </a:extLst>
-          </a:blip>
-          <a:srcRect l="4" r="4"/>
-          <a:stretch>
-            <a:fillRect/>
-          </a:stretch>
-        </p:blipFill>
-        <p:spPr/>
-      </p:pic>
-      <p:sp>
-        <p:nvSpPr>
-          <p:cNvPr id="7" name="Title 6"/>
-          <p:cNvSpPr>
-            <a:spLocks noGrp="1"/>
-          </p:cNvSpPr>
-          <p:nvPr>
-            <p:ph type="ctrTitle"/>
+      <p:sp>
+        <p:nvSpPr>
+          <p:cNvPr id="2" name="Title 1"/>
+          <p:cNvSpPr>
+            <a:spLocks noGrp="1"/>
+          </p:cNvSpPr>
+          <p:nvPr>
+            <p:ph type="title"/>
           </p:nvPr>
         </p:nvSpPr>
         <p:spPr/>
@@ -19622,31 +19787,70 @@
           <a:p>
             <a:r>
               <a:rPr lang="en-US" dirty="0"/>
-              <a:t>Practice</a:t>
-            </a:r>
-            <a:endParaRPr lang="en-GB" dirty="0"/>
-          </a:p>
-        </p:txBody>
-      </p:sp>
-      <p:sp>
-        <p:nvSpPr>
-          <p:cNvPr id="8" name="Subtitle 7"/>
-          <p:cNvSpPr>
-            <a:spLocks noGrp="1"/>
-          </p:cNvSpPr>
-          <p:nvPr>
-            <p:ph type="subTitle" idx="1"/>
-          </p:nvPr>
-        </p:nvSpPr>
-        <p:spPr/>
-        <p:txBody>
-          <a:bodyPr/>
-          <a:lstStyle/>
-          <a:p>
-            <a:pPr>
+              <a:t>Configure Tooling</a:t>
+            </a:r>
+          </a:p>
+        </p:txBody>
+      </p:sp>
+      <p:sp>
+        <p:nvSpPr>
+          <p:cNvPr id="3" name="Content Placeholder 2"/>
+          <p:cNvSpPr>
+            <a:spLocks noGrp="1"/>
+          </p:cNvSpPr>
+          <p:nvPr>
+            <p:ph idx="1"/>
+          </p:nvPr>
+        </p:nvSpPr>
+        <p:spPr>
+          <a:xfrm>
+            <a:off x="809624" y="1533905"/>
+            <a:ext cx="10621963" cy="4310303"/>
+          </a:xfrm>
+        </p:spPr>
+        <p:txBody>
+          <a:bodyPr/>
+          <a:lstStyle/>
+          <a:p>
+            <a:pPr marL="0" indent="0">
               <a:buNone/>
             </a:pPr>
-            <a:endParaRPr lang="en-GB" dirty="0"/>
+            <a:r>
+              <a:rPr lang="fr-FR" sz="2800" b="1" dirty="0"/>
+              <a:t>git config --</a:t>
+            </a:r>
+            <a:r>
+              <a:rPr lang="fr-FR" sz="2800" b="1" dirty="0" err="1"/>
+              <a:t>add</a:t>
+            </a:r>
+            <a:r>
+              <a:rPr lang="fr-FR" sz="2800" b="1" dirty="0"/>
+              <a:t> --system </a:t>
+            </a:r>
+            <a:r>
+              <a:rPr lang="fr-FR" sz="2800" b="1" dirty="0" err="1"/>
+              <a:t>core.editor</a:t>
+            </a:r>
+            <a:r>
+              <a:rPr lang="fr-FR" sz="2800" b="1" dirty="0"/>
+              <a:t> </a:t>
+            </a:r>
+            <a:r>
+              <a:rPr lang="fr-FR" sz="2800" b="1" dirty="0" err="1"/>
+              <a:t>notepad</a:t>
+            </a:r>
+            <a:endParaRPr lang="en-US" sz="2800" b="1" dirty="0"/>
+          </a:p>
+          <a:p>
+            <a:pPr lvl="1"/>
+            <a:r>
+              <a:rPr lang="en-US" sz="2400" dirty="0"/>
+              <a:t> sets notepad as a default editor (directed to windows users)</a:t>
+            </a:r>
+          </a:p>
+          <a:p>
+            <a:pPr lvl="1"/>
+            <a:endParaRPr lang="en-US" sz="2400" dirty="0"/>
           </a:p>
         </p:txBody>
       </p:sp>
@@ -19665,7 +19869,7 @@
           <a:bodyPr/>
           <a:lstStyle/>
           <a:p>
-            <a:endParaRPr lang="en-GB" dirty="0"/>
+            <a:endParaRPr lang="en-GB" noProof="0" dirty="0"/>
           </a:p>
         </p:txBody>
       </p:sp>
@@ -19684,7 +19888,7 @@
           <a:bodyPr/>
           <a:lstStyle/>
           <a:p>
-            <a:endParaRPr lang="en-GB" dirty="0"/>
+            <a:endParaRPr lang="en-GB" noProof="0" dirty="0"/>
           </a:p>
         </p:txBody>
       </p:sp>
@@ -19703,19 +19907,18 @@
           <a:bodyPr/>
           <a:lstStyle/>
           <a:p>
-            <a:fld id="{24C8C45C-947F-4981-8B3F-4F32E973C901}" type="slidenum">
-              <a:rPr lang="en-GB" smtClean="0"/>
-              <a:pPr/>
+            <a:fld id="{859873C9-BF5D-4A9A-BB31-45BBB7BABAF7}" type="slidenum">
+              <a:rPr lang="en-GB" noProof="0" smtClean="0"/>
               <a:t>22</a:t>
             </a:fld>
-            <a:endParaRPr lang="en-GB" dirty="0"/>
+            <a:endParaRPr lang="en-GB" noProof="0" dirty="0"/>
           </a:p>
         </p:txBody>
       </p:sp>
     </p:spTree>
     <p:extLst>
       <p:ext uri="{BB962C8B-B14F-4D97-AF65-F5344CB8AC3E}">
-        <p14:creationId xmlns:p14="http://schemas.microsoft.com/office/powerpoint/2010/main" val="1850479759"/>
+        <p14:creationId xmlns:p14="http://schemas.microsoft.com/office/powerpoint/2010/main" val="715837955"/>
       </p:ext>
     </p:extLst>
   </p:cSld>
@@ -19752,102 +19955,21 @@
             <p:ph type="title"/>
           </p:nvPr>
         </p:nvSpPr>
-        <p:spPr>
-          <a:xfrm>
-            <a:off x="784224" y="481665"/>
-            <a:ext cx="10671175" cy="1052240"/>
-          </a:xfrm>
-        </p:spPr>
+        <p:spPr/>
         <p:txBody>
           <a:bodyPr/>
           <a:lstStyle/>
           <a:p>
             <a:r>
               <a:rPr lang="en-US" dirty="0"/>
-              <a:t>Task</a:t>
-            </a:r>
-            <a:r>
-              <a:rPr lang="lt-LT" dirty="0"/>
-              <a:t> </a:t>
-            </a:r>
-            <a:r>
-              <a:rPr lang="en-US" dirty="0"/>
-              <a:t>#3</a:t>
-            </a:r>
-            <a:endParaRPr lang="lt-LT" dirty="0"/>
-          </a:p>
-        </p:txBody>
-      </p:sp>
-      <p:sp>
-        <p:nvSpPr>
-          <p:cNvPr id="4" name="Date Placeholder 3"/>
-          <p:cNvSpPr>
-            <a:spLocks noGrp="1"/>
-          </p:cNvSpPr>
-          <p:nvPr>
-            <p:ph type="dt" sz="half" idx="10"/>
-          </p:nvPr>
-        </p:nvSpPr>
-        <p:spPr/>
-        <p:txBody>
-          <a:bodyPr/>
-          <a:lstStyle/>
-          <a:p>
-            <a:endParaRPr lang="en-GB" noProof="0" dirty="0"/>
-          </a:p>
-        </p:txBody>
-      </p:sp>
-      <p:sp>
-        <p:nvSpPr>
-          <p:cNvPr id="5" name="Footer Placeholder 4"/>
-          <p:cNvSpPr>
-            <a:spLocks noGrp="1"/>
-          </p:cNvSpPr>
-          <p:nvPr>
-            <p:ph type="ftr" sz="quarter" idx="11"/>
-          </p:nvPr>
-        </p:nvSpPr>
-        <p:spPr/>
-        <p:txBody>
-          <a:bodyPr/>
-          <a:lstStyle/>
-          <a:p>
-            <a:endParaRPr lang="en-GB" noProof="0" dirty="0"/>
-          </a:p>
-        </p:txBody>
-      </p:sp>
-      <p:sp>
-        <p:nvSpPr>
-          <p:cNvPr id="6" name="Slide Number Placeholder 5"/>
-          <p:cNvSpPr>
-            <a:spLocks noGrp="1"/>
-          </p:cNvSpPr>
-          <p:nvPr>
-            <p:ph type="sldNum" sz="quarter" idx="12"/>
-          </p:nvPr>
-        </p:nvSpPr>
-        <p:spPr/>
-        <p:txBody>
-          <a:bodyPr/>
-          <a:lstStyle/>
-          <a:p>
-            <a:fld id="{859873C9-BF5D-4A9A-BB31-45BBB7BABAF7}" type="slidenum">
-              <a:rPr lang="en-GB" noProof="0" smtClean="0"/>
-              <a:t>23</a:t>
-            </a:fld>
-            <a:endParaRPr lang="en-GB" noProof="0" dirty="0"/>
-          </a:p>
-        </p:txBody>
-      </p:sp>
-      <p:sp>
-        <p:nvSpPr>
-          <p:cNvPr id="9" name="Content Placeholder 2">
-            <a:extLst>
-              <a:ext uri="{FF2B5EF4-FFF2-40B4-BE49-F238E27FC236}">
-                <a16:creationId xmlns:a16="http://schemas.microsoft.com/office/drawing/2014/main" id="{6FBA3C69-E815-40A0-901C-A5E3695FC5A5}"/>
-              </a:ext>
-            </a:extLst>
-          </p:cNvPr>
+              <a:t>Semantic Commit Messages</a:t>
+            </a:r>
+          </a:p>
+        </p:txBody>
+      </p:sp>
+      <p:sp>
+        <p:nvSpPr>
+          <p:cNvPr id="3" name="Content Placeholder 2"/>
           <p:cNvSpPr>
             <a:spLocks noGrp="1"/>
           </p:cNvSpPr>
@@ -19866,46 +19988,137 @@
           <a:lstStyle/>
           <a:p>
             <a:r>
-              <a:rPr lang="en-US" sz="3200" dirty="0"/>
-              <a:t>Create a new directory “unwanted”</a:t>
-            </a:r>
-          </a:p>
-          <a:p>
-            <a:r>
-              <a:rPr lang="en-US" sz="3200" dirty="0"/>
-              <a:t>Create a new directory “important”</a:t>
-            </a:r>
-          </a:p>
-          <a:p>
-            <a:r>
-              <a:rPr lang="en-US" sz="3200" dirty="0"/>
-              <a:t>Create new files in each directories “file.txt”</a:t>
-            </a:r>
-          </a:p>
-          <a:p>
-            <a:r>
-              <a:rPr lang="en-US" sz="3200" dirty="0"/>
-              <a:t>Ignore “unwanted” </a:t>
-            </a:r>
-            <a:r>
-              <a:rPr lang="en-US" sz="3200" dirty="0" err="1"/>
-              <a:t>dir</a:t>
-            </a:r>
-            <a:endParaRPr lang="en-US" sz="3200" dirty="0"/>
-          </a:p>
-          <a:p>
-            <a:r>
-              <a:rPr lang="en-US" sz="3200" dirty="0"/>
-              <a:t>Commit changes to local repo</a:t>
-            </a:r>
-            <a:endParaRPr lang="lt-LT" sz="3200" dirty="0"/>
+              <a:rPr lang="en-US" sz="2400" dirty="0"/>
+              <a:t>    feat: (new feature for the user, not a new feature for build script)</a:t>
+            </a:r>
+          </a:p>
+          <a:p>
+            <a:r>
+              <a:rPr lang="en-US" sz="2400" dirty="0"/>
+              <a:t>    fix: (bug fix for the user, not a fix to a build script)</a:t>
+            </a:r>
+          </a:p>
+          <a:p>
+            <a:r>
+              <a:rPr lang="en-US" sz="2400" dirty="0"/>
+              <a:t>    docs: (changes to the documentation)</a:t>
+            </a:r>
+          </a:p>
+          <a:p>
+            <a:r>
+              <a:rPr lang="en-US" sz="2400" dirty="0"/>
+              <a:t>    style: (formatting, missing semi colons, </a:t>
+            </a:r>
+            <a:r>
+              <a:rPr lang="en-US" sz="2400" dirty="0" err="1"/>
+              <a:t>etc</a:t>
+            </a:r>
+            <a:r>
+              <a:rPr lang="en-US" sz="2400" dirty="0"/>
+              <a:t>; no production code change)</a:t>
+            </a:r>
+          </a:p>
+          <a:p>
+            <a:r>
+              <a:rPr lang="en-US" sz="2400" dirty="0"/>
+              <a:t>    refactor: (refactoring production code, </a:t>
+            </a:r>
+            <a:r>
+              <a:rPr lang="en-US" sz="2400" dirty="0" err="1"/>
+              <a:t>eg.</a:t>
+            </a:r>
+            <a:r>
+              <a:rPr lang="en-US" sz="2400" dirty="0"/>
+              <a:t> renaming a variable)</a:t>
+            </a:r>
+          </a:p>
+          <a:p>
+            <a:r>
+              <a:rPr lang="en-US" sz="2400" dirty="0"/>
+              <a:t>    test: (adding missing tests, refactoring tests; no production code change)</a:t>
+            </a:r>
+          </a:p>
+          <a:p>
+            <a:r>
+              <a:rPr lang="en-US" sz="2400" dirty="0"/>
+              <a:t>    chore: (updating grunt tasks </a:t>
+            </a:r>
+            <a:r>
+              <a:rPr lang="en-US" sz="2400" dirty="0" err="1"/>
+              <a:t>etc</a:t>
+            </a:r>
+            <a:r>
+              <a:rPr lang="en-US" sz="2400" dirty="0"/>
+              <a:t>; no production code change)</a:t>
+            </a:r>
+          </a:p>
+        </p:txBody>
+      </p:sp>
+      <p:sp>
+        <p:nvSpPr>
+          <p:cNvPr id="4" name="Date Placeholder 3"/>
+          <p:cNvSpPr>
+            <a:spLocks noGrp="1"/>
+          </p:cNvSpPr>
+          <p:nvPr>
+            <p:ph type="dt" sz="half" idx="10"/>
+          </p:nvPr>
+        </p:nvSpPr>
+        <p:spPr/>
+        <p:txBody>
+          <a:bodyPr/>
+          <a:lstStyle/>
+          <a:p>
+            <a:endParaRPr lang="en-GB" noProof="0" dirty="0"/>
+          </a:p>
+        </p:txBody>
+      </p:sp>
+      <p:sp>
+        <p:nvSpPr>
+          <p:cNvPr id="5" name="Footer Placeholder 4"/>
+          <p:cNvSpPr>
+            <a:spLocks noGrp="1"/>
+          </p:cNvSpPr>
+          <p:nvPr>
+            <p:ph type="ftr" sz="quarter" idx="11"/>
+          </p:nvPr>
+        </p:nvSpPr>
+        <p:spPr/>
+        <p:txBody>
+          <a:bodyPr/>
+          <a:lstStyle/>
+          <a:p>
+            <a:endParaRPr lang="en-GB" noProof="0" dirty="0"/>
+          </a:p>
+        </p:txBody>
+      </p:sp>
+      <p:sp>
+        <p:nvSpPr>
+          <p:cNvPr id="6" name="Slide Number Placeholder 5"/>
+          <p:cNvSpPr>
+            <a:spLocks noGrp="1"/>
+          </p:cNvSpPr>
+          <p:nvPr>
+            <p:ph type="sldNum" sz="quarter" idx="12"/>
+          </p:nvPr>
+        </p:nvSpPr>
+        <p:spPr/>
+        <p:txBody>
+          <a:bodyPr/>
+          <a:lstStyle/>
+          <a:p>
+            <a:fld id="{859873C9-BF5D-4A9A-BB31-45BBB7BABAF7}" type="slidenum">
+              <a:rPr lang="en-GB" noProof="0" smtClean="0"/>
+              <a:t>23</a:t>
+            </a:fld>
+            <a:endParaRPr lang="en-GB" noProof="0" dirty="0"/>
           </a:p>
         </p:txBody>
       </p:sp>
     </p:spTree>
     <p:extLst>
       <p:ext uri="{BB962C8B-B14F-4D97-AF65-F5344CB8AC3E}">
-        <p14:creationId xmlns:p14="http://schemas.microsoft.com/office/powerpoint/2010/main" val="134737954"/>
+        <p14:creationId xmlns:p14="http://schemas.microsoft.com/office/powerpoint/2010/main" val="2131"/>
       </p:ext>
     </p:extLst>
   </p:cSld>
@@ -19974,15 +20187,7 @@
           <a:p>
             <a:r>
               <a:rPr lang="en-US" dirty="0"/>
-              <a:t>2.1</a:t>
-            </a:r>
-            <a:r>
-              <a:rPr lang="lt-LT" dirty="0"/>
-              <a:t>. </a:t>
-            </a:r>
-            <a:r>
-              <a:rPr lang="en-US" dirty="0"/>
-              <a:t>Branching</a:t>
+              <a:t>Practice</a:t>
             </a:r>
             <a:endParaRPr lang="en-GB" dirty="0"/>
           </a:p>
@@ -20067,6 +20272,366 @@
               <a:rPr lang="en-GB" smtClean="0"/>
               <a:pPr/>
               <a:t>24</a:t>
+            </a:fld>
+            <a:endParaRPr lang="en-GB" dirty="0"/>
+          </a:p>
+        </p:txBody>
+      </p:sp>
+    </p:spTree>
+    <p:extLst>
+      <p:ext uri="{BB962C8B-B14F-4D97-AF65-F5344CB8AC3E}">
+        <p14:creationId xmlns:p14="http://schemas.microsoft.com/office/powerpoint/2010/main" val="1850479759"/>
+      </p:ext>
+    </p:extLst>
+  </p:cSld>
+  <p:clrMapOvr>
+    <a:masterClrMapping/>
+  </p:clrMapOvr>
+</p:sld>
+</file>
+
+<file path=ppt/slides/slide25.xml><?xml version="1.0" encoding="utf-8"?>
+<p:sld xmlns:a="http://schemas.openxmlformats.org/drawingml/2006/main" xmlns:r="http://schemas.openxmlformats.org/officeDocument/2006/relationships" xmlns:p="http://schemas.openxmlformats.org/presentationml/2006/main">
+  <p:cSld>
+    <p:spTree>
+      <p:nvGrpSpPr>
+        <p:cNvPr id="1" name=""/>
+        <p:cNvGrpSpPr/>
+        <p:nvPr/>
+      </p:nvGrpSpPr>
+      <p:grpSpPr>
+        <a:xfrm>
+          <a:off x="0" y="0"/>
+          <a:ext cx="0" cy="0"/>
+          <a:chOff x="0" y="0"/>
+          <a:chExt cx="0" cy="0"/>
+        </a:xfrm>
+      </p:grpSpPr>
+      <p:sp>
+        <p:nvSpPr>
+          <p:cNvPr id="2" name="Title 1"/>
+          <p:cNvSpPr>
+            <a:spLocks noGrp="1"/>
+          </p:cNvSpPr>
+          <p:nvPr>
+            <p:ph type="title"/>
+          </p:nvPr>
+        </p:nvSpPr>
+        <p:spPr>
+          <a:xfrm>
+            <a:off x="784224" y="481665"/>
+            <a:ext cx="10671175" cy="1052240"/>
+          </a:xfrm>
+        </p:spPr>
+        <p:txBody>
+          <a:bodyPr/>
+          <a:lstStyle/>
+          <a:p>
+            <a:r>
+              <a:rPr lang="en-US" dirty="0"/>
+              <a:t>Task</a:t>
+            </a:r>
+            <a:r>
+              <a:rPr lang="lt-LT" dirty="0"/>
+              <a:t> </a:t>
+            </a:r>
+            <a:r>
+              <a:rPr lang="en-US" dirty="0"/>
+              <a:t>#3</a:t>
+            </a:r>
+            <a:endParaRPr lang="lt-LT" dirty="0"/>
+          </a:p>
+        </p:txBody>
+      </p:sp>
+      <p:sp>
+        <p:nvSpPr>
+          <p:cNvPr id="4" name="Date Placeholder 3"/>
+          <p:cNvSpPr>
+            <a:spLocks noGrp="1"/>
+          </p:cNvSpPr>
+          <p:nvPr>
+            <p:ph type="dt" sz="half" idx="10"/>
+          </p:nvPr>
+        </p:nvSpPr>
+        <p:spPr/>
+        <p:txBody>
+          <a:bodyPr/>
+          <a:lstStyle/>
+          <a:p>
+            <a:endParaRPr lang="en-GB" noProof="0" dirty="0"/>
+          </a:p>
+        </p:txBody>
+      </p:sp>
+      <p:sp>
+        <p:nvSpPr>
+          <p:cNvPr id="5" name="Footer Placeholder 4"/>
+          <p:cNvSpPr>
+            <a:spLocks noGrp="1"/>
+          </p:cNvSpPr>
+          <p:nvPr>
+            <p:ph type="ftr" sz="quarter" idx="11"/>
+          </p:nvPr>
+        </p:nvSpPr>
+        <p:spPr/>
+        <p:txBody>
+          <a:bodyPr/>
+          <a:lstStyle/>
+          <a:p>
+            <a:endParaRPr lang="en-GB" noProof="0" dirty="0"/>
+          </a:p>
+        </p:txBody>
+      </p:sp>
+      <p:sp>
+        <p:nvSpPr>
+          <p:cNvPr id="6" name="Slide Number Placeholder 5"/>
+          <p:cNvSpPr>
+            <a:spLocks noGrp="1"/>
+          </p:cNvSpPr>
+          <p:nvPr>
+            <p:ph type="sldNum" sz="quarter" idx="12"/>
+          </p:nvPr>
+        </p:nvSpPr>
+        <p:spPr/>
+        <p:txBody>
+          <a:bodyPr/>
+          <a:lstStyle/>
+          <a:p>
+            <a:fld id="{859873C9-BF5D-4A9A-BB31-45BBB7BABAF7}" type="slidenum">
+              <a:rPr lang="en-GB" noProof="0" smtClean="0"/>
+              <a:t>25</a:t>
+            </a:fld>
+            <a:endParaRPr lang="en-GB" noProof="0" dirty="0"/>
+          </a:p>
+        </p:txBody>
+      </p:sp>
+      <p:sp>
+        <p:nvSpPr>
+          <p:cNvPr id="9" name="Content Placeholder 2">
+            <a:extLst>
+              <a:ext uri="{FF2B5EF4-FFF2-40B4-BE49-F238E27FC236}">
+                <a16:creationId xmlns:a16="http://schemas.microsoft.com/office/drawing/2014/main" id="{6FBA3C69-E815-40A0-901C-A5E3695FC5A5}"/>
+              </a:ext>
+            </a:extLst>
+          </p:cNvPr>
+          <p:cNvSpPr>
+            <a:spLocks noGrp="1"/>
+          </p:cNvSpPr>
+          <p:nvPr>
+            <p:ph idx="1"/>
+          </p:nvPr>
+        </p:nvSpPr>
+        <p:spPr>
+          <a:xfrm>
+            <a:off x="809624" y="1533905"/>
+            <a:ext cx="10621963" cy="4310303"/>
+          </a:xfrm>
+        </p:spPr>
+        <p:txBody>
+          <a:bodyPr/>
+          <a:lstStyle/>
+          <a:p>
+            <a:r>
+              <a:rPr lang="en-US" sz="3200" dirty="0"/>
+              <a:t>Create a new directory “unwanted”</a:t>
+            </a:r>
+          </a:p>
+          <a:p>
+            <a:r>
+              <a:rPr lang="en-US" sz="3200" dirty="0"/>
+              <a:t>Create a new directory “important”</a:t>
+            </a:r>
+          </a:p>
+          <a:p>
+            <a:r>
+              <a:rPr lang="en-US" sz="3200" dirty="0"/>
+              <a:t>Create new files in each directories “file.txt”</a:t>
+            </a:r>
+          </a:p>
+          <a:p>
+            <a:r>
+              <a:rPr lang="en-US" sz="3200" dirty="0"/>
+              <a:t>Ignore “unwanted” </a:t>
+            </a:r>
+            <a:r>
+              <a:rPr lang="en-US" sz="3200" dirty="0" err="1"/>
+              <a:t>dir</a:t>
+            </a:r>
+            <a:endParaRPr lang="en-US" sz="3200" dirty="0"/>
+          </a:p>
+          <a:p>
+            <a:r>
+              <a:rPr lang="en-US" sz="3200" dirty="0"/>
+              <a:t>Commit changes to local repo</a:t>
+            </a:r>
+            <a:endParaRPr lang="lt-LT" sz="3200" dirty="0"/>
+          </a:p>
+        </p:txBody>
+      </p:sp>
+    </p:spTree>
+    <p:extLst>
+      <p:ext uri="{BB962C8B-B14F-4D97-AF65-F5344CB8AC3E}">
+        <p14:creationId xmlns:p14="http://schemas.microsoft.com/office/powerpoint/2010/main" val="134737954"/>
+      </p:ext>
+    </p:extLst>
+  </p:cSld>
+  <p:clrMapOvr>
+    <a:masterClrMapping/>
+  </p:clrMapOvr>
+</p:sld>
+</file>
+
+<file path=ppt/slides/slide26.xml><?xml version="1.0" encoding="utf-8"?>
+<p:sld xmlns:a="http://schemas.openxmlformats.org/drawingml/2006/main" xmlns:r="http://schemas.openxmlformats.org/officeDocument/2006/relationships" xmlns:p="http://schemas.openxmlformats.org/presentationml/2006/main">
+  <p:cSld>
+    <p:spTree>
+      <p:nvGrpSpPr>
+        <p:cNvPr id="1" name=""/>
+        <p:cNvGrpSpPr/>
+        <p:nvPr/>
+      </p:nvGrpSpPr>
+      <p:grpSpPr>
+        <a:xfrm>
+          <a:off x="0" y="0"/>
+          <a:ext cx="0" cy="0"/>
+          <a:chOff x="0" y="0"/>
+          <a:chExt cx="0" cy="0"/>
+        </a:xfrm>
+      </p:grpSpPr>
+      <p:pic>
+        <p:nvPicPr>
+          <p:cNvPr id="10" name="Picture Placeholder 9"/>
+          <p:cNvPicPr>
+            <a:picLocks noGrp="1" noChangeAspect="1"/>
+          </p:cNvPicPr>
+          <p:nvPr>
+            <p:ph type="pic" sz="quarter" idx="13"/>
+          </p:nvPr>
+        </p:nvPicPr>
+        <p:blipFill>
+          <a:blip r:embed="rId3">
+            <a:extLst>
+              <a:ext uri="{28A0092B-C50C-407E-A947-70E740481C1C}">
+                <a14:useLocalDpi xmlns:a14="http://schemas.microsoft.com/office/drawing/2010/main" val="0"/>
+              </a:ext>
+            </a:extLst>
+          </a:blip>
+          <a:srcRect l="4" r="4"/>
+          <a:stretch>
+            <a:fillRect/>
+          </a:stretch>
+        </p:blipFill>
+        <p:spPr/>
+      </p:pic>
+      <p:sp>
+        <p:nvSpPr>
+          <p:cNvPr id="7" name="Title 6"/>
+          <p:cNvSpPr>
+            <a:spLocks noGrp="1"/>
+          </p:cNvSpPr>
+          <p:nvPr>
+            <p:ph type="ctrTitle"/>
+          </p:nvPr>
+        </p:nvSpPr>
+        <p:spPr/>
+        <p:txBody>
+          <a:bodyPr/>
+          <a:lstStyle/>
+          <a:p>
+            <a:r>
+              <a:rPr lang="en-US" dirty="0"/>
+              <a:t>2.1</a:t>
+            </a:r>
+            <a:r>
+              <a:rPr lang="lt-LT" dirty="0"/>
+              <a:t>. </a:t>
+            </a:r>
+            <a:r>
+              <a:rPr lang="en-US" dirty="0"/>
+              <a:t>Branching</a:t>
+            </a:r>
+            <a:endParaRPr lang="en-GB" dirty="0"/>
+          </a:p>
+        </p:txBody>
+      </p:sp>
+      <p:sp>
+        <p:nvSpPr>
+          <p:cNvPr id="8" name="Subtitle 7"/>
+          <p:cNvSpPr>
+            <a:spLocks noGrp="1"/>
+          </p:cNvSpPr>
+          <p:nvPr>
+            <p:ph type="subTitle" idx="1"/>
+          </p:nvPr>
+        </p:nvSpPr>
+        <p:spPr/>
+        <p:txBody>
+          <a:bodyPr/>
+          <a:lstStyle/>
+          <a:p>
+            <a:pPr>
+              <a:buNone/>
+            </a:pPr>
+            <a:endParaRPr lang="en-GB" dirty="0"/>
+          </a:p>
+        </p:txBody>
+      </p:sp>
+      <p:sp>
+        <p:nvSpPr>
+          <p:cNvPr id="4" name="Date Placeholder 3"/>
+          <p:cNvSpPr>
+            <a:spLocks noGrp="1"/>
+          </p:cNvSpPr>
+          <p:nvPr>
+            <p:ph type="dt" sz="half" idx="10"/>
+          </p:nvPr>
+        </p:nvSpPr>
+        <p:spPr/>
+        <p:txBody>
+          <a:bodyPr/>
+          <a:lstStyle/>
+          <a:p>
+            <a:endParaRPr lang="en-GB" dirty="0"/>
+          </a:p>
+        </p:txBody>
+      </p:sp>
+      <p:sp>
+        <p:nvSpPr>
+          <p:cNvPr id="5" name="Footer Placeholder 4"/>
+          <p:cNvSpPr>
+            <a:spLocks noGrp="1"/>
+          </p:cNvSpPr>
+          <p:nvPr>
+            <p:ph type="ftr" sz="quarter" idx="11"/>
+          </p:nvPr>
+        </p:nvSpPr>
+        <p:spPr/>
+        <p:txBody>
+          <a:bodyPr/>
+          <a:lstStyle/>
+          <a:p>
+            <a:endParaRPr lang="en-GB" dirty="0"/>
+          </a:p>
+        </p:txBody>
+      </p:sp>
+      <p:sp>
+        <p:nvSpPr>
+          <p:cNvPr id="6" name="Slide Number Placeholder 5"/>
+          <p:cNvSpPr>
+            <a:spLocks noGrp="1"/>
+          </p:cNvSpPr>
+          <p:nvPr>
+            <p:ph type="sldNum" sz="quarter" idx="12"/>
+          </p:nvPr>
+        </p:nvSpPr>
+        <p:spPr/>
+        <p:txBody>
+          <a:bodyPr/>
+          <a:lstStyle/>
+          <a:p>
+            <a:fld id="{24C8C45C-947F-4981-8B3F-4F32E973C901}" type="slidenum">
+              <a:rPr lang="en-GB" smtClean="0"/>
+              <a:pPr/>
+              <a:t>26</a:t>
             </a:fld>
             <a:endParaRPr lang="en-GB" dirty="0"/>
           </a:p>
@@ -20085,7 +20650,7 @@
 </p:sld>
 </file>
 
-<file path=ppt/slides/slide25.xml><?xml version="1.0" encoding="utf-8"?>
+<file path=ppt/slides/slide27.xml><?xml version="1.0" encoding="utf-8"?>
 <p:sld xmlns:a="http://schemas.openxmlformats.org/drawingml/2006/main" xmlns:r="http://schemas.openxmlformats.org/officeDocument/2006/relationships" xmlns:p="http://schemas.openxmlformats.org/presentationml/2006/main">
   <p:cSld>
     <p:spTree>
@@ -20124,7 +20689,7 @@
         </p:blipFill>
         <p:spPr>
           <a:xfrm>
-            <a:off x="5528250" y="624597"/>
+            <a:off x="4002639" y="3293403"/>
             <a:ext cx="6020322" cy="2804403"/>
           </a:xfrm>
           <a:prstGeom prst="rect">
@@ -20166,8 +20731,8 @@
         </p:nvSpPr>
         <p:spPr>
           <a:xfrm>
-            <a:off x="809624" y="1533905"/>
-            <a:ext cx="10621963" cy="4310303"/>
+            <a:off x="809625" y="1533905"/>
+            <a:ext cx="6855772" cy="4310303"/>
           </a:xfrm>
         </p:spPr>
         <p:txBody>
@@ -20306,7 +20871,7 @@
           <a:p>
             <a:fld id="{859873C9-BF5D-4A9A-BB31-45BBB7BABAF7}" type="slidenum">
               <a:rPr lang="en-GB" noProof="0" smtClean="0"/>
-              <a:t>25</a:t>
+              <a:t>27</a:t>
             </a:fld>
             <a:endParaRPr lang="en-GB" noProof="0" dirty="0"/>
           </a:p>
@@ -20325,7 +20890,7 @@
 </p:sld>
 </file>
 
-<file path=ppt/slides/slide26.xml><?xml version="1.0" encoding="utf-8"?>
+<file path=ppt/slides/slide28.xml><?xml version="1.0" encoding="utf-8"?>
 <p:sld xmlns:a="http://schemas.openxmlformats.org/drawingml/2006/main" xmlns:r="http://schemas.openxmlformats.org/officeDocument/2006/relationships" xmlns:p="http://schemas.openxmlformats.org/presentationml/2006/main">
   <p:cSld>
     <p:spTree>
@@ -20469,7 +21034,7 @@
           <a:p>
             <a:fld id="{859873C9-BF5D-4A9A-BB31-45BBB7BABAF7}" type="slidenum">
               <a:rPr lang="en-GB" noProof="0" smtClean="0"/>
-              <a:t>26</a:t>
+              <a:t>28</a:t>
             </a:fld>
             <a:endParaRPr lang="en-GB" noProof="0" dirty="0"/>
           </a:p>
@@ -20518,7 +21083,7 @@
 </p:sld>
 </file>
 
-<file path=ppt/slides/slide27.xml><?xml version="1.0" encoding="utf-8"?>
+<file path=ppt/slides/slide29.xml><?xml version="1.0" encoding="utf-8"?>
 <p:sld xmlns:a="http://schemas.openxmlformats.org/drawingml/2006/main" xmlns:r="http://schemas.openxmlformats.org/officeDocument/2006/relationships" xmlns:p="http://schemas.openxmlformats.org/presentationml/2006/main">
   <p:cSld>
     <p:spTree>
@@ -20736,7 +21301,7 @@
           <a:p>
             <a:fld id="{859873C9-BF5D-4A9A-BB31-45BBB7BABAF7}" type="slidenum">
               <a:rPr lang="en-GB" noProof="0" smtClean="0"/>
-              <a:t>27</a:t>
+              <a:t>29</a:t>
             </a:fld>
             <a:endParaRPr lang="en-GB" noProof="0" dirty="0"/>
           </a:p>
@@ -20746,327 +21311,6 @@
     <p:extLst>
       <p:ext uri="{BB962C8B-B14F-4D97-AF65-F5344CB8AC3E}">
         <p14:creationId xmlns:p14="http://schemas.microsoft.com/office/powerpoint/2010/main" val="3382051688"/>
-      </p:ext>
-    </p:extLst>
-  </p:cSld>
-  <p:clrMapOvr>
-    <a:masterClrMapping/>
-  </p:clrMapOvr>
-</p:sld>
-</file>
-
-<file path=ppt/slides/slide28.xml><?xml version="1.0" encoding="utf-8"?>
-<p:sld xmlns:a="http://schemas.openxmlformats.org/drawingml/2006/main" xmlns:r="http://schemas.openxmlformats.org/officeDocument/2006/relationships" xmlns:p="http://schemas.openxmlformats.org/presentationml/2006/main">
-  <p:cSld>
-    <p:spTree>
-      <p:nvGrpSpPr>
-        <p:cNvPr id="1" name=""/>
-        <p:cNvGrpSpPr/>
-        <p:nvPr/>
-      </p:nvGrpSpPr>
-      <p:grpSpPr>
-        <a:xfrm>
-          <a:off x="0" y="0"/>
-          <a:ext cx="0" cy="0"/>
-          <a:chOff x="0" y="0"/>
-          <a:chExt cx="0" cy="0"/>
-        </a:xfrm>
-      </p:grpSpPr>
-      <p:sp>
-        <p:nvSpPr>
-          <p:cNvPr id="2" name="Title 1"/>
-          <p:cNvSpPr>
-            <a:spLocks noGrp="1"/>
-          </p:cNvSpPr>
-          <p:nvPr>
-            <p:ph type="title"/>
-          </p:nvPr>
-        </p:nvSpPr>
-        <p:spPr/>
-        <p:txBody>
-          <a:bodyPr/>
-          <a:lstStyle/>
-          <a:p>
-            <a:r>
-              <a:rPr lang="en-US" dirty="0"/>
-              <a:t>Synchronize Changes</a:t>
-            </a:r>
-          </a:p>
-        </p:txBody>
-      </p:sp>
-      <p:sp>
-        <p:nvSpPr>
-          <p:cNvPr id="3" name="Content Placeholder 2"/>
-          <p:cNvSpPr>
-            <a:spLocks noGrp="1"/>
-          </p:cNvSpPr>
-          <p:nvPr>
-            <p:ph idx="1"/>
-          </p:nvPr>
-        </p:nvSpPr>
-        <p:spPr>
-          <a:xfrm>
-            <a:off x="809624" y="1533905"/>
-            <a:ext cx="10621963" cy="4310303"/>
-          </a:xfrm>
-        </p:spPr>
-        <p:txBody>
-          <a:bodyPr/>
-          <a:lstStyle/>
-          <a:p>
-            <a:pPr marL="0" indent="0">
-              <a:buNone/>
-            </a:pPr>
-            <a:r>
-              <a:rPr lang="fr-FR" sz="2800" b="1" dirty="0"/>
-              <a:t>git merge [alias]/[</a:t>
-            </a:r>
-            <a:r>
-              <a:rPr lang="fr-FR" sz="2800" b="1" dirty="0" err="1"/>
-              <a:t>branch</a:t>
-            </a:r>
-            <a:r>
-              <a:rPr lang="fr-FR" sz="2800" b="1" dirty="0"/>
-              <a:t>]</a:t>
-            </a:r>
-            <a:endParaRPr lang="en-US" sz="2800" b="1" dirty="0"/>
-          </a:p>
-          <a:p>
-            <a:pPr lvl="1"/>
-            <a:r>
-              <a:rPr lang="en-US" sz="2400" dirty="0"/>
-              <a:t>merges a remote branch into your current branch to bring it up to date</a:t>
-            </a:r>
-          </a:p>
-        </p:txBody>
-      </p:sp>
-      <p:sp>
-        <p:nvSpPr>
-          <p:cNvPr id="4" name="Date Placeholder 3"/>
-          <p:cNvSpPr>
-            <a:spLocks noGrp="1"/>
-          </p:cNvSpPr>
-          <p:nvPr>
-            <p:ph type="dt" sz="half" idx="10"/>
-          </p:nvPr>
-        </p:nvSpPr>
-        <p:spPr/>
-        <p:txBody>
-          <a:bodyPr/>
-          <a:lstStyle/>
-          <a:p>
-            <a:endParaRPr lang="en-GB" noProof="0" dirty="0"/>
-          </a:p>
-        </p:txBody>
-      </p:sp>
-      <p:sp>
-        <p:nvSpPr>
-          <p:cNvPr id="5" name="Footer Placeholder 4"/>
-          <p:cNvSpPr>
-            <a:spLocks noGrp="1"/>
-          </p:cNvSpPr>
-          <p:nvPr>
-            <p:ph type="ftr" sz="quarter" idx="11"/>
-          </p:nvPr>
-        </p:nvSpPr>
-        <p:spPr/>
-        <p:txBody>
-          <a:bodyPr/>
-          <a:lstStyle/>
-          <a:p>
-            <a:endParaRPr lang="en-GB" noProof="0" dirty="0"/>
-          </a:p>
-        </p:txBody>
-      </p:sp>
-      <p:sp>
-        <p:nvSpPr>
-          <p:cNvPr id="6" name="Slide Number Placeholder 5"/>
-          <p:cNvSpPr>
-            <a:spLocks noGrp="1"/>
-          </p:cNvSpPr>
-          <p:nvPr>
-            <p:ph type="sldNum" sz="quarter" idx="12"/>
-          </p:nvPr>
-        </p:nvSpPr>
-        <p:spPr/>
-        <p:txBody>
-          <a:bodyPr/>
-          <a:lstStyle/>
-          <a:p>
-            <a:fld id="{859873C9-BF5D-4A9A-BB31-45BBB7BABAF7}" type="slidenum">
-              <a:rPr lang="en-GB" noProof="0" smtClean="0"/>
-              <a:t>28</a:t>
-            </a:fld>
-            <a:endParaRPr lang="en-GB" noProof="0" dirty="0"/>
-          </a:p>
-        </p:txBody>
-      </p:sp>
-    </p:spTree>
-    <p:extLst>
-      <p:ext uri="{BB962C8B-B14F-4D97-AF65-F5344CB8AC3E}">
-        <p14:creationId xmlns:p14="http://schemas.microsoft.com/office/powerpoint/2010/main" val="3990736403"/>
-      </p:ext>
-    </p:extLst>
-  </p:cSld>
-  <p:clrMapOvr>
-    <a:masterClrMapping/>
-  </p:clrMapOvr>
-</p:sld>
-</file>
-
-<file path=ppt/slides/slide29.xml><?xml version="1.0" encoding="utf-8"?>
-<p:sld xmlns:a="http://schemas.openxmlformats.org/drawingml/2006/main" xmlns:r="http://schemas.openxmlformats.org/officeDocument/2006/relationships" xmlns:p="http://schemas.openxmlformats.org/presentationml/2006/main">
-  <p:cSld>
-    <p:spTree>
-      <p:nvGrpSpPr>
-        <p:cNvPr id="1" name=""/>
-        <p:cNvGrpSpPr/>
-        <p:nvPr/>
-      </p:nvGrpSpPr>
-      <p:grpSpPr>
-        <a:xfrm>
-          <a:off x="0" y="0"/>
-          <a:ext cx="0" cy="0"/>
-          <a:chOff x="0" y="0"/>
-          <a:chExt cx="0" cy="0"/>
-        </a:xfrm>
-      </p:grpSpPr>
-      <p:pic>
-        <p:nvPicPr>
-          <p:cNvPr id="10" name="Picture Placeholder 9"/>
-          <p:cNvPicPr>
-            <a:picLocks noGrp="1" noChangeAspect="1"/>
-          </p:cNvPicPr>
-          <p:nvPr>
-            <p:ph type="pic" sz="quarter" idx="13"/>
-          </p:nvPr>
-        </p:nvPicPr>
-        <p:blipFill>
-          <a:blip r:embed="rId3">
-            <a:extLst>
-              <a:ext uri="{28A0092B-C50C-407E-A947-70E740481C1C}">
-                <a14:useLocalDpi xmlns:a14="http://schemas.microsoft.com/office/drawing/2010/main" val="0"/>
-              </a:ext>
-            </a:extLst>
-          </a:blip>
-          <a:srcRect l="4" r="4"/>
-          <a:stretch>
-            <a:fillRect/>
-          </a:stretch>
-        </p:blipFill>
-        <p:spPr/>
-      </p:pic>
-      <p:sp>
-        <p:nvSpPr>
-          <p:cNvPr id="7" name="Title 6"/>
-          <p:cNvSpPr>
-            <a:spLocks noGrp="1"/>
-          </p:cNvSpPr>
-          <p:nvPr>
-            <p:ph type="ctrTitle"/>
-          </p:nvPr>
-        </p:nvSpPr>
-        <p:spPr/>
-        <p:txBody>
-          <a:bodyPr/>
-          <a:lstStyle/>
-          <a:p>
-            <a:r>
-              <a:rPr lang="en-US" dirty="0"/>
-              <a:t>Practice</a:t>
-            </a:r>
-            <a:endParaRPr lang="en-GB" dirty="0"/>
-          </a:p>
-        </p:txBody>
-      </p:sp>
-      <p:sp>
-        <p:nvSpPr>
-          <p:cNvPr id="8" name="Subtitle 7"/>
-          <p:cNvSpPr>
-            <a:spLocks noGrp="1"/>
-          </p:cNvSpPr>
-          <p:nvPr>
-            <p:ph type="subTitle" idx="1"/>
-          </p:nvPr>
-        </p:nvSpPr>
-        <p:spPr/>
-        <p:txBody>
-          <a:bodyPr/>
-          <a:lstStyle/>
-          <a:p>
-            <a:pPr>
-              <a:buNone/>
-            </a:pPr>
-            <a:endParaRPr lang="en-GB" dirty="0"/>
-          </a:p>
-        </p:txBody>
-      </p:sp>
-      <p:sp>
-        <p:nvSpPr>
-          <p:cNvPr id="4" name="Date Placeholder 3"/>
-          <p:cNvSpPr>
-            <a:spLocks noGrp="1"/>
-          </p:cNvSpPr>
-          <p:nvPr>
-            <p:ph type="dt" sz="half" idx="10"/>
-          </p:nvPr>
-        </p:nvSpPr>
-        <p:spPr/>
-        <p:txBody>
-          <a:bodyPr/>
-          <a:lstStyle/>
-          <a:p>
-            <a:endParaRPr lang="en-GB" dirty="0"/>
-          </a:p>
-        </p:txBody>
-      </p:sp>
-      <p:sp>
-        <p:nvSpPr>
-          <p:cNvPr id="5" name="Footer Placeholder 4"/>
-          <p:cNvSpPr>
-            <a:spLocks noGrp="1"/>
-          </p:cNvSpPr>
-          <p:nvPr>
-            <p:ph type="ftr" sz="quarter" idx="11"/>
-          </p:nvPr>
-        </p:nvSpPr>
-        <p:spPr/>
-        <p:txBody>
-          <a:bodyPr/>
-          <a:lstStyle/>
-          <a:p>
-            <a:endParaRPr lang="en-GB" dirty="0"/>
-          </a:p>
-        </p:txBody>
-      </p:sp>
-      <p:sp>
-        <p:nvSpPr>
-          <p:cNvPr id="6" name="Slide Number Placeholder 5"/>
-          <p:cNvSpPr>
-            <a:spLocks noGrp="1"/>
-          </p:cNvSpPr>
-          <p:nvPr>
-            <p:ph type="sldNum" sz="quarter" idx="12"/>
-          </p:nvPr>
-        </p:nvSpPr>
-        <p:spPr/>
-        <p:txBody>
-          <a:bodyPr/>
-          <a:lstStyle/>
-          <a:p>
-            <a:fld id="{24C8C45C-947F-4981-8B3F-4F32E973C901}" type="slidenum">
-              <a:rPr lang="en-GB" smtClean="0"/>
-              <a:pPr/>
-              <a:t>29</a:t>
-            </a:fld>
-            <a:endParaRPr lang="en-GB" dirty="0"/>
-          </a:p>
-        </p:txBody>
-      </p:sp>
-    </p:spTree>
-    <p:extLst>
-      <p:ext uri="{BB962C8B-B14F-4D97-AF65-F5344CB8AC3E}">
-        <p14:creationId xmlns:p14="http://schemas.microsoft.com/office/powerpoint/2010/main" val="2807414346"/>
       </p:ext>
     </p:extLst>
   </p:cSld>
@@ -21273,29 +21517,61 @@
             <p:ph type="title"/>
           </p:nvPr>
         </p:nvSpPr>
+        <p:spPr/>
+        <p:txBody>
+          <a:bodyPr/>
+          <a:lstStyle/>
+          <a:p>
+            <a:r>
+              <a:rPr lang="en-US" dirty="0"/>
+              <a:t>Synchronize Changes</a:t>
+            </a:r>
+          </a:p>
+        </p:txBody>
+      </p:sp>
+      <p:sp>
+        <p:nvSpPr>
+          <p:cNvPr id="3" name="Content Placeholder 2"/>
+          <p:cNvSpPr>
+            <a:spLocks noGrp="1"/>
+          </p:cNvSpPr>
+          <p:nvPr>
+            <p:ph idx="1"/>
+          </p:nvPr>
+        </p:nvSpPr>
         <p:spPr>
           <a:xfrm>
-            <a:off x="784224" y="481665"/>
-            <a:ext cx="10671175" cy="1052240"/>
+            <a:off x="809624" y="1533905"/>
+            <a:ext cx="10621963" cy="4310303"/>
           </a:xfrm>
         </p:spPr>
         <p:txBody>
           <a:bodyPr/>
           <a:lstStyle/>
           <a:p>
-            <a:r>
-              <a:rPr lang="en-US" dirty="0"/>
-              <a:t>Task</a:t>
-            </a:r>
-            <a:r>
-              <a:rPr lang="lt-LT" dirty="0"/>
-              <a:t> </a:t>
-            </a:r>
-            <a:r>
-              <a:rPr lang="en-US" dirty="0"/>
-              <a:t>#4</a:t>
-            </a:r>
-            <a:endParaRPr lang="lt-LT" dirty="0"/>
+            <a:pPr marL="0" indent="0">
+              <a:buNone/>
+            </a:pPr>
+            <a:r>
+              <a:rPr lang="fr-FR" sz="2800" b="1" dirty="0"/>
+              <a:t>git merge [alias]/[</a:t>
+            </a:r>
+            <a:r>
+              <a:rPr lang="fr-FR" sz="2800" b="1" dirty="0" err="1"/>
+              <a:t>branch</a:t>
+            </a:r>
+            <a:r>
+              <a:rPr lang="fr-FR" sz="2800" b="1" dirty="0"/>
+              <a:t>]</a:t>
+            </a:r>
+            <a:endParaRPr lang="en-US" sz="2800" b="1" dirty="0"/>
+          </a:p>
+          <a:p>
+            <a:pPr lvl="1"/>
+            <a:r>
+              <a:rPr lang="en-US" sz="2400" dirty="0"/>
+              <a:t>merges a remote branch into your current branch to bring it up to date</a:t>
+            </a:r>
           </a:p>
         </p:txBody>
       </p:sp>
@@ -21360,224 +21636,10 @@
           </a:p>
         </p:txBody>
       </p:sp>
-      <p:sp>
-        <p:nvSpPr>
-          <p:cNvPr id="7" name="Content Placeholder 2">
-            <a:extLst>
-              <a:ext uri="{FF2B5EF4-FFF2-40B4-BE49-F238E27FC236}">
-                <a16:creationId xmlns:a16="http://schemas.microsoft.com/office/drawing/2014/main" id="{236D5AD3-798D-4235-9534-A03E209C626B}"/>
-              </a:ext>
-            </a:extLst>
-          </p:cNvPr>
-          <p:cNvSpPr txBox="1">
-            <a:spLocks/>
-          </p:cNvSpPr>
-          <p:nvPr/>
-        </p:nvSpPr>
-        <p:spPr>
-          <a:xfrm>
-            <a:off x="809624" y="1533905"/>
-            <a:ext cx="10621963" cy="4310303"/>
-          </a:xfrm>
-          <a:prstGeom prst="rect">
-            <a:avLst/>
-          </a:prstGeom>
-        </p:spPr>
-        <p:txBody>
-          <a:bodyPr vert="horz" lIns="0" tIns="0" rIns="0" bIns="0" rtlCol="0">
-            <a:noAutofit/>
-          </a:bodyPr>
-          <a:lstStyle>
-            <a:lvl1pPr marL="216000" indent="-216000" algn="l" defTabSz="914400" rtl="0" eaLnBrk="1" latinLnBrk="0" hangingPunct="1">
-              <a:lnSpc>
-                <a:spcPct val="100000"/>
-              </a:lnSpc>
-              <a:spcBef>
-                <a:spcPts val="800"/>
-              </a:spcBef>
-              <a:buClr>
-                <a:schemeClr val="accent1"/>
-              </a:buClr>
-              <a:buFont typeface="Arial" panose="020B0604020202020204" pitchFamily="34" charset="0"/>
-              <a:buChar char="•"/>
-              <a:defRPr sz="2200" kern="1200">
-                <a:solidFill>
-                  <a:schemeClr val="tx1"/>
-                </a:solidFill>
-                <a:latin typeface="+mn-lt"/>
-                <a:ea typeface="+mn-ea"/>
-                <a:cs typeface="+mn-cs"/>
-              </a:defRPr>
-            </a:lvl1pPr>
-            <a:lvl2pPr marL="396000" indent="-180000" algn="l" defTabSz="914400" rtl="0" eaLnBrk="1" latinLnBrk="0" hangingPunct="1">
-              <a:lnSpc>
-                <a:spcPct val="100000"/>
-              </a:lnSpc>
-              <a:spcBef>
-                <a:spcPts val="800"/>
-              </a:spcBef>
-              <a:buFont typeface="Arial" panose="020B0604020202020204" pitchFamily="34" charset="0"/>
-              <a:buChar char="–"/>
-              <a:defRPr sz="1800" kern="1200">
-                <a:solidFill>
-                  <a:schemeClr val="tx1"/>
-                </a:solidFill>
-                <a:latin typeface="+mn-lt"/>
-                <a:ea typeface="+mn-ea"/>
-                <a:cs typeface="+mn-cs"/>
-              </a:defRPr>
-            </a:lvl2pPr>
-            <a:lvl3pPr marL="576000" indent="-180000" algn="l" defTabSz="914400" rtl="0" eaLnBrk="1" latinLnBrk="0" hangingPunct="1">
-              <a:lnSpc>
-                <a:spcPct val="100000"/>
-              </a:lnSpc>
-              <a:spcBef>
-                <a:spcPts val="800"/>
-              </a:spcBef>
-              <a:buFont typeface="Arial" panose="020B0604020202020204" pitchFamily="34" charset="0"/>
-              <a:buChar char="•"/>
-              <a:defRPr sz="1600" kern="1200">
-                <a:solidFill>
-                  <a:schemeClr val="tx1"/>
-                </a:solidFill>
-                <a:latin typeface="+mn-lt"/>
-                <a:ea typeface="+mn-ea"/>
-                <a:cs typeface="+mn-cs"/>
-              </a:defRPr>
-            </a:lvl3pPr>
-            <a:lvl4pPr marL="756000" indent="-180000" algn="l" defTabSz="914400" rtl="0" eaLnBrk="1" latinLnBrk="0" hangingPunct="1">
-              <a:lnSpc>
-                <a:spcPct val="100000"/>
-              </a:lnSpc>
-              <a:spcBef>
-                <a:spcPts val="800"/>
-              </a:spcBef>
-              <a:buFont typeface="Arial" panose="020B0604020202020204" pitchFamily="34" charset="0"/>
-              <a:buChar char="–"/>
-              <a:defRPr sz="1400" kern="1200">
-                <a:solidFill>
-                  <a:schemeClr val="tx1"/>
-                </a:solidFill>
-                <a:latin typeface="+mn-lt"/>
-                <a:ea typeface="+mn-ea"/>
-                <a:cs typeface="+mn-cs"/>
-              </a:defRPr>
-            </a:lvl4pPr>
-            <a:lvl5pPr marL="936000" indent="-180000" algn="l" defTabSz="914400" rtl="0" eaLnBrk="1" latinLnBrk="0" hangingPunct="1">
-              <a:lnSpc>
-                <a:spcPct val="100000"/>
-              </a:lnSpc>
-              <a:spcBef>
-                <a:spcPts val="800"/>
-              </a:spcBef>
-              <a:buFont typeface="Arial" panose="020B0604020202020204" pitchFamily="34" charset="0"/>
-              <a:buChar char="•"/>
-              <a:defRPr sz="1400" kern="1200">
-                <a:solidFill>
-                  <a:schemeClr val="tx1"/>
-                </a:solidFill>
-                <a:latin typeface="+mn-lt"/>
-                <a:ea typeface="+mn-ea"/>
-                <a:cs typeface="+mn-cs"/>
-              </a:defRPr>
-            </a:lvl5pPr>
-            <a:lvl6pPr marL="936000" indent="-180000" algn="l" defTabSz="914400" rtl="0" eaLnBrk="1" latinLnBrk="0" hangingPunct="1">
-              <a:lnSpc>
-                <a:spcPct val="100000"/>
-              </a:lnSpc>
-              <a:spcBef>
-                <a:spcPts val="800"/>
-              </a:spcBef>
-              <a:buFont typeface="Arial" panose="020B0604020202020204" pitchFamily="34" charset="0"/>
-              <a:buChar char="•"/>
-              <a:defRPr sz="1400" kern="1200">
-                <a:solidFill>
-                  <a:schemeClr val="tx1"/>
-                </a:solidFill>
-                <a:latin typeface="+mn-lt"/>
-                <a:ea typeface="+mn-ea"/>
-                <a:cs typeface="+mn-cs"/>
-              </a:defRPr>
-            </a:lvl6pPr>
-            <a:lvl7pPr marL="936000" indent="-180000" algn="l" defTabSz="914400" rtl="0" eaLnBrk="1" latinLnBrk="0" hangingPunct="1">
-              <a:lnSpc>
-                <a:spcPct val="100000"/>
-              </a:lnSpc>
-              <a:spcBef>
-                <a:spcPts val="800"/>
-              </a:spcBef>
-              <a:buFont typeface="Arial" panose="020B0604020202020204" pitchFamily="34" charset="0"/>
-              <a:buChar char="•"/>
-              <a:defRPr sz="1400" kern="1200" baseline="0">
-                <a:solidFill>
-                  <a:schemeClr val="tx1"/>
-                </a:solidFill>
-                <a:latin typeface="+mn-lt"/>
-                <a:ea typeface="+mn-ea"/>
-                <a:cs typeface="+mn-cs"/>
-              </a:defRPr>
-            </a:lvl7pPr>
-            <a:lvl8pPr marL="936000" indent="-180000" algn="l" defTabSz="914400" rtl="0" eaLnBrk="1" latinLnBrk="0" hangingPunct="1">
-              <a:lnSpc>
-                <a:spcPct val="100000"/>
-              </a:lnSpc>
-              <a:spcBef>
-                <a:spcPts val="800"/>
-              </a:spcBef>
-              <a:buFont typeface="Arial" panose="020B0604020202020204" pitchFamily="34" charset="0"/>
-              <a:buChar char="•"/>
-              <a:defRPr sz="1400" kern="1200">
-                <a:solidFill>
-                  <a:schemeClr val="tx1"/>
-                </a:solidFill>
-                <a:latin typeface="+mn-lt"/>
-                <a:ea typeface="+mn-ea"/>
-                <a:cs typeface="+mn-cs"/>
-              </a:defRPr>
-            </a:lvl8pPr>
-            <a:lvl9pPr marL="936000" indent="-180000" algn="l" defTabSz="914400" rtl="0" eaLnBrk="1" latinLnBrk="0" hangingPunct="1">
-              <a:lnSpc>
-                <a:spcPct val="100000"/>
-              </a:lnSpc>
-              <a:spcBef>
-                <a:spcPts val="800"/>
-              </a:spcBef>
-              <a:buFont typeface="Arial" panose="020B0604020202020204" pitchFamily="34" charset="0"/>
-              <a:buChar char="•"/>
-              <a:defRPr sz="1400" kern="1200" baseline="0">
-                <a:solidFill>
-                  <a:schemeClr val="tx1"/>
-                </a:solidFill>
-                <a:latin typeface="+mn-lt"/>
-                <a:ea typeface="+mn-ea"/>
-                <a:cs typeface="+mn-cs"/>
-              </a:defRPr>
-            </a:lvl9pPr>
-          </a:lstStyle>
-          <a:p>
-            <a:r>
-              <a:rPr lang="en-US" sz="3200" dirty="0"/>
-              <a:t>Create a new branch “feature”</a:t>
-            </a:r>
-          </a:p>
-          <a:p>
-            <a:r>
-              <a:rPr lang="en-US" sz="3200" dirty="0"/>
-              <a:t>Make some changes in that branch</a:t>
-            </a:r>
-          </a:p>
-          <a:p>
-            <a:r>
-              <a:rPr lang="en-US" sz="3200" dirty="0"/>
-              <a:t>Merge master with branch</a:t>
-            </a:r>
-          </a:p>
-        </p:txBody>
-      </p:sp>
     </p:spTree>
     <p:extLst>
       <p:ext uri="{BB962C8B-B14F-4D97-AF65-F5344CB8AC3E}">
-        <p14:creationId xmlns:p14="http://schemas.microsoft.com/office/powerpoint/2010/main" val="1879522515"/>
+        <p14:creationId xmlns:p14="http://schemas.microsoft.com/office/powerpoint/2010/main" val="3990736403"/>
       </p:ext>
     </p:extLst>
   </p:cSld>
@@ -21604,39 +21666,73 @@
           <a:chExt cx="0" cy="0"/>
         </a:xfrm>
       </p:grpSpPr>
-      <p:sp>
-        <p:nvSpPr>
-          <p:cNvPr id="2" name="Title 1"/>
-          <p:cNvSpPr>
-            <a:spLocks noGrp="1"/>
-          </p:cNvSpPr>
-          <p:nvPr>
-            <p:ph type="title"/>
-          </p:nvPr>
-        </p:nvSpPr>
-        <p:spPr>
-          <a:xfrm>
-            <a:off x="784224" y="481665"/>
-            <a:ext cx="10671175" cy="1052240"/>
-          </a:xfrm>
-        </p:spPr>
+      <p:pic>
+        <p:nvPicPr>
+          <p:cNvPr id="10" name="Picture Placeholder 9"/>
+          <p:cNvPicPr>
+            <a:picLocks noGrp="1" noChangeAspect="1"/>
+          </p:cNvPicPr>
+          <p:nvPr>
+            <p:ph type="pic" sz="quarter" idx="13"/>
+          </p:nvPr>
+        </p:nvPicPr>
+        <p:blipFill>
+          <a:blip r:embed="rId3">
+            <a:extLst>
+              <a:ext uri="{28A0092B-C50C-407E-A947-70E740481C1C}">
+                <a14:useLocalDpi xmlns:a14="http://schemas.microsoft.com/office/drawing/2010/main" val="0"/>
+              </a:ext>
+            </a:extLst>
+          </a:blip>
+          <a:srcRect l="4" r="4"/>
+          <a:stretch>
+            <a:fillRect/>
+          </a:stretch>
+        </p:blipFill>
+        <p:spPr/>
+      </p:pic>
+      <p:sp>
+        <p:nvSpPr>
+          <p:cNvPr id="7" name="Title 6"/>
+          <p:cNvSpPr>
+            <a:spLocks noGrp="1"/>
+          </p:cNvSpPr>
+          <p:nvPr>
+            <p:ph type="ctrTitle"/>
+          </p:nvPr>
+        </p:nvSpPr>
+        <p:spPr/>
         <p:txBody>
           <a:bodyPr/>
           <a:lstStyle/>
           <a:p>
             <a:r>
               <a:rPr lang="en-US" dirty="0"/>
-              <a:t>Task</a:t>
-            </a:r>
-            <a:r>
-              <a:rPr lang="lt-LT" dirty="0"/>
-              <a:t> </a:t>
-            </a:r>
-            <a:r>
-              <a:rPr lang="en-US" dirty="0"/>
-              <a:t>#5</a:t>
-            </a:r>
-            <a:endParaRPr lang="lt-LT" dirty="0"/>
+              <a:t>Practice</a:t>
+            </a:r>
+            <a:endParaRPr lang="en-GB" dirty="0"/>
+          </a:p>
+        </p:txBody>
+      </p:sp>
+      <p:sp>
+        <p:nvSpPr>
+          <p:cNvPr id="8" name="Subtitle 7"/>
+          <p:cNvSpPr>
+            <a:spLocks noGrp="1"/>
+          </p:cNvSpPr>
+          <p:nvPr>
+            <p:ph type="subTitle" idx="1"/>
+          </p:nvPr>
+        </p:nvSpPr>
+        <p:spPr/>
+        <p:txBody>
+          <a:bodyPr/>
+          <a:lstStyle/>
+          <a:p>
+            <a:pPr>
+              <a:buNone/>
+            </a:pPr>
+            <a:endParaRPr lang="en-GB" dirty="0"/>
           </a:p>
         </p:txBody>
       </p:sp>
@@ -21655,7 +21751,7 @@
           <a:bodyPr/>
           <a:lstStyle/>
           <a:p>
-            <a:endParaRPr lang="en-GB" noProof="0" dirty="0"/>
+            <a:endParaRPr lang="en-GB" dirty="0"/>
           </a:p>
         </p:txBody>
       </p:sp>
@@ -21674,7 +21770,7 @@
           <a:bodyPr/>
           <a:lstStyle/>
           <a:p>
-            <a:endParaRPr lang="en-GB" noProof="0" dirty="0"/>
+            <a:endParaRPr lang="en-GB" dirty="0"/>
           </a:p>
         </p:txBody>
       </p:sp>
@@ -21693,232 +21789,19 @@
           <a:bodyPr/>
           <a:lstStyle/>
           <a:p>
-            <a:fld id="{859873C9-BF5D-4A9A-BB31-45BBB7BABAF7}" type="slidenum">
-              <a:rPr lang="en-GB" noProof="0" smtClean="0"/>
+            <a:fld id="{24C8C45C-947F-4981-8B3F-4F32E973C901}" type="slidenum">
+              <a:rPr lang="en-GB" smtClean="0"/>
+              <a:pPr/>
               <a:t>31</a:t>
             </a:fld>
-            <a:endParaRPr lang="en-GB" noProof="0" dirty="0"/>
-          </a:p>
-        </p:txBody>
-      </p:sp>
-      <p:sp>
-        <p:nvSpPr>
-          <p:cNvPr id="7" name="Content Placeholder 2">
-            <a:extLst>
-              <a:ext uri="{FF2B5EF4-FFF2-40B4-BE49-F238E27FC236}">
-                <a16:creationId xmlns:a16="http://schemas.microsoft.com/office/drawing/2014/main" id="{236D5AD3-798D-4235-9534-A03E209C626B}"/>
-              </a:ext>
-            </a:extLst>
-          </p:cNvPr>
-          <p:cNvSpPr txBox="1">
-            <a:spLocks/>
-          </p:cNvSpPr>
-          <p:nvPr/>
-        </p:nvSpPr>
-        <p:spPr>
-          <a:xfrm>
-            <a:off x="809624" y="1533905"/>
-            <a:ext cx="10621963" cy="4310303"/>
-          </a:xfrm>
-          <a:prstGeom prst="rect">
-            <a:avLst/>
-          </a:prstGeom>
-        </p:spPr>
-        <p:txBody>
-          <a:bodyPr vert="horz" lIns="0" tIns="0" rIns="0" bIns="0" rtlCol="0">
-            <a:noAutofit/>
-          </a:bodyPr>
-          <a:lstStyle>
-            <a:lvl1pPr marL="216000" indent="-216000" algn="l" defTabSz="914400" rtl="0" eaLnBrk="1" latinLnBrk="0" hangingPunct="1">
-              <a:lnSpc>
-                <a:spcPct val="100000"/>
-              </a:lnSpc>
-              <a:spcBef>
-                <a:spcPts val="800"/>
-              </a:spcBef>
-              <a:buClr>
-                <a:schemeClr val="accent1"/>
-              </a:buClr>
-              <a:buFont typeface="Arial" panose="020B0604020202020204" pitchFamily="34" charset="0"/>
-              <a:buChar char="•"/>
-              <a:defRPr sz="2200" kern="1200">
-                <a:solidFill>
-                  <a:schemeClr val="tx1"/>
-                </a:solidFill>
-                <a:latin typeface="+mn-lt"/>
-                <a:ea typeface="+mn-ea"/>
-                <a:cs typeface="+mn-cs"/>
-              </a:defRPr>
-            </a:lvl1pPr>
-            <a:lvl2pPr marL="396000" indent="-180000" algn="l" defTabSz="914400" rtl="0" eaLnBrk="1" latinLnBrk="0" hangingPunct="1">
-              <a:lnSpc>
-                <a:spcPct val="100000"/>
-              </a:lnSpc>
-              <a:spcBef>
-                <a:spcPts val="800"/>
-              </a:spcBef>
-              <a:buFont typeface="Arial" panose="020B0604020202020204" pitchFamily="34" charset="0"/>
-              <a:buChar char="–"/>
-              <a:defRPr sz="1800" kern="1200">
-                <a:solidFill>
-                  <a:schemeClr val="tx1"/>
-                </a:solidFill>
-                <a:latin typeface="+mn-lt"/>
-                <a:ea typeface="+mn-ea"/>
-                <a:cs typeface="+mn-cs"/>
-              </a:defRPr>
-            </a:lvl2pPr>
-            <a:lvl3pPr marL="576000" indent="-180000" algn="l" defTabSz="914400" rtl="0" eaLnBrk="1" latinLnBrk="0" hangingPunct="1">
-              <a:lnSpc>
-                <a:spcPct val="100000"/>
-              </a:lnSpc>
-              <a:spcBef>
-                <a:spcPts val="800"/>
-              </a:spcBef>
-              <a:buFont typeface="Arial" panose="020B0604020202020204" pitchFamily="34" charset="0"/>
-              <a:buChar char="•"/>
-              <a:defRPr sz="1600" kern="1200">
-                <a:solidFill>
-                  <a:schemeClr val="tx1"/>
-                </a:solidFill>
-                <a:latin typeface="+mn-lt"/>
-                <a:ea typeface="+mn-ea"/>
-                <a:cs typeface="+mn-cs"/>
-              </a:defRPr>
-            </a:lvl3pPr>
-            <a:lvl4pPr marL="756000" indent="-180000" algn="l" defTabSz="914400" rtl="0" eaLnBrk="1" latinLnBrk="0" hangingPunct="1">
-              <a:lnSpc>
-                <a:spcPct val="100000"/>
-              </a:lnSpc>
-              <a:spcBef>
-                <a:spcPts val="800"/>
-              </a:spcBef>
-              <a:buFont typeface="Arial" panose="020B0604020202020204" pitchFamily="34" charset="0"/>
-              <a:buChar char="–"/>
-              <a:defRPr sz="1400" kern="1200">
-                <a:solidFill>
-                  <a:schemeClr val="tx1"/>
-                </a:solidFill>
-                <a:latin typeface="+mn-lt"/>
-                <a:ea typeface="+mn-ea"/>
-                <a:cs typeface="+mn-cs"/>
-              </a:defRPr>
-            </a:lvl4pPr>
-            <a:lvl5pPr marL="936000" indent="-180000" algn="l" defTabSz="914400" rtl="0" eaLnBrk="1" latinLnBrk="0" hangingPunct="1">
-              <a:lnSpc>
-                <a:spcPct val="100000"/>
-              </a:lnSpc>
-              <a:spcBef>
-                <a:spcPts val="800"/>
-              </a:spcBef>
-              <a:buFont typeface="Arial" panose="020B0604020202020204" pitchFamily="34" charset="0"/>
-              <a:buChar char="•"/>
-              <a:defRPr sz="1400" kern="1200">
-                <a:solidFill>
-                  <a:schemeClr val="tx1"/>
-                </a:solidFill>
-                <a:latin typeface="+mn-lt"/>
-                <a:ea typeface="+mn-ea"/>
-                <a:cs typeface="+mn-cs"/>
-              </a:defRPr>
-            </a:lvl5pPr>
-            <a:lvl6pPr marL="936000" indent="-180000" algn="l" defTabSz="914400" rtl="0" eaLnBrk="1" latinLnBrk="0" hangingPunct="1">
-              <a:lnSpc>
-                <a:spcPct val="100000"/>
-              </a:lnSpc>
-              <a:spcBef>
-                <a:spcPts val="800"/>
-              </a:spcBef>
-              <a:buFont typeface="Arial" panose="020B0604020202020204" pitchFamily="34" charset="0"/>
-              <a:buChar char="•"/>
-              <a:defRPr sz="1400" kern="1200">
-                <a:solidFill>
-                  <a:schemeClr val="tx1"/>
-                </a:solidFill>
-                <a:latin typeface="+mn-lt"/>
-                <a:ea typeface="+mn-ea"/>
-                <a:cs typeface="+mn-cs"/>
-              </a:defRPr>
-            </a:lvl6pPr>
-            <a:lvl7pPr marL="936000" indent="-180000" algn="l" defTabSz="914400" rtl="0" eaLnBrk="1" latinLnBrk="0" hangingPunct="1">
-              <a:lnSpc>
-                <a:spcPct val="100000"/>
-              </a:lnSpc>
-              <a:spcBef>
-                <a:spcPts val="800"/>
-              </a:spcBef>
-              <a:buFont typeface="Arial" panose="020B0604020202020204" pitchFamily="34" charset="0"/>
-              <a:buChar char="•"/>
-              <a:defRPr sz="1400" kern="1200" baseline="0">
-                <a:solidFill>
-                  <a:schemeClr val="tx1"/>
-                </a:solidFill>
-                <a:latin typeface="+mn-lt"/>
-                <a:ea typeface="+mn-ea"/>
-                <a:cs typeface="+mn-cs"/>
-              </a:defRPr>
-            </a:lvl7pPr>
-            <a:lvl8pPr marL="936000" indent="-180000" algn="l" defTabSz="914400" rtl="0" eaLnBrk="1" latinLnBrk="0" hangingPunct="1">
-              <a:lnSpc>
-                <a:spcPct val="100000"/>
-              </a:lnSpc>
-              <a:spcBef>
-                <a:spcPts val="800"/>
-              </a:spcBef>
-              <a:buFont typeface="Arial" panose="020B0604020202020204" pitchFamily="34" charset="0"/>
-              <a:buChar char="•"/>
-              <a:defRPr sz="1400" kern="1200">
-                <a:solidFill>
-                  <a:schemeClr val="tx1"/>
-                </a:solidFill>
-                <a:latin typeface="+mn-lt"/>
-                <a:ea typeface="+mn-ea"/>
-                <a:cs typeface="+mn-cs"/>
-              </a:defRPr>
-            </a:lvl8pPr>
-            <a:lvl9pPr marL="936000" indent="-180000" algn="l" defTabSz="914400" rtl="0" eaLnBrk="1" latinLnBrk="0" hangingPunct="1">
-              <a:lnSpc>
-                <a:spcPct val="100000"/>
-              </a:lnSpc>
-              <a:spcBef>
-                <a:spcPts val="800"/>
-              </a:spcBef>
-              <a:buFont typeface="Arial" panose="020B0604020202020204" pitchFamily="34" charset="0"/>
-              <a:buChar char="•"/>
-              <a:defRPr sz="1400" kern="1200" baseline="0">
-                <a:solidFill>
-                  <a:schemeClr val="tx1"/>
-                </a:solidFill>
-                <a:latin typeface="+mn-lt"/>
-                <a:ea typeface="+mn-ea"/>
-                <a:cs typeface="+mn-cs"/>
-              </a:defRPr>
-            </a:lvl9pPr>
-          </a:lstStyle>
-          <a:p>
-            <a:r>
-              <a:rPr lang="en-US" sz="3200" dirty="0"/>
-              <a:t>Create a new branch “conflicts” from master</a:t>
-            </a:r>
-          </a:p>
-          <a:p>
-            <a:r>
-              <a:rPr lang="en-US" sz="3200" dirty="0"/>
-              <a:t>Create conflicting commits in master and new branch</a:t>
-            </a:r>
-          </a:p>
-          <a:p>
-            <a:r>
-              <a:rPr lang="en-US" sz="3200" dirty="0"/>
-              <a:t>Merge master with branch (resolve conflict)</a:t>
-            </a:r>
+            <a:endParaRPr lang="en-GB" dirty="0"/>
           </a:p>
         </p:txBody>
       </p:sp>
     </p:spTree>
     <p:extLst>
       <p:ext uri="{BB962C8B-B14F-4D97-AF65-F5344CB8AC3E}">
-        <p14:creationId xmlns:p14="http://schemas.microsoft.com/office/powerpoint/2010/main" val="2318876804"/>
+        <p14:creationId xmlns:p14="http://schemas.microsoft.com/office/powerpoint/2010/main" val="2807414346"/>
       </p:ext>
     </p:extLst>
   </p:cSld>
@@ -21975,7 +21858,7 @@
             </a:r>
             <a:r>
               <a:rPr lang="en-US" dirty="0"/>
-              <a:t>#5 bonus</a:t>
+              <a:t>#4</a:t>
             </a:r>
             <a:endParaRPr lang="lt-LT" dirty="0"/>
           </a:p>
@@ -22239,13 +22122,19 @@
           <a:p>
             <a:r>
               <a:rPr lang="en-US" sz="3200" dirty="0"/>
-              <a:t>Create another conflicting commit in master and “conflicts” branch</a:t>
+              <a:t>Create a new branch “feature”</a:t>
             </a:r>
           </a:p>
           <a:p>
             <a:r>
               <a:rPr lang="en-US" sz="3200" dirty="0"/>
-              <a:t>Rebase master with branch</a:t>
+              <a:t>Make some changes in that branch</a:t>
+            </a:r>
+          </a:p>
+          <a:p>
+            <a:r>
+              <a:rPr lang="en-US" sz="3200" dirty="0"/>
+              <a:t>Merge master with branch</a:t>
             </a:r>
           </a:p>
         </p:txBody>
@@ -22253,7 +22142,7 @@
     </p:spTree>
     <p:extLst>
       <p:ext uri="{BB962C8B-B14F-4D97-AF65-F5344CB8AC3E}">
-        <p14:creationId xmlns:p14="http://schemas.microsoft.com/office/powerpoint/2010/main" val="3597253134"/>
+        <p14:creationId xmlns:p14="http://schemas.microsoft.com/office/powerpoint/2010/main" val="1879522515"/>
       </p:ext>
     </p:extLst>
   </p:cSld>
@@ -22280,150 +22169,321 @@
           <a:chExt cx="0" cy="0"/>
         </a:xfrm>
       </p:grpSpPr>
-      <p:pic>
-        <p:nvPicPr>
-          <p:cNvPr id="10" name="Picture Placeholder 9"/>
-          <p:cNvPicPr>
-            <a:picLocks noGrp="1" noChangeAspect="1"/>
-          </p:cNvPicPr>
-          <p:nvPr>
-            <p:ph type="pic" sz="quarter" idx="13"/>
-          </p:nvPr>
-        </p:nvPicPr>
-        <p:blipFill>
-          <a:blip r:embed="rId3">
+      <p:sp>
+        <p:nvSpPr>
+          <p:cNvPr id="2" name="Title 1"/>
+          <p:cNvSpPr>
+            <a:spLocks noGrp="1"/>
+          </p:cNvSpPr>
+          <p:nvPr>
+            <p:ph type="title"/>
+          </p:nvPr>
+        </p:nvSpPr>
+        <p:spPr>
+          <a:xfrm>
+            <a:off x="784224" y="481665"/>
+            <a:ext cx="10671175" cy="1052240"/>
+          </a:xfrm>
+        </p:spPr>
+        <p:txBody>
+          <a:bodyPr/>
+          <a:lstStyle/>
+          <a:p>
+            <a:r>
+              <a:rPr lang="en-US" dirty="0"/>
+              <a:t>Task</a:t>
+            </a:r>
+            <a:r>
+              <a:rPr lang="lt-LT" dirty="0"/>
+              <a:t> </a:t>
+            </a:r>
+            <a:r>
+              <a:rPr lang="en-US" dirty="0"/>
+              <a:t>#5</a:t>
+            </a:r>
+            <a:endParaRPr lang="lt-LT" dirty="0"/>
+          </a:p>
+        </p:txBody>
+      </p:sp>
+      <p:sp>
+        <p:nvSpPr>
+          <p:cNvPr id="4" name="Date Placeholder 3"/>
+          <p:cNvSpPr>
+            <a:spLocks noGrp="1"/>
+          </p:cNvSpPr>
+          <p:nvPr>
+            <p:ph type="dt" sz="half" idx="10"/>
+          </p:nvPr>
+        </p:nvSpPr>
+        <p:spPr/>
+        <p:txBody>
+          <a:bodyPr/>
+          <a:lstStyle/>
+          <a:p>
+            <a:endParaRPr lang="en-GB" noProof="0" dirty="0"/>
+          </a:p>
+        </p:txBody>
+      </p:sp>
+      <p:sp>
+        <p:nvSpPr>
+          <p:cNvPr id="5" name="Footer Placeholder 4"/>
+          <p:cNvSpPr>
+            <a:spLocks noGrp="1"/>
+          </p:cNvSpPr>
+          <p:nvPr>
+            <p:ph type="ftr" sz="quarter" idx="11"/>
+          </p:nvPr>
+        </p:nvSpPr>
+        <p:spPr/>
+        <p:txBody>
+          <a:bodyPr/>
+          <a:lstStyle/>
+          <a:p>
+            <a:endParaRPr lang="en-GB" noProof="0" dirty="0"/>
+          </a:p>
+        </p:txBody>
+      </p:sp>
+      <p:sp>
+        <p:nvSpPr>
+          <p:cNvPr id="6" name="Slide Number Placeholder 5"/>
+          <p:cNvSpPr>
+            <a:spLocks noGrp="1"/>
+          </p:cNvSpPr>
+          <p:nvPr>
+            <p:ph type="sldNum" sz="quarter" idx="12"/>
+          </p:nvPr>
+        </p:nvSpPr>
+        <p:spPr/>
+        <p:txBody>
+          <a:bodyPr/>
+          <a:lstStyle/>
+          <a:p>
+            <a:fld id="{859873C9-BF5D-4A9A-BB31-45BBB7BABAF7}" type="slidenum">
+              <a:rPr lang="en-GB" noProof="0" smtClean="0"/>
+              <a:t>33</a:t>
+            </a:fld>
+            <a:endParaRPr lang="en-GB" noProof="0" dirty="0"/>
+          </a:p>
+        </p:txBody>
+      </p:sp>
+      <p:sp>
+        <p:nvSpPr>
+          <p:cNvPr id="7" name="Content Placeholder 2">
             <a:extLst>
-              <a:ext uri="{28A0092B-C50C-407E-A947-70E740481C1C}">
-                <a14:useLocalDpi xmlns:a14="http://schemas.microsoft.com/office/drawing/2010/main" val="0"/>
+              <a:ext uri="{FF2B5EF4-FFF2-40B4-BE49-F238E27FC236}">
+                <a16:creationId xmlns:a16="http://schemas.microsoft.com/office/drawing/2014/main" id="{236D5AD3-798D-4235-9534-A03E209C626B}"/>
               </a:ext>
             </a:extLst>
-          </a:blip>
-          <a:srcRect l="4" r="4"/>
-          <a:stretch>
-            <a:fillRect/>
-          </a:stretch>
-        </p:blipFill>
-        <p:spPr/>
-      </p:pic>
-      <p:sp>
-        <p:nvSpPr>
-          <p:cNvPr id="7" name="Title 6"/>
-          <p:cNvSpPr>
-            <a:spLocks noGrp="1"/>
-          </p:cNvSpPr>
-          <p:nvPr>
-            <p:ph type="ctrTitle"/>
-          </p:nvPr>
-        </p:nvSpPr>
-        <p:spPr/>
-        <p:txBody>
-          <a:bodyPr/>
-          <a:lstStyle/>
-          <a:p>
-            <a:r>
-              <a:rPr lang="en-US" dirty="0"/>
-              <a:t>2.2</a:t>
-            </a:r>
-            <a:r>
-              <a:rPr lang="lt-LT" dirty="0"/>
-              <a:t>. </a:t>
-            </a:r>
-            <a:r>
-              <a:rPr lang="en-US" dirty="0"/>
-              <a:t>Undoing</a:t>
-            </a:r>
-            <a:endParaRPr lang="en-GB" dirty="0"/>
-          </a:p>
-        </p:txBody>
-      </p:sp>
-      <p:sp>
-        <p:nvSpPr>
-          <p:cNvPr id="8" name="Subtitle 7"/>
-          <p:cNvSpPr>
-            <a:spLocks noGrp="1"/>
-          </p:cNvSpPr>
-          <p:nvPr>
-            <p:ph type="subTitle" idx="1"/>
-          </p:nvPr>
-        </p:nvSpPr>
-        <p:spPr/>
-        <p:txBody>
-          <a:bodyPr/>
-          <a:lstStyle/>
-          <a:p>
-            <a:pPr>
-              <a:buNone/>
-            </a:pPr>
-            <a:endParaRPr lang="en-GB" dirty="0"/>
-          </a:p>
-        </p:txBody>
-      </p:sp>
-      <p:sp>
-        <p:nvSpPr>
-          <p:cNvPr id="4" name="Date Placeholder 3"/>
-          <p:cNvSpPr>
-            <a:spLocks noGrp="1"/>
-          </p:cNvSpPr>
-          <p:nvPr>
-            <p:ph type="dt" sz="half" idx="10"/>
-          </p:nvPr>
-        </p:nvSpPr>
-        <p:spPr/>
-        <p:txBody>
-          <a:bodyPr/>
-          <a:lstStyle/>
-          <a:p>
-            <a:endParaRPr lang="en-GB" dirty="0"/>
-          </a:p>
-        </p:txBody>
-      </p:sp>
-      <p:sp>
-        <p:nvSpPr>
-          <p:cNvPr id="5" name="Footer Placeholder 4"/>
-          <p:cNvSpPr>
-            <a:spLocks noGrp="1"/>
-          </p:cNvSpPr>
-          <p:nvPr>
-            <p:ph type="ftr" sz="quarter" idx="11"/>
-          </p:nvPr>
-        </p:nvSpPr>
-        <p:spPr/>
-        <p:txBody>
-          <a:bodyPr/>
-          <a:lstStyle/>
-          <a:p>
-            <a:endParaRPr lang="en-GB" dirty="0"/>
-          </a:p>
-        </p:txBody>
-      </p:sp>
-      <p:sp>
-        <p:nvSpPr>
-          <p:cNvPr id="6" name="Slide Number Placeholder 5"/>
-          <p:cNvSpPr>
-            <a:spLocks noGrp="1"/>
-          </p:cNvSpPr>
-          <p:nvPr>
-            <p:ph type="sldNum" sz="quarter" idx="12"/>
-          </p:nvPr>
-        </p:nvSpPr>
-        <p:spPr/>
-        <p:txBody>
-          <a:bodyPr/>
-          <a:lstStyle/>
-          <a:p>
-            <a:fld id="{24C8C45C-947F-4981-8B3F-4F32E973C901}" type="slidenum">
-              <a:rPr lang="en-GB" smtClean="0"/>
-              <a:pPr/>
-              <a:t>33</a:t>
-            </a:fld>
-            <a:endParaRPr lang="en-GB" dirty="0"/>
+          </p:cNvPr>
+          <p:cNvSpPr txBox="1">
+            <a:spLocks/>
+          </p:cNvSpPr>
+          <p:nvPr/>
+        </p:nvSpPr>
+        <p:spPr>
+          <a:xfrm>
+            <a:off x="809624" y="1533905"/>
+            <a:ext cx="10621963" cy="4310303"/>
+          </a:xfrm>
+          <a:prstGeom prst="rect">
+            <a:avLst/>
+          </a:prstGeom>
+        </p:spPr>
+        <p:txBody>
+          <a:bodyPr vert="horz" lIns="0" tIns="0" rIns="0" bIns="0" rtlCol="0">
+            <a:noAutofit/>
+          </a:bodyPr>
+          <a:lstStyle>
+            <a:lvl1pPr marL="216000" indent="-216000" algn="l" defTabSz="914400" rtl="0" eaLnBrk="1" latinLnBrk="0" hangingPunct="1">
+              <a:lnSpc>
+                <a:spcPct val="100000"/>
+              </a:lnSpc>
+              <a:spcBef>
+                <a:spcPts val="800"/>
+              </a:spcBef>
+              <a:buClr>
+                <a:schemeClr val="accent1"/>
+              </a:buClr>
+              <a:buFont typeface="Arial" panose="020B0604020202020204" pitchFamily="34" charset="0"/>
+              <a:buChar char="•"/>
+              <a:defRPr sz="2200" kern="1200">
+                <a:solidFill>
+                  <a:schemeClr val="tx1"/>
+                </a:solidFill>
+                <a:latin typeface="+mn-lt"/>
+                <a:ea typeface="+mn-ea"/>
+                <a:cs typeface="+mn-cs"/>
+              </a:defRPr>
+            </a:lvl1pPr>
+            <a:lvl2pPr marL="396000" indent="-180000" algn="l" defTabSz="914400" rtl="0" eaLnBrk="1" latinLnBrk="0" hangingPunct="1">
+              <a:lnSpc>
+                <a:spcPct val="100000"/>
+              </a:lnSpc>
+              <a:spcBef>
+                <a:spcPts val="800"/>
+              </a:spcBef>
+              <a:buFont typeface="Arial" panose="020B0604020202020204" pitchFamily="34" charset="0"/>
+              <a:buChar char="–"/>
+              <a:defRPr sz="1800" kern="1200">
+                <a:solidFill>
+                  <a:schemeClr val="tx1"/>
+                </a:solidFill>
+                <a:latin typeface="+mn-lt"/>
+                <a:ea typeface="+mn-ea"/>
+                <a:cs typeface="+mn-cs"/>
+              </a:defRPr>
+            </a:lvl2pPr>
+            <a:lvl3pPr marL="576000" indent="-180000" algn="l" defTabSz="914400" rtl="0" eaLnBrk="1" latinLnBrk="0" hangingPunct="1">
+              <a:lnSpc>
+                <a:spcPct val="100000"/>
+              </a:lnSpc>
+              <a:spcBef>
+                <a:spcPts val="800"/>
+              </a:spcBef>
+              <a:buFont typeface="Arial" panose="020B0604020202020204" pitchFamily="34" charset="0"/>
+              <a:buChar char="•"/>
+              <a:defRPr sz="1600" kern="1200">
+                <a:solidFill>
+                  <a:schemeClr val="tx1"/>
+                </a:solidFill>
+                <a:latin typeface="+mn-lt"/>
+                <a:ea typeface="+mn-ea"/>
+                <a:cs typeface="+mn-cs"/>
+              </a:defRPr>
+            </a:lvl3pPr>
+            <a:lvl4pPr marL="756000" indent="-180000" algn="l" defTabSz="914400" rtl="0" eaLnBrk="1" latinLnBrk="0" hangingPunct="1">
+              <a:lnSpc>
+                <a:spcPct val="100000"/>
+              </a:lnSpc>
+              <a:spcBef>
+                <a:spcPts val="800"/>
+              </a:spcBef>
+              <a:buFont typeface="Arial" panose="020B0604020202020204" pitchFamily="34" charset="0"/>
+              <a:buChar char="–"/>
+              <a:defRPr sz="1400" kern="1200">
+                <a:solidFill>
+                  <a:schemeClr val="tx1"/>
+                </a:solidFill>
+                <a:latin typeface="+mn-lt"/>
+                <a:ea typeface="+mn-ea"/>
+                <a:cs typeface="+mn-cs"/>
+              </a:defRPr>
+            </a:lvl4pPr>
+            <a:lvl5pPr marL="936000" indent="-180000" algn="l" defTabSz="914400" rtl="0" eaLnBrk="1" latinLnBrk="0" hangingPunct="1">
+              <a:lnSpc>
+                <a:spcPct val="100000"/>
+              </a:lnSpc>
+              <a:spcBef>
+                <a:spcPts val="800"/>
+              </a:spcBef>
+              <a:buFont typeface="Arial" panose="020B0604020202020204" pitchFamily="34" charset="0"/>
+              <a:buChar char="•"/>
+              <a:defRPr sz="1400" kern="1200">
+                <a:solidFill>
+                  <a:schemeClr val="tx1"/>
+                </a:solidFill>
+                <a:latin typeface="+mn-lt"/>
+                <a:ea typeface="+mn-ea"/>
+                <a:cs typeface="+mn-cs"/>
+              </a:defRPr>
+            </a:lvl5pPr>
+            <a:lvl6pPr marL="936000" indent="-180000" algn="l" defTabSz="914400" rtl="0" eaLnBrk="1" latinLnBrk="0" hangingPunct="1">
+              <a:lnSpc>
+                <a:spcPct val="100000"/>
+              </a:lnSpc>
+              <a:spcBef>
+                <a:spcPts val="800"/>
+              </a:spcBef>
+              <a:buFont typeface="Arial" panose="020B0604020202020204" pitchFamily="34" charset="0"/>
+              <a:buChar char="•"/>
+              <a:defRPr sz="1400" kern="1200">
+                <a:solidFill>
+                  <a:schemeClr val="tx1"/>
+                </a:solidFill>
+                <a:latin typeface="+mn-lt"/>
+                <a:ea typeface="+mn-ea"/>
+                <a:cs typeface="+mn-cs"/>
+              </a:defRPr>
+            </a:lvl6pPr>
+            <a:lvl7pPr marL="936000" indent="-180000" algn="l" defTabSz="914400" rtl="0" eaLnBrk="1" latinLnBrk="0" hangingPunct="1">
+              <a:lnSpc>
+                <a:spcPct val="100000"/>
+              </a:lnSpc>
+              <a:spcBef>
+                <a:spcPts val="800"/>
+              </a:spcBef>
+              <a:buFont typeface="Arial" panose="020B0604020202020204" pitchFamily="34" charset="0"/>
+              <a:buChar char="•"/>
+              <a:defRPr sz="1400" kern="1200" baseline="0">
+                <a:solidFill>
+                  <a:schemeClr val="tx1"/>
+                </a:solidFill>
+                <a:latin typeface="+mn-lt"/>
+                <a:ea typeface="+mn-ea"/>
+                <a:cs typeface="+mn-cs"/>
+              </a:defRPr>
+            </a:lvl7pPr>
+            <a:lvl8pPr marL="936000" indent="-180000" algn="l" defTabSz="914400" rtl="0" eaLnBrk="1" latinLnBrk="0" hangingPunct="1">
+              <a:lnSpc>
+                <a:spcPct val="100000"/>
+              </a:lnSpc>
+              <a:spcBef>
+                <a:spcPts val="800"/>
+              </a:spcBef>
+              <a:buFont typeface="Arial" panose="020B0604020202020204" pitchFamily="34" charset="0"/>
+              <a:buChar char="•"/>
+              <a:defRPr sz="1400" kern="1200">
+                <a:solidFill>
+                  <a:schemeClr val="tx1"/>
+                </a:solidFill>
+                <a:latin typeface="+mn-lt"/>
+                <a:ea typeface="+mn-ea"/>
+                <a:cs typeface="+mn-cs"/>
+              </a:defRPr>
+            </a:lvl8pPr>
+            <a:lvl9pPr marL="936000" indent="-180000" algn="l" defTabSz="914400" rtl="0" eaLnBrk="1" latinLnBrk="0" hangingPunct="1">
+              <a:lnSpc>
+                <a:spcPct val="100000"/>
+              </a:lnSpc>
+              <a:spcBef>
+                <a:spcPts val="800"/>
+              </a:spcBef>
+              <a:buFont typeface="Arial" panose="020B0604020202020204" pitchFamily="34" charset="0"/>
+              <a:buChar char="•"/>
+              <a:defRPr sz="1400" kern="1200" baseline="0">
+                <a:solidFill>
+                  <a:schemeClr val="tx1"/>
+                </a:solidFill>
+                <a:latin typeface="+mn-lt"/>
+                <a:ea typeface="+mn-ea"/>
+                <a:cs typeface="+mn-cs"/>
+              </a:defRPr>
+            </a:lvl9pPr>
+          </a:lstStyle>
+          <a:p>
+            <a:r>
+              <a:rPr lang="en-US" sz="3200" dirty="0"/>
+              <a:t>Create a new branch “conflicts” from master</a:t>
+            </a:r>
+          </a:p>
+          <a:p>
+            <a:r>
+              <a:rPr lang="en-US" sz="3200" dirty="0"/>
+              <a:t>Create conflicting commits in master and new branch</a:t>
+            </a:r>
+          </a:p>
+          <a:p>
+            <a:r>
+              <a:rPr lang="en-US" sz="3200" dirty="0"/>
+              <a:t>Merge master with branch (resolve conflict)</a:t>
+            </a:r>
           </a:p>
         </p:txBody>
       </p:sp>
     </p:spTree>
     <p:extLst>
       <p:ext uri="{BB962C8B-B14F-4D97-AF65-F5344CB8AC3E}">
-        <p14:creationId xmlns:p14="http://schemas.microsoft.com/office/powerpoint/2010/main" val="4111153093"/>
+        <p14:creationId xmlns:p14="http://schemas.microsoft.com/office/powerpoint/2010/main" val="2318876804"/>
       </p:ext>
     </p:extLst>
   </p:cSld>
@@ -22460,143 +22520,305 @@
             <p:ph type="title"/>
           </p:nvPr>
         </p:nvSpPr>
-        <p:spPr/>
+        <p:spPr>
+          <a:xfrm>
+            <a:off x="784224" y="481665"/>
+            <a:ext cx="10671175" cy="1052240"/>
+          </a:xfrm>
+        </p:spPr>
         <p:txBody>
           <a:bodyPr/>
           <a:lstStyle/>
           <a:p>
             <a:r>
               <a:rPr lang="en-US" dirty="0"/>
-              <a:t>Redo commits</a:t>
-            </a:r>
-          </a:p>
-        </p:txBody>
-      </p:sp>
-      <p:sp>
-        <p:nvSpPr>
-          <p:cNvPr id="3" name="Content Placeholder 2"/>
-          <p:cNvSpPr>
-            <a:spLocks noGrp="1"/>
-          </p:cNvSpPr>
-          <p:nvPr>
-            <p:ph idx="1"/>
-          </p:nvPr>
+              <a:t>Task</a:t>
+            </a:r>
+            <a:r>
+              <a:rPr lang="lt-LT" dirty="0"/>
+              <a:t> </a:t>
+            </a:r>
+            <a:r>
+              <a:rPr lang="en-US" dirty="0"/>
+              <a:t>#5 bonus</a:t>
+            </a:r>
+            <a:endParaRPr lang="lt-LT" dirty="0"/>
+          </a:p>
+        </p:txBody>
+      </p:sp>
+      <p:sp>
+        <p:nvSpPr>
+          <p:cNvPr id="4" name="Date Placeholder 3"/>
+          <p:cNvSpPr>
+            <a:spLocks noGrp="1"/>
+          </p:cNvSpPr>
+          <p:nvPr>
+            <p:ph type="dt" sz="half" idx="10"/>
+          </p:nvPr>
+        </p:nvSpPr>
+        <p:spPr/>
+        <p:txBody>
+          <a:bodyPr/>
+          <a:lstStyle/>
+          <a:p>
+            <a:endParaRPr lang="en-GB" noProof="0" dirty="0"/>
+          </a:p>
+        </p:txBody>
+      </p:sp>
+      <p:sp>
+        <p:nvSpPr>
+          <p:cNvPr id="5" name="Footer Placeholder 4"/>
+          <p:cNvSpPr>
+            <a:spLocks noGrp="1"/>
+          </p:cNvSpPr>
+          <p:nvPr>
+            <p:ph type="ftr" sz="quarter" idx="11"/>
+          </p:nvPr>
+        </p:nvSpPr>
+        <p:spPr/>
+        <p:txBody>
+          <a:bodyPr/>
+          <a:lstStyle/>
+          <a:p>
+            <a:endParaRPr lang="en-GB" noProof="0" dirty="0"/>
+          </a:p>
+        </p:txBody>
+      </p:sp>
+      <p:sp>
+        <p:nvSpPr>
+          <p:cNvPr id="6" name="Slide Number Placeholder 5"/>
+          <p:cNvSpPr>
+            <a:spLocks noGrp="1"/>
+          </p:cNvSpPr>
+          <p:nvPr>
+            <p:ph type="sldNum" sz="quarter" idx="12"/>
+          </p:nvPr>
+        </p:nvSpPr>
+        <p:spPr/>
+        <p:txBody>
+          <a:bodyPr/>
+          <a:lstStyle/>
+          <a:p>
+            <a:fld id="{859873C9-BF5D-4A9A-BB31-45BBB7BABAF7}" type="slidenum">
+              <a:rPr lang="en-GB" noProof="0" smtClean="0"/>
+              <a:t>34</a:t>
+            </a:fld>
+            <a:endParaRPr lang="en-GB" noProof="0" dirty="0"/>
+          </a:p>
+        </p:txBody>
+      </p:sp>
+      <p:sp>
+        <p:nvSpPr>
+          <p:cNvPr id="7" name="Content Placeholder 2">
+            <a:extLst>
+              <a:ext uri="{FF2B5EF4-FFF2-40B4-BE49-F238E27FC236}">
+                <a16:creationId xmlns:a16="http://schemas.microsoft.com/office/drawing/2014/main" id="{236D5AD3-798D-4235-9534-A03E209C626B}"/>
+              </a:ext>
+            </a:extLst>
+          </p:cNvPr>
+          <p:cNvSpPr txBox="1">
+            <a:spLocks/>
+          </p:cNvSpPr>
+          <p:nvPr/>
         </p:nvSpPr>
         <p:spPr>
           <a:xfrm>
             <a:off x="809624" y="1533905"/>
             <a:ext cx="10621963" cy="4310303"/>
           </a:xfrm>
+          <a:prstGeom prst="rect">
+            <a:avLst/>
+          </a:prstGeom>
         </p:spPr>
         <p:txBody>
-          <a:bodyPr/>
-          <a:lstStyle/>
-          <a:p>
-            <a:pPr marL="0" indent="0">
-              <a:buNone/>
-            </a:pPr>
-            <a:r>
-              <a:rPr lang="en-US" sz="2800" b="1" dirty="0"/>
-              <a:t>git reset [commit]</a:t>
-            </a:r>
-          </a:p>
-          <a:p>
-            <a:pPr lvl="1"/>
-            <a:r>
-              <a:rPr lang="en-US" sz="2400" dirty="0"/>
-              <a:t> Undoes all commits after [commit], preserving changes locally</a:t>
-            </a:r>
-          </a:p>
-          <a:p>
-            <a:pPr marL="0" indent="0">
-              <a:buNone/>
-            </a:pPr>
-            <a:endParaRPr lang="en-US" sz="2400" dirty="0"/>
-          </a:p>
-          <a:p>
-            <a:pPr marL="0" indent="0">
-              <a:buNone/>
-            </a:pPr>
-            <a:r>
-              <a:rPr lang="fr-FR" sz="2800" b="1" dirty="0"/>
-              <a:t>git reset --hard [commit]</a:t>
-            </a:r>
-            <a:endParaRPr lang="en-US" sz="2800" b="1" dirty="0"/>
-          </a:p>
-          <a:p>
-            <a:pPr lvl="1"/>
-            <a:r>
-              <a:rPr lang="en-US" sz="2400" dirty="0"/>
-              <a:t> Clears staging area, rewrites working tree from specified [commit]</a:t>
-            </a:r>
-          </a:p>
-        </p:txBody>
-      </p:sp>
-      <p:sp>
-        <p:nvSpPr>
-          <p:cNvPr id="4" name="Date Placeholder 3"/>
-          <p:cNvSpPr>
-            <a:spLocks noGrp="1"/>
-          </p:cNvSpPr>
-          <p:nvPr>
-            <p:ph type="dt" sz="half" idx="10"/>
-          </p:nvPr>
-        </p:nvSpPr>
-        <p:spPr/>
-        <p:txBody>
-          <a:bodyPr/>
-          <a:lstStyle/>
-          <a:p>
-            <a:endParaRPr lang="en-GB" noProof="0" dirty="0"/>
-          </a:p>
-        </p:txBody>
-      </p:sp>
-      <p:sp>
-        <p:nvSpPr>
-          <p:cNvPr id="5" name="Footer Placeholder 4"/>
-          <p:cNvSpPr>
-            <a:spLocks noGrp="1"/>
-          </p:cNvSpPr>
-          <p:nvPr>
-            <p:ph type="ftr" sz="quarter" idx="11"/>
-          </p:nvPr>
-        </p:nvSpPr>
-        <p:spPr/>
-        <p:txBody>
-          <a:bodyPr/>
-          <a:lstStyle/>
-          <a:p>
-            <a:endParaRPr lang="en-GB" noProof="0" dirty="0"/>
-          </a:p>
-        </p:txBody>
-      </p:sp>
-      <p:sp>
-        <p:nvSpPr>
-          <p:cNvPr id="6" name="Slide Number Placeholder 5"/>
-          <p:cNvSpPr>
-            <a:spLocks noGrp="1"/>
-          </p:cNvSpPr>
-          <p:nvPr>
-            <p:ph type="sldNum" sz="quarter" idx="12"/>
-          </p:nvPr>
-        </p:nvSpPr>
-        <p:spPr/>
-        <p:txBody>
-          <a:bodyPr/>
-          <a:lstStyle/>
-          <a:p>
-            <a:fld id="{859873C9-BF5D-4A9A-BB31-45BBB7BABAF7}" type="slidenum">
-              <a:rPr lang="en-GB" noProof="0" smtClean="0"/>
-              <a:t>34</a:t>
-            </a:fld>
-            <a:endParaRPr lang="en-GB" noProof="0" dirty="0"/>
+          <a:bodyPr vert="horz" lIns="0" tIns="0" rIns="0" bIns="0" rtlCol="0">
+            <a:noAutofit/>
+          </a:bodyPr>
+          <a:lstStyle>
+            <a:lvl1pPr marL="216000" indent="-216000" algn="l" defTabSz="914400" rtl="0" eaLnBrk="1" latinLnBrk="0" hangingPunct="1">
+              <a:lnSpc>
+                <a:spcPct val="100000"/>
+              </a:lnSpc>
+              <a:spcBef>
+                <a:spcPts val="800"/>
+              </a:spcBef>
+              <a:buClr>
+                <a:schemeClr val="accent1"/>
+              </a:buClr>
+              <a:buFont typeface="Arial" panose="020B0604020202020204" pitchFamily="34" charset="0"/>
+              <a:buChar char="•"/>
+              <a:defRPr sz="2200" kern="1200">
+                <a:solidFill>
+                  <a:schemeClr val="tx1"/>
+                </a:solidFill>
+                <a:latin typeface="+mn-lt"/>
+                <a:ea typeface="+mn-ea"/>
+                <a:cs typeface="+mn-cs"/>
+              </a:defRPr>
+            </a:lvl1pPr>
+            <a:lvl2pPr marL="396000" indent="-180000" algn="l" defTabSz="914400" rtl="0" eaLnBrk="1" latinLnBrk="0" hangingPunct="1">
+              <a:lnSpc>
+                <a:spcPct val="100000"/>
+              </a:lnSpc>
+              <a:spcBef>
+                <a:spcPts val="800"/>
+              </a:spcBef>
+              <a:buFont typeface="Arial" panose="020B0604020202020204" pitchFamily="34" charset="0"/>
+              <a:buChar char="–"/>
+              <a:defRPr sz="1800" kern="1200">
+                <a:solidFill>
+                  <a:schemeClr val="tx1"/>
+                </a:solidFill>
+                <a:latin typeface="+mn-lt"/>
+                <a:ea typeface="+mn-ea"/>
+                <a:cs typeface="+mn-cs"/>
+              </a:defRPr>
+            </a:lvl2pPr>
+            <a:lvl3pPr marL="576000" indent="-180000" algn="l" defTabSz="914400" rtl="0" eaLnBrk="1" latinLnBrk="0" hangingPunct="1">
+              <a:lnSpc>
+                <a:spcPct val="100000"/>
+              </a:lnSpc>
+              <a:spcBef>
+                <a:spcPts val="800"/>
+              </a:spcBef>
+              <a:buFont typeface="Arial" panose="020B0604020202020204" pitchFamily="34" charset="0"/>
+              <a:buChar char="•"/>
+              <a:defRPr sz="1600" kern="1200">
+                <a:solidFill>
+                  <a:schemeClr val="tx1"/>
+                </a:solidFill>
+                <a:latin typeface="+mn-lt"/>
+                <a:ea typeface="+mn-ea"/>
+                <a:cs typeface="+mn-cs"/>
+              </a:defRPr>
+            </a:lvl3pPr>
+            <a:lvl4pPr marL="756000" indent="-180000" algn="l" defTabSz="914400" rtl="0" eaLnBrk="1" latinLnBrk="0" hangingPunct="1">
+              <a:lnSpc>
+                <a:spcPct val="100000"/>
+              </a:lnSpc>
+              <a:spcBef>
+                <a:spcPts val="800"/>
+              </a:spcBef>
+              <a:buFont typeface="Arial" panose="020B0604020202020204" pitchFamily="34" charset="0"/>
+              <a:buChar char="–"/>
+              <a:defRPr sz="1400" kern="1200">
+                <a:solidFill>
+                  <a:schemeClr val="tx1"/>
+                </a:solidFill>
+                <a:latin typeface="+mn-lt"/>
+                <a:ea typeface="+mn-ea"/>
+                <a:cs typeface="+mn-cs"/>
+              </a:defRPr>
+            </a:lvl4pPr>
+            <a:lvl5pPr marL="936000" indent="-180000" algn="l" defTabSz="914400" rtl="0" eaLnBrk="1" latinLnBrk="0" hangingPunct="1">
+              <a:lnSpc>
+                <a:spcPct val="100000"/>
+              </a:lnSpc>
+              <a:spcBef>
+                <a:spcPts val="800"/>
+              </a:spcBef>
+              <a:buFont typeface="Arial" panose="020B0604020202020204" pitchFamily="34" charset="0"/>
+              <a:buChar char="•"/>
+              <a:defRPr sz="1400" kern="1200">
+                <a:solidFill>
+                  <a:schemeClr val="tx1"/>
+                </a:solidFill>
+                <a:latin typeface="+mn-lt"/>
+                <a:ea typeface="+mn-ea"/>
+                <a:cs typeface="+mn-cs"/>
+              </a:defRPr>
+            </a:lvl5pPr>
+            <a:lvl6pPr marL="936000" indent="-180000" algn="l" defTabSz="914400" rtl="0" eaLnBrk="1" latinLnBrk="0" hangingPunct="1">
+              <a:lnSpc>
+                <a:spcPct val="100000"/>
+              </a:lnSpc>
+              <a:spcBef>
+                <a:spcPts val="800"/>
+              </a:spcBef>
+              <a:buFont typeface="Arial" panose="020B0604020202020204" pitchFamily="34" charset="0"/>
+              <a:buChar char="•"/>
+              <a:defRPr sz="1400" kern="1200">
+                <a:solidFill>
+                  <a:schemeClr val="tx1"/>
+                </a:solidFill>
+                <a:latin typeface="+mn-lt"/>
+                <a:ea typeface="+mn-ea"/>
+                <a:cs typeface="+mn-cs"/>
+              </a:defRPr>
+            </a:lvl6pPr>
+            <a:lvl7pPr marL="936000" indent="-180000" algn="l" defTabSz="914400" rtl="0" eaLnBrk="1" latinLnBrk="0" hangingPunct="1">
+              <a:lnSpc>
+                <a:spcPct val="100000"/>
+              </a:lnSpc>
+              <a:spcBef>
+                <a:spcPts val="800"/>
+              </a:spcBef>
+              <a:buFont typeface="Arial" panose="020B0604020202020204" pitchFamily="34" charset="0"/>
+              <a:buChar char="•"/>
+              <a:defRPr sz="1400" kern="1200" baseline="0">
+                <a:solidFill>
+                  <a:schemeClr val="tx1"/>
+                </a:solidFill>
+                <a:latin typeface="+mn-lt"/>
+                <a:ea typeface="+mn-ea"/>
+                <a:cs typeface="+mn-cs"/>
+              </a:defRPr>
+            </a:lvl7pPr>
+            <a:lvl8pPr marL="936000" indent="-180000" algn="l" defTabSz="914400" rtl="0" eaLnBrk="1" latinLnBrk="0" hangingPunct="1">
+              <a:lnSpc>
+                <a:spcPct val="100000"/>
+              </a:lnSpc>
+              <a:spcBef>
+                <a:spcPts val="800"/>
+              </a:spcBef>
+              <a:buFont typeface="Arial" panose="020B0604020202020204" pitchFamily="34" charset="0"/>
+              <a:buChar char="•"/>
+              <a:defRPr sz="1400" kern="1200">
+                <a:solidFill>
+                  <a:schemeClr val="tx1"/>
+                </a:solidFill>
+                <a:latin typeface="+mn-lt"/>
+                <a:ea typeface="+mn-ea"/>
+                <a:cs typeface="+mn-cs"/>
+              </a:defRPr>
+            </a:lvl8pPr>
+            <a:lvl9pPr marL="936000" indent="-180000" algn="l" defTabSz="914400" rtl="0" eaLnBrk="1" latinLnBrk="0" hangingPunct="1">
+              <a:lnSpc>
+                <a:spcPct val="100000"/>
+              </a:lnSpc>
+              <a:spcBef>
+                <a:spcPts val="800"/>
+              </a:spcBef>
+              <a:buFont typeface="Arial" panose="020B0604020202020204" pitchFamily="34" charset="0"/>
+              <a:buChar char="•"/>
+              <a:defRPr sz="1400" kern="1200" baseline="0">
+                <a:solidFill>
+                  <a:schemeClr val="tx1"/>
+                </a:solidFill>
+                <a:latin typeface="+mn-lt"/>
+                <a:ea typeface="+mn-ea"/>
+                <a:cs typeface="+mn-cs"/>
+              </a:defRPr>
+            </a:lvl9pPr>
+          </a:lstStyle>
+          <a:p>
+            <a:r>
+              <a:rPr lang="en-US" sz="3200" dirty="0"/>
+              <a:t>Create another conflicting commit in master and “conflicts” branch</a:t>
+            </a:r>
+          </a:p>
+          <a:p>
+            <a:r>
+              <a:rPr lang="en-US" sz="3200" dirty="0"/>
+              <a:t>Rebase master with branch</a:t>
+            </a:r>
           </a:p>
         </p:txBody>
       </p:sp>
     </p:spTree>
     <p:extLst>
       <p:ext uri="{BB962C8B-B14F-4D97-AF65-F5344CB8AC3E}">
-        <p14:creationId xmlns:p14="http://schemas.microsoft.com/office/powerpoint/2010/main" val="1369041376"/>
+        <p14:creationId xmlns:p14="http://schemas.microsoft.com/office/powerpoint/2010/main" val="3597253134"/>
       </p:ext>
     </p:extLst>
   </p:cSld>
@@ -22664,9 +22886,18 @@
           <a:lstStyle/>
           <a:p>
             <a:r>
-              <a:rPr lang="en-US" sz="4800" dirty="0"/>
-              <a:t>3. Bonus practice</a:t>
-            </a:r>
+              <a:rPr lang="en-US" dirty="0"/>
+              <a:t>2.2</a:t>
+            </a:r>
+            <a:r>
+              <a:rPr lang="lt-LT" dirty="0"/>
+              <a:t>. </a:t>
+            </a:r>
+            <a:r>
+              <a:rPr lang="en-US" dirty="0"/>
+              <a:t>Undoing</a:t>
+            </a:r>
+            <a:endParaRPr lang="en-GB" dirty="0"/>
           </a:p>
         </p:txBody>
       </p:sp>
@@ -22757,7 +22988,7 @@
     </p:spTree>
     <p:extLst>
       <p:ext uri="{BB962C8B-B14F-4D97-AF65-F5344CB8AC3E}">
-        <p14:creationId xmlns:p14="http://schemas.microsoft.com/office/powerpoint/2010/main" val="1693456263"/>
+        <p14:creationId xmlns:p14="http://schemas.microsoft.com/office/powerpoint/2010/main" val="4111153093"/>
       </p:ext>
     </p:extLst>
   </p:cSld>
@@ -22794,37 +23025,75 @@
             <p:ph type="title"/>
           </p:nvPr>
         </p:nvSpPr>
+        <p:spPr/>
+        <p:txBody>
+          <a:bodyPr/>
+          <a:lstStyle/>
+          <a:p>
+            <a:r>
+              <a:rPr lang="en-US" dirty="0"/>
+              <a:t>Redo commits</a:t>
+            </a:r>
+          </a:p>
+        </p:txBody>
+      </p:sp>
+      <p:sp>
+        <p:nvSpPr>
+          <p:cNvPr id="3" name="Content Placeholder 2"/>
+          <p:cNvSpPr>
+            <a:spLocks noGrp="1"/>
+          </p:cNvSpPr>
+          <p:nvPr>
+            <p:ph idx="1"/>
+          </p:nvPr>
+        </p:nvSpPr>
         <p:spPr>
           <a:xfrm>
-            <a:off x="784224" y="481665"/>
-            <a:ext cx="10671175" cy="1052240"/>
+            <a:off x="809624" y="1533905"/>
+            <a:ext cx="10621963" cy="4310303"/>
           </a:xfrm>
         </p:spPr>
         <p:txBody>
           <a:bodyPr/>
           <a:lstStyle/>
           <a:p>
-            <a:r>
-              <a:rPr lang="en-US" dirty="0"/>
-              <a:t>Task</a:t>
-            </a:r>
-            <a:r>
-              <a:rPr lang="lt-LT" dirty="0"/>
-              <a:t> </a:t>
-            </a:r>
-            <a:r>
-              <a:rPr lang="en-US" dirty="0"/>
-              <a:t>#6 (using </a:t>
-            </a:r>
-            <a:r>
-              <a:rPr lang="en-US" dirty="0" err="1"/>
-              <a:t>Intellij</a:t>
-            </a:r>
-            <a:r>
-              <a:rPr lang="en-US" dirty="0"/>
-              <a:t> IDE)</a:t>
-            </a:r>
-            <a:endParaRPr lang="lt-LT" dirty="0"/>
+            <a:pPr marL="0" indent="0">
+              <a:buNone/>
+            </a:pPr>
+            <a:r>
+              <a:rPr lang="en-US" sz="2800" b="1" dirty="0"/>
+              <a:t>git reset [commit]</a:t>
+            </a:r>
+          </a:p>
+          <a:p>
+            <a:pPr lvl="1"/>
+            <a:r>
+              <a:rPr lang="en-US" sz="2400" dirty="0"/>
+              <a:t> Undoes all commits after [commit], preserving changes locally</a:t>
+            </a:r>
+          </a:p>
+          <a:p>
+            <a:pPr marL="0" indent="0">
+              <a:buNone/>
+            </a:pPr>
+            <a:endParaRPr lang="en-US" sz="2400" dirty="0"/>
+          </a:p>
+          <a:p>
+            <a:pPr marL="0" indent="0">
+              <a:buNone/>
+            </a:pPr>
+            <a:r>
+              <a:rPr lang="fr-FR" sz="2800" b="1" dirty="0"/>
+              <a:t>git reset --hard [commit]</a:t>
+            </a:r>
+            <a:endParaRPr lang="en-US" sz="2800" b="1" dirty="0"/>
+          </a:p>
+          <a:p>
+            <a:pPr lvl="1"/>
+            <a:r>
+              <a:rPr lang="en-US" sz="2400" dirty="0"/>
+              <a:t> Clears staging area, rewrites working tree from specified [commit]</a:t>
+            </a:r>
           </a:p>
         </p:txBody>
       </p:sp>
@@ -22889,244 +23158,10 @@
           </a:p>
         </p:txBody>
       </p:sp>
-      <p:sp>
-        <p:nvSpPr>
-          <p:cNvPr id="7" name="Content Placeholder 2">
-            <a:extLst>
-              <a:ext uri="{FF2B5EF4-FFF2-40B4-BE49-F238E27FC236}">
-                <a16:creationId xmlns:a16="http://schemas.microsoft.com/office/drawing/2014/main" id="{236D5AD3-798D-4235-9534-A03E209C626B}"/>
-              </a:ext>
-            </a:extLst>
-          </p:cNvPr>
-          <p:cNvSpPr txBox="1">
-            <a:spLocks/>
-          </p:cNvSpPr>
-          <p:nvPr/>
-        </p:nvSpPr>
-        <p:spPr>
-          <a:xfrm>
-            <a:off x="788368" y="1533905"/>
-            <a:ext cx="10621963" cy="4310303"/>
-          </a:xfrm>
-          <a:prstGeom prst="rect">
-            <a:avLst/>
-          </a:prstGeom>
-        </p:spPr>
-        <p:txBody>
-          <a:bodyPr vert="horz" lIns="0" tIns="0" rIns="0" bIns="0" rtlCol="0">
-            <a:noAutofit/>
-          </a:bodyPr>
-          <a:lstStyle>
-            <a:lvl1pPr marL="216000" indent="-216000" algn="l" defTabSz="914400" rtl="0" eaLnBrk="1" latinLnBrk="0" hangingPunct="1">
-              <a:lnSpc>
-                <a:spcPct val="100000"/>
-              </a:lnSpc>
-              <a:spcBef>
-                <a:spcPts val="800"/>
-              </a:spcBef>
-              <a:buClr>
-                <a:schemeClr val="accent1"/>
-              </a:buClr>
-              <a:buFont typeface="Arial" panose="020B0604020202020204" pitchFamily="34" charset="0"/>
-              <a:buChar char="•"/>
-              <a:defRPr sz="2200" kern="1200">
-                <a:solidFill>
-                  <a:schemeClr val="tx1"/>
-                </a:solidFill>
-                <a:latin typeface="+mn-lt"/>
-                <a:ea typeface="+mn-ea"/>
-                <a:cs typeface="+mn-cs"/>
-              </a:defRPr>
-            </a:lvl1pPr>
-            <a:lvl2pPr marL="396000" indent="-180000" algn="l" defTabSz="914400" rtl="0" eaLnBrk="1" latinLnBrk="0" hangingPunct="1">
-              <a:lnSpc>
-                <a:spcPct val="100000"/>
-              </a:lnSpc>
-              <a:spcBef>
-                <a:spcPts val="800"/>
-              </a:spcBef>
-              <a:buFont typeface="Arial" panose="020B0604020202020204" pitchFamily="34" charset="0"/>
-              <a:buChar char="–"/>
-              <a:defRPr sz="1800" kern="1200">
-                <a:solidFill>
-                  <a:schemeClr val="tx1"/>
-                </a:solidFill>
-                <a:latin typeface="+mn-lt"/>
-                <a:ea typeface="+mn-ea"/>
-                <a:cs typeface="+mn-cs"/>
-              </a:defRPr>
-            </a:lvl2pPr>
-            <a:lvl3pPr marL="576000" indent="-180000" algn="l" defTabSz="914400" rtl="0" eaLnBrk="1" latinLnBrk="0" hangingPunct="1">
-              <a:lnSpc>
-                <a:spcPct val="100000"/>
-              </a:lnSpc>
-              <a:spcBef>
-                <a:spcPts val="800"/>
-              </a:spcBef>
-              <a:buFont typeface="Arial" panose="020B0604020202020204" pitchFamily="34" charset="0"/>
-              <a:buChar char="•"/>
-              <a:defRPr sz="1600" kern="1200">
-                <a:solidFill>
-                  <a:schemeClr val="tx1"/>
-                </a:solidFill>
-                <a:latin typeface="+mn-lt"/>
-                <a:ea typeface="+mn-ea"/>
-                <a:cs typeface="+mn-cs"/>
-              </a:defRPr>
-            </a:lvl3pPr>
-            <a:lvl4pPr marL="756000" indent="-180000" algn="l" defTabSz="914400" rtl="0" eaLnBrk="1" latinLnBrk="0" hangingPunct="1">
-              <a:lnSpc>
-                <a:spcPct val="100000"/>
-              </a:lnSpc>
-              <a:spcBef>
-                <a:spcPts val="800"/>
-              </a:spcBef>
-              <a:buFont typeface="Arial" panose="020B0604020202020204" pitchFamily="34" charset="0"/>
-              <a:buChar char="–"/>
-              <a:defRPr sz="1400" kern="1200">
-                <a:solidFill>
-                  <a:schemeClr val="tx1"/>
-                </a:solidFill>
-                <a:latin typeface="+mn-lt"/>
-                <a:ea typeface="+mn-ea"/>
-                <a:cs typeface="+mn-cs"/>
-              </a:defRPr>
-            </a:lvl4pPr>
-            <a:lvl5pPr marL="936000" indent="-180000" algn="l" defTabSz="914400" rtl="0" eaLnBrk="1" latinLnBrk="0" hangingPunct="1">
-              <a:lnSpc>
-                <a:spcPct val="100000"/>
-              </a:lnSpc>
-              <a:spcBef>
-                <a:spcPts val="800"/>
-              </a:spcBef>
-              <a:buFont typeface="Arial" panose="020B0604020202020204" pitchFamily="34" charset="0"/>
-              <a:buChar char="•"/>
-              <a:defRPr sz="1400" kern="1200">
-                <a:solidFill>
-                  <a:schemeClr val="tx1"/>
-                </a:solidFill>
-                <a:latin typeface="+mn-lt"/>
-                <a:ea typeface="+mn-ea"/>
-                <a:cs typeface="+mn-cs"/>
-              </a:defRPr>
-            </a:lvl5pPr>
-            <a:lvl6pPr marL="936000" indent="-180000" algn="l" defTabSz="914400" rtl="0" eaLnBrk="1" latinLnBrk="0" hangingPunct="1">
-              <a:lnSpc>
-                <a:spcPct val="100000"/>
-              </a:lnSpc>
-              <a:spcBef>
-                <a:spcPts val="800"/>
-              </a:spcBef>
-              <a:buFont typeface="Arial" panose="020B0604020202020204" pitchFamily="34" charset="0"/>
-              <a:buChar char="•"/>
-              <a:defRPr sz="1400" kern="1200">
-                <a:solidFill>
-                  <a:schemeClr val="tx1"/>
-                </a:solidFill>
-                <a:latin typeface="+mn-lt"/>
-                <a:ea typeface="+mn-ea"/>
-                <a:cs typeface="+mn-cs"/>
-              </a:defRPr>
-            </a:lvl6pPr>
-            <a:lvl7pPr marL="936000" indent="-180000" algn="l" defTabSz="914400" rtl="0" eaLnBrk="1" latinLnBrk="0" hangingPunct="1">
-              <a:lnSpc>
-                <a:spcPct val="100000"/>
-              </a:lnSpc>
-              <a:spcBef>
-                <a:spcPts val="800"/>
-              </a:spcBef>
-              <a:buFont typeface="Arial" panose="020B0604020202020204" pitchFamily="34" charset="0"/>
-              <a:buChar char="•"/>
-              <a:defRPr sz="1400" kern="1200" baseline="0">
-                <a:solidFill>
-                  <a:schemeClr val="tx1"/>
-                </a:solidFill>
-                <a:latin typeface="+mn-lt"/>
-                <a:ea typeface="+mn-ea"/>
-                <a:cs typeface="+mn-cs"/>
-              </a:defRPr>
-            </a:lvl7pPr>
-            <a:lvl8pPr marL="936000" indent="-180000" algn="l" defTabSz="914400" rtl="0" eaLnBrk="1" latinLnBrk="0" hangingPunct="1">
-              <a:lnSpc>
-                <a:spcPct val="100000"/>
-              </a:lnSpc>
-              <a:spcBef>
-                <a:spcPts val="800"/>
-              </a:spcBef>
-              <a:buFont typeface="Arial" panose="020B0604020202020204" pitchFamily="34" charset="0"/>
-              <a:buChar char="•"/>
-              <a:defRPr sz="1400" kern="1200">
-                <a:solidFill>
-                  <a:schemeClr val="tx1"/>
-                </a:solidFill>
-                <a:latin typeface="+mn-lt"/>
-                <a:ea typeface="+mn-ea"/>
-                <a:cs typeface="+mn-cs"/>
-              </a:defRPr>
-            </a:lvl8pPr>
-            <a:lvl9pPr marL="936000" indent="-180000" algn="l" defTabSz="914400" rtl="0" eaLnBrk="1" latinLnBrk="0" hangingPunct="1">
-              <a:lnSpc>
-                <a:spcPct val="100000"/>
-              </a:lnSpc>
-              <a:spcBef>
-                <a:spcPts val="800"/>
-              </a:spcBef>
-              <a:buFont typeface="Arial" panose="020B0604020202020204" pitchFamily="34" charset="0"/>
-              <a:buChar char="•"/>
-              <a:defRPr sz="1400" kern="1200" baseline="0">
-                <a:solidFill>
-                  <a:schemeClr val="tx1"/>
-                </a:solidFill>
-                <a:latin typeface="+mn-lt"/>
-                <a:ea typeface="+mn-ea"/>
-                <a:cs typeface="+mn-cs"/>
-              </a:defRPr>
-            </a:lvl9pPr>
-          </a:lstStyle>
-          <a:p>
-            <a:r>
-              <a:rPr lang="en-US" sz="3200" dirty="0"/>
-              <a:t>Create a new “Hello world!” project in </a:t>
-            </a:r>
-            <a:r>
-              <a:rPr lang="en-US" sz="3200" dirty="0" err="1"/>
-              <a:t>Intellij</a:t>
-            </a:r>
-            <a:endParaRPr lang="en-US" sz="3200" dirty="0"/>
-          </a:p>
-          <a:p>
-            <a:r>
-              <a:rPr lang="en-US" sz="3200" dirty="0"/>
-              <a:t>Run it!</a:t>
-            </a:r>
-          </a:p>
-          <a:p>
-            <a:r>
-              <a:rPr lang="en-US" sz="3200" dirty="0"/>
-              <a:t>Init git repo</a:t>
-            </a:r>
-          </a:p>
-          <a:p>
-            <a:r>
-              <a:rPr lang="en-US" sz="3200" dirty="0"/>
-              <a:t>Ignore compiled files including the directories they’re in</a:t>
-            </a:r>
-          </a:p>
-          <a:p>
-            <a:r>
-              <a:rPr lang="en-US" sz="3200" dirty="0"/>
-              <a:t>Commit changes</a:t>
-            </a:r>
-          </a:p>
-          <a:p>
-            <a:endParaRPr lang="lt-LT" sz="3200" dirty="0"/>
-          </a:p>
-        </p:txBody>
-      </p:sp>
     </p:spTree>
     <p:extLst>
       <p:ext uri="{BB962C8B-B14F-4D97-AF65-F5344CB8AC3E}">
-        <p14:creationId xmlns:p14="http://schemas.microsoft.com/office/powerpoint/2010/main" val="2480090358"/>
+        <p14:creationId xmlns:p14="http://schemas.microsoft.com/office/powerpoint/2010/main" val="1369041376"/>
       </p:ext>
     </p:extLst>
   </p:cSld>
@@ -23153,47 +23188,72 @@
           <a:chExt cx="0" cy="0"/>
         </a:xfrm>
       </p:grpSpPr>
-      <p:sp>
-        <p:nvSpPr>
-          <p:cNvPr id="2" name="Title 1"/>
-          <p:cNvSpPr>
-            <a:spLocks noGrp="1"/>
-          </p:cNvSpPr>
-          <p:nvPr>
-            <p:ph type="title"/>
-          </p:nvPr>
-        </p:nvSpPr>
-        <p:spPr>
-          <a:xfrm>
-            <a:off x="784224" y="481665"/>
-            <a:ext cx="10671175" cy="1052240"/>
-          </a:xfrm>
-        </p:spPr>
-        <p:txBody>
-          <a:bodyPr/>
-          <a:lstStyle/>
-          <a:p>
-            <a:r>
-              <a:rPr lang="en-US" dirty="0"/>
-              <a:t>Task</a:t>
-            </a:r>
-            <a:r>
-              <a:rPr lang="lt-LT" dirty="0"/>
-              <a:t> </a:t>
-            </a:r>
-            <a:r>
-              <a:rPr lang="en-US" dirty="0"/>
-              <a:t>#7 (using </a:t>
-            </a:r>
-            <a:r>
-              <a:rPr lang="en-US" dirty="0" err="1"/>
-              <a:t>Intellij</a:t>
-            </a:r>
-            <a:r>
-              <a:rPr lang="en-US" dirty="0"/>
-              <a:t> IDE)</a:t>
-            </a:r>
-            <a:endParaRPr lang="lt-LT" dirty="0"/>
+      <p:pic>
+        <p:nvPicPr>
+          <p:cNvPr id="10" name="Picture Placeholder 9"/>
+          <p:cNvPicPr>
+            <a:picLocks noGrp="1" noChangeAspect="1"/>
+          </p:cNvPicPr>
+          <p:nvPr>
+            <p:ph type="pic" sz="quarter" idx="13"/>
+          </p:nvPr>
+        </p:nvPicPr>
+        <p:blipFill>
+          <a:blip r:embed="rId3">
+            <a:extLst>
+              <a:ext uri="{28A0092B-C50C-407E-A947-70E740481C1C}">
+                <a14:useLocalDpi xmlns:a14="http://schemas.microsoft.com/office/drawing/2010/main" val="0"/>
+              </a:ext>
+            </a:extLst>
+          </a:blip>
+          <a:srcRect l="4" r="4"/>
+          <a:stretch>
+            <a:fillRect/>
+          </a:stretch>
+        </p:blipFill>
+        <p:spPr/>
+      </p:pic>
+      <p:sp>
+        <p:nvSpPr>
+          <p:cNvPr id="7" name="Title 6"/>
+          <p:cNvSpPr>
+            <a:spLocks noGrp="1"/>
+          </p:cNvSpPr>
+          <p:nvPr>
+            <p:ph type="ctrTitle"/>
+          </p:nvPr>
+        </p:nvSpPr>
+        <p:spPr/>
+        <p:txBody>
+          <a:bodyPr/>
+          <a:lstStyle/>
+          <a:p>
+            <a:r>
+              <a:rPr lang="en-US" sz="4800" dirty="0"/>
+              <a:t>3. Bonus practice</a:t>
+            </a:r>
+          </a:p>
+        </p:txBody>
+      </p:sp>
+      <p:sp>
+        <p:nvSpPr>
+          <p:cNvPr id="8" name="Subtitle 7"/>
+          <p:cNvSpPr>
+            <a:spLocks noGrp="1"/>
+          </p:cNvSpPr>
+          <p:nvPr>
+            <p:ph type="subTitle" idx="1"/>
+          </p:nvPr>
+        </p:nvSpPr>
+        <p:spPr/>
+        <p:txBody>
+          <a:bodyPr/>
+          <a:lstStyle/>
+          <a:p>
+            <a:pPr>
+              <a:buNone/>
+            </a:pPr>
+            <a:endParaRPr lang="en-GB" dirty="0"/>
           </a:p>
         </p:txBody>
       </p:sp>
@@ -23212,7 +23272,7 @@
           <a:bodyPr/>
           <a:lstStyle/>
           <a:p>
-            <a:endParaRPr lang="en-GB" noProof="0" dirty="0"/>
+            <a:endParaRPr lang="en-GB" dirty="0"/>
           </a:p>
         </p:txBody>
       </p:sp>
@@ -23231,7 +23291,7 @@
           <a:bodyPr/>
           <a:lstStyle/>
           <a:p>
-            <a:endParaRPr lang="en-GB" noProof="0" dirty="0"/>
+            <a:endParaRPr lang="en-GB" dirty="0"/>
           </a:p>
         </p:txBody>
       </p:sp>
@@ -23250,232 +23310,19 @@
           <a:bodyPr/>
           <a:lstStyle/>
           <a:p>
-            <a:fld id="{859873C9-BF5D-4A9A-BB31-45BBB7BABAF7}" type="slidenum">
-              <a:rPr lang="en-GB" noProof="0" smtClean="0"/>
+            <a:fld id="{24C8C45C-947F-4981-8B3F-4F32E973C901}" type="slidenum">
+              <a:rPr lang="en-GB" smtClean="0"/>
+              <a:pPr/>
               <a:t>37</a:t>
             </a:fld>
-            <a:endParaRPr lang="en-GB" noProof="0" dirty="0"/>
-          </a:p>
-        </p:txBody>
-      </p:sp>
-      <p:sp>
-        <p:nvSpPr>
-          <p:cNvPr id="7" name="Content Placeholder 2">
-            <a:extLst>
-              <a:ext uri="{FF2B5EF4-FFF2-40B4-BE49-F238E27FC236}">
-                <a16:creationId xmlns:a16="http://schemas.microsoft.com/office/drawing/2014/main" id="{236D5AD3-798D-4235-9534-A03E209C626B}"/>
-              </a:ext>
-            </a:extLst>
-          </p:cNvPr>
-          <p:cNvSpPr txBox="1">
-            <a:spLocks/>
-          </p:cNvSpPr>
-          <p:nvPr/>
-        </p:nvSpPr>
-        <p:spPr>
-          <a:xfrm>
-            <a:off x="788368" y="1533905"/>
-            <a:ext cx="10621963" cy="4310303"/>
-          </a:xfrm>
-          <a:prstGeom prst="rect">
-            <a:avLst/>
-          </a:prstGeom>
-        </p:spPr>
-        <p:txBody>
-          <a:bodyPr vert="horz" lIns="0" tIns="0" rIns="0" bIns="0" rtlCol="0">
-            <a:noAutofit/>
-          </a:bodyPr>
-          <a:lstStyle>
-            <a:lvl1pPr marL="216000" indent="-216000" algn="l" defTabSz="914400" rtl="0" eaLnBrk="1" latinLnBrk="0" hangingPunct="1">
-              <a:lnSpc>
-                <a:spcPct val="100000"/>
-              </a:lnSpc>
-              <a:spcBef>
-                <a:spcPts val="800"/>
-              </a:spcBef>
-              <a:buClr>
-                <a:schemeClr val="accent1"/>
-              </a:buClr>
-              <a:buFont typeface="Arial" panose="020B0604020202020204" pitchFamily="34" charset="0"/>
-              <a:buChar char="•"/>
-              <a:defRPr sz="2200" kern="1200">
-                <a:solidFill>
-                  <a:schemeClr val="tx1"/>
-                </a:solidFill>
-                <a:latin typeface="+mn-lt"/>
-                <a:ea typeface="+mn-ea"/>
-                <a:cs typeface="+mn-cs"/>
-              </a:defRPr>
-            </a:lvl1pPr>
-            <a:lvl2pPr marL="396000" indent="-180000" algn="l" defTabSz="914400" rtl="0" eaLnBrk="1" latinLnBrk="0" hangingPunct="1">
-              <a:lnSpc>
-                <a:spcPct val="100000"/>
-              </a:lnSpc>
-              <a:spcBef>
-                <a:spcPts val="800"/>
-              </a:spcBef>
-              <a:buFont typeface="Arial" panose="020B0604020202020204" pitchFamily="34" charset="0"/>
-              <a:buChar char="–"/>
-              <a:defRPr sz="1800" kern="1200">
-                <a:solidFill>
-                  <a:schemeClr val="tx1"/>
-                </a:solidFill>
-                <a:latin typeface="+mn-lt"/>
-                <a:ea typeface="+mn-ea"/>
-                <a:cs typeface="+mn-cs"/>
-              </a:defRPr>
-            </a:lvl2pPr>
-            <a:lvl3pPr marL="576000" indent="-180000" algn="l" defTabSz="914400" rtl="0" eaLnBrk="1" latinLnBrk="0" hangingPunct="1">
-              <a:lnSpc>
-                <a:spcPct val="100000"/>
-              </a:lnSpc>
-              <a:spcBef>
-                <a:spcPts val="800"/>
-              </a:spcBef>
-              <a:buFont typeface="Arial" panose="020B0604020202020204" pitchFamily="34" charset="0"/>
-              <a:buChar char="•"/>
-              <a:defRPr sz="1600" kern="1200">
-                <a:solidFill>
-                  <a:schemeClr val="tx1"/>
-                </a:solidFill>
-                <a:latin typeface="+mn-lt"/>
-                <a:ea typeface="+mn-ea"/>
-                <a:cs typeface="+mn-cs"/>
-              </a:defRPr>
-            </a:lvl3pPr>
-            <a:lvl4pPr marL="756000" indent="-180000" algn="l" defTabSz="914400" rtl="0" eaLnBrk="1" latinLnBrk="0" hangingPunct="1">
-              <a:lnSpc>
-                <a:spcPct val="100000"/>
-              </a:lnSpc>
-              <a:spcBef>
-                <a:spcPts val="800"/>
-              </a:spcBef>
-              <a:buFont typeface="Arial" panose="020B0604020202020204" pitchFamily="34" charset="0"/>
-              <a:buChar char="–"/>
-              <a:defRPr sz="1400" kern="1200">
-                <a:solidFill>
-                  <a:schemeClr val="tx1"/>
-                </a:solidFill>
-                <a:latin typeface="+mn-lt"/>
-                <a:ea typeface="+mn-ea"/>
-                <a:cs typeface="+mn-cs"/>
-              </a:defRPr>
-            </a:lvl4pPr>
-            <a:lvl5pPr marL="936000" indent="-180000" algn="l" defTabSz="914400" rtl="0" eaLnBrk="1" latinLnBrk="0" hangingPunct="1">
-              <a:lnSpc>
-                <a:spcPct val="100000"/>
-              </a:lnSpc>
-              <a:spcBef>
-                <a:spcPts val="800"/>
-              </a:spcBef>
-              <a:buFont typeface="Arial" panose="020B0604020202020204" pitchFamily="34" charset="0"/>
-              <a:buChar char="•"/>
-              <a:defRPr sz="1400" kern="1200">
-                <a:solidFill>
-                  <a:schemeClr val="tx1"/>
-                </a:solidFill>
-                <a:latin typeface="+mn-lt"/>
-                <a:ea typeface="+mn-ea"/>
-                <a:cs typeface="+mn-cs"/>
-              </a:defRPr>
-            </a:lvl5pPr>
-            <a:lvl6pPr marL="936000" indent="-180000" algn="l" defTabSz="914400" rtl="0" eaLnBrk="1" latinLnBrk="0" hangingPunct="1">
-              <a:lnSpc>
-                <a:spcPct val="100000"/>
-              </a:lnSpc>
-              <a:spcBef>
-                <a:spcPts val="800"/>
-              </a:spcBef>
-              <a:buFont typeface="Arial" panose="020B0604020202020204" pitchFamily="34" charset="0"/>
-              <a:buChar char="•"/>
-              <a:defRPr sz="1400" kern="1200">
-                <a:solidFill>
-                  <a:schemeClr val="tx1"/>
-                </a:solidFill>
-                <a:latin typeface="+mn-lt"/>
-                <a:ea typeface="+mn-ea"/>
-                <a:cs typeface="+mn-cs"/>
-              </a:defRPr>
-            </a:lvl6pPr>
-            <a:lvl7pPr marL="936000" indent="-180000" algn="l" defTabSz="914400" rtl="0" eaLnBrk="1" latinLnBrk="0" hangingPunct="1">
-              <a:lnSpc>
-                <a:spcPct val="100000"/>
-              </a:lnSpc>
-              <a:spcBef>
-                <a:spcPts val="800"/>
-              </a:spcBef>
-              <a:buFont typeface="Arial" panose="020B0604020202020204" pitchFamily="34" charset="0"/>
-              <a:buChar char="•"/>
-              <a:defRPr sz="1400" kern="1200" baseline="0">
-                <a:solidFill>
-                  <a:schemeClr val="tx1"/>
-                </a:solidFill>
-                <a:latin typeface="+mn-lt"/>
-                <a:ea typeface="+mn-ea"/>
-                <a:cs typeface="+mn-cs"/>
-              </a:defRPr>
-            </a:lvl7pPr>
-            <a:lvl8pPr marL="936000" indent="-180000" algn="l" defTabSz="914400" rtl="0" eaLnBrk="1" latinLnBrk="0" hangingPunct="1">
-              <a:lnSpc>
-                <a:spcPct val="100000"/>
-              </a:lnSpc>
-              <a:spcBef>
-                <a:spcPts val="800"/>
-              </a:spcBef>
-              <a:buFont typeface="Arial" panose="020B0604020202020204" pitchFamily="34" charset="0"/>
-              <a:buChar char="•"/>
-              <a:defRPr sz="1400" kern="1200">
-                <a:solidFill>
-                  <a:schemeClr val="tx1"/>
-                </a:solidFill>
-                <a:latin typeface="+mn-lt"/>
-                <a:ea typeface="+mn-ea"/>
-                <a:cs typeface="+mn-cs"/>
-              </a:defRPr>
-            </a:lvl8pPr>
-            <a:lvl9pPr marL="936000" indent="-180000" algn="l" defTabSz="914400" rtl="0" eaLnBrk="1" latinLnBrk="0" hangingPunct="1">
-              <a:lnSpc>
-                <a:spcPct val="100000"/>
-              </a:lnSpc>
-              <a:spcBef>
-                <a:spcPts val="800"/>
-              </a:spcBef>
-              <a:buFont typeface="Arial" panose="020B0604020202020204" pitchFamily="34" charset="0"/>
-              <a:buChar char="•"/>
-              <a:defRPr sz="1400" kern="1200" baseline="0">
-                <a:solidFill>
-                  <a:schemeClr val="tx1"/>
-                </a:solidFill>
-                <a:latin typeface="+mn-lt"/>
-                <a:ea typeface="+mn-ea"/>
-                <a:cs typeface="+mn-cs"/>
-              </a:defRPr>
-            </a:lvl9pPr>
-          </a:lstStyle>
-          <a:p>
-            <a:r>
-              <a:rPr lang="en-US" sz="3200" dirty="0"/>
-              <a:t>Create a new branch “feature”</a:t>
-            </a:r>
-          </a:p>
-          <a:p>
-            <a:r>
-              <a:rPr lang="en-US" sz="3200" dirty="0"/>
-              <a:t>Make some changes in that branch</a:t>
-            </a:r>
-          </a:p>
-          <a:p>
-            <a:r>
-              <a:rPr lang="en-US" sz="3200" dirty="0"/>
-              <a:t>Merge master with branch</a:t>
-            </a:r>
+            <a:endParaRPr lang="en-GB" dirty="0"/>
           </a:p>
         </p:txBody>
       </p:sp>
     </p:spTree>
     <p:extLst>
       <p:ext uri="{BB962C8B-B14F-4D97-AF65-F5344CB8AC3E}">
-        <p14:creationId xmlns:p14="http://schemas.microsoft.com/office/powerpoint/2010/main" val="3812996559"/>
+        <p14:creationId xmlns:p14="http://schemas.microsoft.com/office/powerpoint/2010/main" val="1693456263"/>
       </p:ext>
     </p:extLst>
   </p:cSld>
@@ -23532,7 +23379,7 @@
             </a:r>
             <a:r>
               <a:rPr lang="en-US" dirty="0"/>
-              <a:t>#8 (using </a:t>
+              <a:t>#6 (using </a:t>
             </a:r>
             <a:r>
               <a:rPr lang="en-US" dirty="0" err="1"/>
@@ -23804,27 +23651,47 @@
           <a:p>
             <a:r>
               <a:rPr lang="en-US" sz="3200" dirty="0"/>
-              <a:t>Create a new branch “conflicts” from master</a:t>
-            </a:r>
+              <a:t>Create a new “Hello world!” project in </a:t>
+            </a:r>
+            <a:r>
+              <a:rPr lang="en-US" sz="3200" dirty="0" err="1"/>
+              <a:t>Intellij</a:t>
+            </a:r>
+            <a:endParaRPr lang="en-US" sz="3200" dirty="0"/>
           </a:p>
           <a:p>
             <a:r>
               <a:rPr lang="en-US" sz="3200" dirty="0"/>
-              <a:t>Create conflicting commits in master and new branch</a:t>
+              <a:t>Run it!</a:t>
             </a:r>
           </a:p>
           <a:p>
             <a:r>
               <a:rPr lang="en-US" sz="3200" dirty="0"/>
-              <a:t>Rebase master with branch (resolve conflict)</a:t>
-            </a:r>
+              <a:t>Init git repo</a:t>
+            </a:r>
+          </a:p>
+          <a:p>
+            <a:r>
+              <a:rPr lang="en-US" sz="3200" dirty="0"/>
+              <a:t>Ignore compiled files including the directories they’re in</a:t>
+            </a:r>
+          </a:p>
+          <a:p>
+            <a:r>
+              <a:rPr lang="en-US" sz="3200" dirty="0"/>
+              <a:t>Commit changes</a:t>
+            </a:r>
+          </a:p>
+          <a:p>
+            <a:endParaRPr lang="lt-LT" sz="3200" dirty="0"/>
           </a:p>
         </p:txBody>
       </p:sp>
     </p:spTree>
     <p:extLst>
       <p:ext uri="{BB962C8B-B14F-4D97-AF65-F5344CB8AC3E}">
-        <p14:creationId xmlns:p14="http://schemas.microsoft.com/office/powerpoint/2010/main" val="2199777528"/>
+        <p14:creationId xmlns:p14="http://schemas.microsoft.com/office/powerpoint/2010/main" val="2480090358"/>
       </p:ext>
     </p:extLst>
   </p:cSld>
@@ -23881,7 +23748,7 @@
             </a:r>
             <a:r>
               <a:rPr lang="en-US" dirty="0"/>
-              <a:t>#9 (using </a:t>
+              <a:t>#7 (using </a:t>
             </a:r>
             <a:r>
               <a:rPr lang="en-US" dirty="0" err="1"/>
@@ -24153,25 +24020,19 @@
           <a:p>
             <a:r>
               <a:rPr lang="en-US" sz="3200" dirty="0"/>
-              <a:t>Share project on GitHub</a:t>
+              <a:t>Create a new branch “feature”</a:t>
             </a:r>
           </a:p>
           <a:p>
             <a:r>
               <a:rPr lang="en-US" sz="3200" dirty="0"/>
-              <a:t>Create some changes on a new branch</a:t>
+              <a:t>Make some changes in that branch</a:t>
             </a:r>
           </a:p>
           <a:p>
             <a:r>
               <a:rPr lang="en-US" sz="3200" dirty="0"/>
-              <a:t>Create a pull request</a:t>
-            </a:r>
-          </a:p>
-          <a:p>
-            <a:r>
-              <a:rPr lang="en-US" sz="3200" dirty="0"/>
-              <a:t>Merge PR (in the browser)</a:t>
+              <a:t>Merge master with branch</a:t>
             </a:r>
           </a:p>
         </p:txBody>
@@ -24179,7 +24040,7 @@
     </p:spTree>
     <p:extLst>
       <p:ext uri="{BB962C8B-B14F-4D97-AF65-F5344CB8AC3E}">
-        <p14:creationId xmlns:p14="http://schemas.microsoft.com/office/powerpoint/2010/main" val="1045564446"/>
+        <p14:creationId xmlns:p14="http://schemas.microsoft.com/office/powerpoint/2010/main" val="3812996559"/>
       </p:ext>
     </p:extLst>
   </p:cSld>
@@ -24273,6 +24134,29 @@
               <a:rPr lang="en-US" sz="2800" dirty="0"/>
               <a:t> (Except pushing and pulling changes from a remote server)</a:t>
             </a:r>
+            <a:endParaRPr lang="lt-LT" sz="2800" dirty="0"/>
+          </a:p>
+          <a:p>
+            <a:pPr lvl="1"/>
+            <a:endParaRPr lang="lt-LT" sz="2800" dirty="0"/>
+          </a:p>
+          <a:p>
+            <a:pPr marL="216000" lvl="1" indent="0">
+              <a:buNone/>
+            </a:pPr>
+            <a:endParaRPr lang="lt-LT" sz="2800" dirty="0"/>
+          </a:p>
+          <a:p>
+            <a:pPr marL="216000" lvl="1" indent="0">
+              <a:buNone/>
+            </a:pPr>
+            <a:r>
+              <a:rPr lang="en-US" sz="2800" dirty="0">
+                <a:hlinkClick r:id="rId3"/>
+              </a:rPr>
+              <a:t>https://git-scm.com/docs/</a:t>
+            </a:r>
+            <a:endParaRPr lang="en-US" sz="2800" dirty="0"/>
           </a:p>
         </p:txBody>
       </p:sp>
@@ -24397,7 +24281,15 @@
             </a:r>
             <a:r>
               <a:rPr lang="en-US" dirty="0"/>
-              <a:t>#10</a:t>
+              <a:t>#8 (using </a:t>
+            </a:r>
+            <a:r>
+              <a:rPr lang="en-US" dirty="0" err="1"/>
+              <a:t>Intellij</a:t>
+            </a:r>
+            <a:r>
+              <a:rPr lang="en-US" dirty="0"/>
+              <a:t> IDE)</a:t>
             </a:r>
             <a:endParaRPr lang="lt-LT" dirty="0"/>
           </a:p>
@@ -24459,6 +24351,702 @@
             <a:fld id="{859873C9-BF5D-4A9A-BB31-45BBB7BABAF7}" type="slidenum">
               <a:rPr lang="en-GB" noProof="0" smtClean="0"/>
               <a:t>40</a:t>
+            </a:fld>
+            <a:endParaRPr lang="en-GB" noProof="0" dirty="0"/>
+          </a:p>
+        </p:txBody>
+      </p:sp>
+      <p:sp>
+        <p:nvSpPr>
+          <p:cNvPr id="7" name="Content Placeholder 2">
+            <a:extLst>
+              <a:ext uri="{FF2B5EF4-FFF2-40B4-BE49-F238E27FC236}">
+                <a16:creationId xmlns:a16="http://schemas.microsoft.com/office/drawing/2014/main" id="{236D5AD3-798D-4235-9534-A03E209C626B}"/>
+              </a:ext>
+            </a:extLst>
+          </p:cNvPr>
+          <p:cNvSpPr txBox="1">
+            <a:spLocks/>
+          </p:cNvSpPr>
+          <p:nvPr/>
+        </p:nvSpPr>
+        <p:spPr>
+          <a:xfrm>
+            <a:off x="788368" y="1533905"/>
+            <a:ext cx="10621963" cy="4310303"/>
+          </a:xfrm>
+          <a:prstGeom prst="rect">
+            <a:avLst/>
+          </a:prstGeom>
+        </p:spPr>
+        <p:txBody>
+          <a:bodyPr vert="horz" lIns="0" tIns="0" rIns="0" bIns="0" rtlCol="0">
+            <a:noAutofit/>
+          </a:bodyPr>
+          <a:lstStyle>
+            <a:lvl1pPr marL="216000" indent="-216000" algn="l" defTabSz="914400" rtl="0" eaLnBrk="1" latinLnBrk="0" hangingPunct="1">
+              <a:lnSpc>
+                <a:spcPct val="100000"/>
+              </a:lnSpc>
+              <a:spcBef>
+                <a:spcPts val="800"/>
+              </a:spcBef>
+              <a:buClr>
+                <a:schemeClr val="accent1"/>
+              </a:buClr>
+              <a:buFont typeface="Arial" panose="020B0604020202020204" pitchFamily="34" charset="0"/>
+              <a:buChar char="•"/>
+              <a:defRPr sz="2200" kern="1200">
+                <a:solidFill>
+                  <a:schemeClr val="tx1"/>
+                </a:solidFill>
+                <a:latin typeface="+mn-lt"/>
+                <a:ea typeface="+mn-ea"/>
+                <a:cs typeface="+mn-cs"/>
+              </a:defRPr>
+            </a:lvl1pPr>
+            <a:lvl2pPr marL="396000" indent="-180000" algn="l" defTabSz="914400" rtl="0" eaLnBrk="1" latinLnBrk="0" hangingPunct="1">
+              <a:lnSpc>
+                <a:spcPct val="100000"/>
+              </a:lnSpc>
+              <a:spcBef>
+                <a:spcPts val="800"/>
+              </a:spcBef>
+              <a:buFont typeface="Arial" panose="020B0604020202020204" pitchFamily="34" charset="0"/>
+              <a:buChar char="–"/>
+              <a:defRPr sz="1800" kern="1200">
+                <a:solidFill>
+                  <a:schemeClr val="tx1"/>
+                </a:solidFill>
+                <a:latin typeface="+mn-lt"/>
+                <a:ea typeface="+mn-ea"/>
+                <a:cs typeface="+mn-cs"/>
+              </a:defRPr>
+            </a:lvl2pPr>
+            <a:lvl3pPr marL="576000" indent="-180000" algn="l" defTabSz="914400" rtl="0" eaLnBrk="1" latinLnBrk="0" hangingPunct="1">
+              <a:lnSpc>
+                <a:spcPct val="100000"/>
+              </a:lnSpc>
+              <a:spcBef>
+                <a:spcPts val="800"/>
+              </a:spcBef>
+              <a:buFont typeface="Arial" panose="020B0604020202020204" pitchFamily="34" charset="0"/>
+              <a:buChar char="•"/>
+              <a:defRPr sz="1600" kern="1200">
+                <a:solidFill>
+                  <a:schemeClr val="tx1"/>
+                </a:solidFill>
+                <a:latin typeface="+mn-lt"/>
+                <a:ea typeface="+mn-ea"/>
+                <a:cs typeface="+mn-cs"/>
+              </a:defRPr>
+            </a:lvl3pPr>
+            <a:lvl4pPr marL="756000" indent="-180000" algn="l" defTabSz="914400" rtl="0" eaLnBrk="1" latinLnBrk="0" hangingPunct="1">
+              <a:lnSpc>
+                <a:spcPct val="100000"/>
+              </a:lnSpc>
+              <a:spcBef>
+                <a:spcPts val="800"/>
+              </a:spcBef>
+              <a:buFont typeface="Arial" panose="020B0604020202020204" pitchFamily="34" charset="0"/>
+              <a:buChar char="–"/>
+              <a:defRPr sz="1400" kern="1200">
+                <a:solidFill>
+                  <a:schemeClr val="tx1"/>
+                </a:solidFill>
+                <a:latin typeface="+mn-lt"/>
+                <a:ea typeface="+mn-ea"/>
+                <a:cs typeface="+mn-cs"/>
+              </a:defRPr>
+            </a:lvl4pPr>
+            <a:lvl5pPr marL="936000" indent="-180000" algn="l" defTabSz="914400" rtl="0" eaLnBrk="1" latinLnBrk="0" hangingPunct="1">
+              <a:lnSpc>
+                <a:spcPct val="100000"/>
+              </a:lnSpc>
+              <a:spcBef>
+                <a:spcPts val="800"/>
+              </a:spcBef>
+              <a:buFont typeface="Arial" panose="020B0604020202020204" pitchFamily="34" charset="0"/>
+              <a:buChar char="•"/>
+              <a:defRPr sz="1400" kern="1200">
+                <a:solidFill>
+                  <a:schemeClr val="tx1"/>
+                </a:solidFill>
+                <a:latin typeface="+mn-lt"/>
+                <a:ea typeface="+mn-ea"/>
+                <a:cs typeface="+mn-cs"/>
+              </a:defRPr>
+            </a:lvl5pPr>
+            <a:lvl6pPr marL="936000" indent="-180000" algn="l" defTabSz="914400" rtl="0" eaLnBrk="1" latinLnBrk="0" hangingPunct="1">
+              <a:lnSpc>
+                <a:spcPct val="100000"/>
+              </a:lnSpc>
+              <a:spcBef>
+                <a:spcPts val="800"/>
+              </a:spcBef>
+              <a:buFont typeface="Arial" panose="020B0604020202020204" pitchFamily="34" charset="0"/>
+              <a:buChar char="•"/>
+              <a:defRPr sz="1400" kern="1200">
+                <a:solidFill>
+                  <a:schemeClr val="tx1"/>
+                </a:solidFill>
+                <a:latin typeface="+mn-lt"/>
+                <a:ea typeface="+mn-ea"/>
+                <a:cs typeface="+mn-cs"/>
+              </a:defRPr>
+            </a:lvl6pPr>
+            <a:lvl7pPr marL="936000" indent="-180000" algn="l" defTabSz="914400" rtl="0" eaLnBrk="1" latinLnBrk="0" hangingPunct="1">
+              <a:lnSpc>
+                <a:spcPct val="100000"/>
+              </a:lnSpc>
+              <a:spcBef>
+                <a:spcPts val="800"/>
+              </a:spcBef>
+              <a:buFont typeface="Arial" panose="020B0604020202020204" pitchFamily="34" charset="0"/>
+              <a:buChar char="•"/>
+              <a:defRPr sz="1400" kern="1200" baseline="0">
+                <a:solidFill>
+                  <a:schemeClr val="tx1"/>
+                </a:solidFill>
+                <a:latin typeface="+mn-lt"/>
+                <a:ea typeface="+mn-ea"/>
+                <a:cs typeface="+mn-cs"/>
+              </a:defRPr>
+            </a:lvl7pPr>
+            <a:lvl8pPr marL="936000" indent="-180000" algn="l" defTabSz="914400" rtl="0" eaLnBrk="1" latinLnBrk="0" hangingPunct="1">
+              <a:lnSpc>
+                <a:spcPct val="100000"/>
+              </a:lnSpc>
+              <a:spcBef>
+                <a:spcPts val="800"/>
+              </a:spcBef>
+              <a:buFont typeface="Arial" panose="020B0604020202020204" pitchFamily="34" charset="0"/>
+              <a:buChar char="•"/>
+              <a:defRPr sz="1400" kern="1200">
+                <a:solidFill>
+                  <a:schemeClr val="tx1"/>
+                </a:solidFill>
+                <a:latin typeface="+mn-lt"/>
+                <a:ea typeface="+mn-ea"/>
+                <a:cs typeface="+mn-cs"/>
+              </a:defRPr>
+            </a:lvl8pPr>
+            <a:lvl9pPr marL="936000" indent="-180000" algn="l" defTabSz="914400" rtl="0" eaLnBrk="1" latinLnBrk="0" hangingPunct="1">
+              <a:lnSpc>
+                <a:spcPct val="100000"/>
+              </a:lnSpc>
+              <a:spcBef>
+                <a:spcPts val="800"/>
+              </a:spcBef>
+              <a:buFont typeface="Arial" panose="020B0604020202020204" pitchFamily="34" charset="0"/>
+              <a:buChar char="•"/>
+              <a:defRPr sz="1400" kern="1200" baseline="0">
+                <a:solidFill>
+                  <a:schemeClr val="tx1"/>
+                </a:solidFill>
+                <a:latin typeface="+mn-lt"/>
+                <a:ea typeface="+mn-ea"/>
+                <a:cs typeface="+mn-cs"/>
+              </a:defRPr>
+            </a:lvl9pPr>
+          </a:lstStyle>
+          <a:p>
+            <a:r>
+              <a:rPr lang="en-US" sz="3200" dirty="0"/>
+              <a:t>Create a new branch “conflicts” from master</a:t>
+            </a:r>
+          </a:p>
+          <a:p>
+            <a:r>
+              <a:rPr lang="en-US" sz="3200" dirty="0"/>
+              <a:t>Create conflicting commits in master and new branch</a:t>
+            </a:r>
+          </a:p>
+          <a:p>
+            <a:r>
+              <a:rPr lang="en-US" sz="3200" dirty="0"/>
+              <a:t>Rebase master with branch (resolve conflict)</a:t>
+            </a:r>
+          </a:p>
+        </p:txBody>
+      </p:sp>
+    </p:spTree>
+    <p:extLst>
+      <p:ext uri="{BB962C8B-B14F-4D97-AF65-F5344CB8AC3E}">
+        <p14:creationId xmlns:p14="http://schemas.microsoft.com/office/powerpoint/2010/main" val="2199777528"/>
+      </p:ext>
+    </p:extLst>
+  </p:cSld>
+  <p:clrMapOvr>
+    <a:masterClrMapping/>
+  </p:clrMapOvr>
+</p:sld>
+</file>
+
+<file path=ppt/slides/slide41.xml><?xml version="1.0" encoding="utf-8"?>
+<p:sld xmlns:a="http://schemas.openxmlformats.org/drawingml/2006/main" xmlns:r="http://schemas.openxmlformats.org/officeDocument/2006/relationships" xmlns:p="http://schemas.openxmlformats.org/presentationml/2006/main">
+  <p:cSld>
+    <p:spTree>
+      <p:nvGrpSpPr>
+        <p:cNvPr id="1" name=""/>
+        <p:cNvGrpSpPr/>
+        <p:nvPr/>
+      </p:nvGrpSpPr>
+      <p:grpSpPr>
+        <a:xfrm>
+          <a:off x="0" y="0"/>
+          <a:ext cx="0" cy="0"/>
+          <a:chOff x="0" y="0"/>
+          <a:chExt cx="0" cy="0"/>
+        </a:xfrm>
+      </p:grpSpPr>
+      <p:sp>
+        <p:nvSpPr>
+          <p:cNvPr id="2" name="Title 1"/>
+          <p:cNvSpPr>
+            <a:spLocks noGrp="1"/>
+          </p:cNvSpPr>
+          <p:nvPr>
+            <p:ph type="title"/>
+          </p:nvPr>
+        </p:nvSpPr>
+        <p:spPr>
+          <a:xfrm>
+            <a:off x="784224" y="481665"/>
+            <a:ext cx="10671175" cy="1052240"/>
+          </a:xfrm>
+        </p:spPr>
+        <p:txBody>
+          <a:bodyPr/>
+          <a:lstStyle/>
+          <a:p>
+            <a:r>
+              <a:rPr lang="en-US" dirty="0"/>
+              <a:t>Task</a:t>
+            </a:r>
+            <a:r>
+              <a:rPr lang="lt-LT" dirty="0"/>
+              <a:t> </a:t>
+            </a:r>
+            <a:r>
+              <a:rPr lang="en-US" dirty="0"/>
+              <a:t>#9 (using </a:t>
+            </a:r>
+            <a:r>
+              <a:rPr lang="en-US" dirty="0" err="1"/>
+              <a:t>Intellij</a:t>
+            </a:r>
+            <a:r>
+              <a:rPr lang="en-US" dirty="0"/>
+              <a:t> IDE)</a:t>
+            </a:r>
+            <a:endParaRPr lang="lt-LT" dirty="0"/>
+          </a:p>
+        </p:txBody>
+      </p:sp>
+      <p:sp>
+        <p:nvSpPr>
+          <p:cNvPr id="4" name="Date Placeholder 3"/>
+          <p:cNvSpPr>
+            <a:spLocks noGrp="1"/>
+          </p:cNvSpPr>
+          <p:nvPr>
+            <p:ph type="dt" sz="half" idx="10"/>
+          </p:nvPr>
+        </p:nvSpPr>
+        <p:spPr/>
+        <p:txBody>
+          <a:bodyPr/>
+          <a:lstStyle/>
+          <a:p>
+            <a:endParaRPr lang="en-GB" noProof="0" dirty="0"/>
+          </a:p>
+        </p:txBody>
+      </p:sp>
+      <p:sp>
+        <p:nvSpPr>
+          <p:cNvPr id="5" name="Footer Placeholder 4"/>
+          <p:cNvSpPr>
+            <a:spLocks noGrp="1"/>
+          </p:cNvSpPr>
+          <p:nvPr>
+            <p:ph type="ftr" sz="quarter" idx="11"/>
+          </p:nvPr>
+        </p:nvSpPr>
+        <p:spPr/>
+        <p:txBody>
+          <a:bodyPr/>
+          <a:lstStyle/>
+          <a:p>
+            <a:endParaRPr lang="en-GB" noProof="0" dirty="0"/>
+          </a:p>
+        </p:txBody>
+      </p:sp>
+      <p:sp>
+        <p:nvSpPr>
+          <p:cNvPr id="6" name="Slide Number Placeholder 5"/>
+          <p:cNvSpPr>
+            <a:spLocks noGrp="1"/>
+          </p:cNvSpPr>
+          <p:nvPr>
+            <p:ph type="sldNum" sz="quarter" idx="12"/>
+          </p:nvPr>
+        </p:nvSpPr>
+        <p:spPr/>
+        <p:txBody>
+          <a:bodyPr/>
+          <a:lstStyle/>
+          <a:p>
+            <a:fld id="{859873C9-BF5D-4A9A-BB31-45BBB7BABAF7}" type="slidenum">
+              <a:rPr lang="en-GB" noProof="0" smtClean="0"/>
+              <a:t>41</a:t>
+            </a:fld>
+            <a:endParaRPr lang="en-GB" noProof="0" dirty="0"/>
+          </a:p>
+        </p:txBody>
+      </p:sp>
+      <p:sp>
+        <p:nvSpPr>
+          <p:cNvPr id="7" name="Content Placeholder 2">
+            <a:extLst>
+              <a:ext uri="{FF2B5EF4-FFF2-40B4-BE49-F238E27FC236}">
+                <a16:creationId xmlns:a16="http://schemas.microsoft.com/office/drawing/2014/main" id="{236D5AD3-798D-4235-9534-A03E209C626B}"/>
+              </a:ext>
+            </a:extLst>
+          </p:cNvPr>
+          <p:cNvSpPr txBox="1">
+            <a:spLocks/>
+          </p:cNvSpPr>
+          <p:nvPr/>
+        </p:nvSpPr>
+        <p:spPr>
+          <a:xfrm>
+            <a:off x="788368" y="1533905"/>
+            <a:ext cx="10621963" cy="4310303"/>
+          </a:xfrm>
+          <a:prstGeom prst="rect">
+            <a:avLst/>
+          </a:prstGeom>
+        </p:spPr>
+        <p:txBody>
+          <a:bodyPr vert="horz" lIns="0" tIns="0" rIns="0" bIns="0" rtlCol="0">
+            <a:noAutofit/>
+          </a:bodyPr>
+          <a:lstStyle>
+            <a:lvl1pPr marL="216000" indent="-216000" algn="l" defTabSz="914400" rtl="0" eaLnBrk="1" latinLnBrk="0" hangingPunct="1">
+              <a:lnSpc>
+                <a:spcPct val="100000"/>
+              </a:lnSpc>
+              <a:spcBef>
+                <a:spcPts val="800"/>
+              </a:spcBef>
+              <a:buClr>
+                <a:schemeClr val="accent1"/>
+              </a:buClr>
+              <a:buFont typeface="Arial" panose="020B0604020202020204" pitchFamily="34" charset="0"/>
+              <a:buChar char="•"/>
+              <a:defRPr sz="2200" kern="1200">
+                <a:solidFill>
+                  <a:schemeClr val="tx1"/>
+                </a:solidFill>
+                <a:latin typeface="+mn-lt"/>
+                <a:ea typeface="+mn-ea"/>
+                <a:cs typeface="+mn-cs"/>
+              </a:defRPr>
+            </a:lvl1pPr>
+            <a:lvl2pPr marL="396000" indent="-180000" algn="l" defTabSz="914400" rtl="0" eaLnBrk="1" latinLnBrk="0" hangingPunct="1">
+              <a:lnSpc>
+                <a:spcPct val="100000"/>
+              </a:lnSpc>
+              <a:spcBef>
+                <a:spcPts val="800"/>
+              </a:spcBef>
+              <a:buFont typeface="Arial" panose="020B0604020202020204" pitchFamily="34" charset="0"/>
+              <a:buChar char="–"/>
+              <a:defRPr sz="1800" kern="1200">
+                <a:solidFill>
+                  <a:schemeClr val="tx1"/>
+                </a:solidFill>
+                <a:latin typeface="+mn-lt"/>
+                <a:ea typeface="+mn-ea"/>
+                <a:cs typeface="+mn-cs"/>
+              </a:defRPr>
+            </a:lvl2pPr>
+            <a:lvl3pPr marL="576000" indent="-180000" algn="l" defTabSz="914400" rtl="0" eaLnBrk="1" latinLnBrk="0" hangingPunct="1">
+              <a:lnSpc>
+                <a:spcPct val="100000"/>
+              </a:lnSpc>
+              <a:spcBef>
+                <a:spcPts val="800"/>
+              </a:spcBef>
+              <a:buFont typeface="Arial" panose="020B0604020202020204" pitchFamily="34" charset="0"/>
+              <a:buChar char="•"/>
+              <a:defRPr sz="1600" kern="1200">
+                <a:solidFill>
+                  <a:schemeClr val="tx1"/>
+                </a:solidFill>
+                <a:latin typeface="+mn-lt"/>
+                <a:ea typeface="+mn-ea"/>
+                <a:cs typeface="+mn-cs"/>
+              </a:defRPr>
+            </a:lvl3pPr>
+            <a:lvl4pPr marL="756000" indent="-180000" algn="l" defTabSz="914400" rtl="0" eaLnBrk="1" latinLnBrk="0" hangingPunct="1">
+              <a:lnSpc>
+                <a:spcPct val="100000"/>
+              </a:lnSpc>
+              <a:spcBef>
+                <a:spcPts val="800"/>
+              </a:spcBef>
+              <a:buFont typeface="Arial" panose="020B0604020202020204" pitchFamily="34" charset="0"/>
+              <a:buChar char="–"/>
+              <a:defRPr sz="1400" kern="1200">
+                <a:solidFill>
+                  <a:schemeClr val="tx1"/>
+                </a:solidFill>
+                <a:latin typeface="+mn-lt"/>
+                <a:ea typeface="+mn-ea"/>
+                <a:cs typeface="+mn-cs"/>
+              </a:defRPr>
+            </a:lvl4pPr>
+            <a:lvl5pPr marL="936000" indent="-180000" algn="l" defTabSz="914400" rtl="0" eaLnBrk="1" latinLnBrk="0" hangingPunct="1">
+              <a:lnSpc>
+                <a:spcPct val="100000"/>
+              </a:lnSpc>
+              <a:spcBef>
+                <a:spcPts val="800"/>
+              </a:spcBef>
+              <a:buFont typeface="Arial" panose="020B0604020202020204" pitchFamily="34" charset="0"/>
+              <a:buChar char="•"/>
+              <a:defRPr sz="1400" kern="1200">
+                <a:solidFill>
+                  <a:schemeClr val="tx1"/>
+                </a:solidFill>
+                <a:latin typeface="+mn-lt"/>
+                <a:ea typeface="+mn-ea"/>
+                <a:cs typeface="+mn-cs"/>
+              </a:defRPr>
+            </a:lvl5pPr>
+            <a:lvl6pPr marL="936000" indent="-180000" algn="l" defTabSz="914400" rtl="0" eaLnBrk="1" latinLnBrk="0" hangingPunct="1">
+              <a:lnSpc>
+                <a:spcPct val="100000"/>
+              </a:lnSpc>
+              <a:spcBef>
+                <a:spcPts val="800"/>
+              </a:spcBef>
+              <a:buFont typeface="Arial" panose="020B0604020202020204" pitchFamily="34" charset="0"/>
+              <a:buChar char="•"/>
+              <a:defRPr sz="1400" kern="1200">
+                <a:solidFill>
+                  <a:schemeClr val="tx1"/>
+                </a:solidFill>
+                <a:latin typeface="+mn-lt"/>
+                <a:ea typeface="+mn-ea"/>
+                <a:cs typeface="+mn-cs"/>
+              </a:defRPr>
+            </a:lvl6pPr>
+            <a:lvl7pPr marL="936000" indent="-180000" algn="l" defTabSz="914400" rtl="0" eaLnBrk="1" latinLnBrk="0" hangingPunct="1">
+              <a:lnSpc>
+                <a:spcPct val="100000"/>
+              </a:lnSpc>
+              <a:spcBef>
+                <a:spcPts val="800"/>
+              </a:spcBef>
+              <a:buFont typeface="Arial" panose="020B0604020202020204" pitchFamily="34" charset="0"/>
+              <a:buChar char="•"/>
+              <a:defRPr sz="1400" kern="1200" baseline="0">
+                <a:solidFill>
+                  <a:schemeClr val="tx1"/>
+                </a:solidFill>
+                <a:latin typeface="+mn-lt"/>
+                <a:ea typeface="+mn-ea"/>
+                <a:cs typeface="+mn-cs"/>
+              </a:defRPr>
+            </a:lvl7pPr>
+            <a:lvl8pPr marL="936000" indent="-180000" algn="l" defTabSz="914400" rtl="0" eaLnBrk="1" latinLnBrk="0" hangingPunct="1">
+              <a:lnSpc>
+                <a:spcPct val="100000"/>
+              </a:lnSpc>
+              <a:spcBef>
+                <a:spcPts val="800"/>
+              </a:spcBef>
+              <a:buFont typeface="Arial" panose="020B0604020202020204" pitchFamily="34" charset="0"/>
+              <a:buChar char="•"/>
+              <a:defRPr sz="1400" kern="1200">
+                <a:solidFill>
+                  <a:schemeClr val="tx1"/>
+                </a:solidFill>
+                <a:latin typeface="+mn-lt"/>
+                <a:ea typeface="+mn-ea"/>
+                <a:cs typeface="+mn-cs"/>
+              </a:defRPr>
+            </a:lvl8pPr>
+            <a:lvl9pPr marL="936000" indent="-180000" algn="l" defTabSz="914400" rtl="0" eaLnBrk="1" latinLnBrk="0" hangingPunct="1">
+              <a:lnSpc>
+                <a:spcPct val="100000"/>
+              </a:lnSpc>
+              <a:spcBef>
+                <a:spcPts val="800"/>
+              </a:spcBef>
+              <a:buFont typeface="Arial" panose="020B0604020202020204" pitchFamily="34" charset="0"/>
+              <a:buChar char="•"/>
+              <a:defRPr sz="1400" kern="1200" baseline="0">
+                <a:solidFill>
+                  <a:schemeClr val="tx1"/>
+                </a:solidFill>
+                <a:latin typeface="+mn-lt"/>
+                <a:ea typeface="+mn-ea"/>
+                <a:cs typeface="+mn-cs"/>
+              </a:defRPr>
+            </a:lvl9pPr>
+          </a:lstStyle>
+          <a:p>
+            <a:r>
+              <a:rPr lang="en-US" sz="3200" dirty="0"/>
+              <a:t>Share project on GitHub</a:t>
+            </a:r>
+          </a:p>
+          <a:p>
+            <a:r>
+              <a:rPr lang="en-US" sz="3200" dirty="0"/>
+              <a:t>Create some changes on a new branch</a:t>
+            </a:r>
+          </a:p>
+          <a:p>
+            <a:r>
+              <a:rPr lang="en-US" sz="3200" dirty="0"/>
+              <a:t>Create a pull request</a:t>
+            </a:r>
+          </a:p>
+          <a:p>
+            <a:r>
+              <a:rPr lang="en-US" sz="3200" dirty="0"/>
+              <a:t>Merge PR (in the browser)</a:t>
+            </a:r>
+          </a:p>
+        </p:txBody>
+      </p:sp>
+    </p:spTree>
+    <p:extLst>
+      <p:ext uri="{BB962C8B-B14F-4D97-AF65-F5344CB8AC3E}">
+        <p14:creationId xmlns:p14="http://schemas.microsoft.com/office/powerpoint/2010/main" val="1045564446"/>
+      </p:ext>
+    </p:extLst>
+  </p:cSld>
+  <p:clrMapOvr>
+    <a:masterClrMapping/>
+  </p:clrMapOvr>
+</p:sld>
+</file>
+
+<file path=ppt/slides/slide42.xml><?xml version="1.0" encoding="utf-8"?>
+<p:sld xmlns:a="http://schemas.openxmlformats.org/drawingml/2006/main" xmlns:r="http://schemas.openxmlformats.org/officeDocument/2006/relationships" xmlns:p="http://schemas.openxmlformats.org/presentationml/2006/main">
+  <p:cSld>
+    <p:spTree>
+      <p:nvGrpSpPr>
+        <p:cNvPr id="1" name=""/>
+        <p:cNvGrpSpPr/>
+        <p:nvPr/>
+      </p:nvGrpSpPr>
+      <p:grpSpPr>
+        <a:xfrm>
+          <a:off x="0" y="0"/>
+          <a:ext cx="0" cy="0"/>
+          <a:chOff x="0" y="0"/>
+          <a:chExt cx="0" cy="0"/>
+        </a:xfrm>
+      </p:grpSpPr>
+      <p:sp>
+        <p:nvSpPr>
+          <p:cNvPr id="2" name="Title 1"/>
+          <p:cNvSpPr>
+            <a:spLocks noGrp="1"/>
+          </p:cNvSpPr>
+          <p:nvPr>
+            <p:ph type="title"/>
+          </p:nvPr>
+        </p:nvSpPr>
+        <p:spPr>
+          <a:xfrm>
+            <a:off x="784224" y="481665"/>
+            <a:ext cx="10671175" cy="1052240"/>
+          </a:xfrm>
+        </p:spPr>
+        <p:txBody>
+          <a:bodyPr/>
+          <a:lstStyle/>
+          <a:p>
+            <a:r>
+              <a:rPr lang="en-US" dirty="0"/>
+              <a:t>Task</a:t>
+            </a:r>
+            <a:r>
+              <a:rPr lang="lt-LT" dirty="0"/>
+              <a:t> </a:t>
+            </a:r>
+            <a:r>
+              <a:rPr lang="en-US" dirty="0"/>
+              <a:t>#10</a:t>
+            </a:r>
+            <a:endParaRPr lang="lt-LT" dirty="0"/>
+          </a:p>
+        </p:txBody>
+      </p:sp>
+      <p:sp>
+        <p:nvSpPr>
+          <p:cNvPr id="4" name="Date Placeholder 3"/>
+          <p:cNvSpPr>
+            <a:spLocks noGrp="1"/>
+          </p:cNvSpPr>
+          <p:nvPr>
+            <p:ph type="dt" sz="half" idx="10"/>
+          </p:nvPr>
+        </p:nvSpPr>
+        <p:spPr/>
+        <p:txBody>
+          <a:bodyPr/>
+          <a:lstStyle/>
+          <a:p>
+            <a:endParaRPr lang="en-GB" noProof="0" dirty="0"/>
+          </a:p>
+        </p:txBody>
+      </p:sp>
+      <p:sp>
+        <p:nvSpPr>
+          <p:cNvPr id="5" name="Footer Placeholder 4"/>
+          <p:cNvSpPr>
+            <a:spLocks noGrp="1"/>
+          </p:cNvSpPr>
+          <p:nvPr>
+            <p:ph type="ftr" sz="quarter" idx="11"/>
+          </p:nvPr>
+        </p:nvSpPr>
+        <p:spPr/>
+        <p:txBody>
+          <a:bodyPr/>
+          <a:lstStyle/>
+          <a:p>
+            <a:endParaRPr lang="en-GB" noProof="0" dirty="0"/>
+          </a:p>
+        </p:txBody>
+      </p:sp>
+      <p:sp>
+        <p:nvSpPr>
+          <p:cNvPr id="6" name="Slide Number Placeholder 5"/>
+          <p:cNvSpPr>
+            <a:spLocks noGrp="1"/>
+          </p:cNvSpPr>
+          <p:nvPr>
+            <p:ph type="sldNum" sz="quarter" idx="12"/>
+          </p:nvPr>
+        </p:nvSpPr>
+        <p:spPr/>
+        <p:txBody>
+          <a:bodyPr/>
+          <a:lstStyle/>
+          <a:p>
+            <a:fld id="{859873C9-BF5D-4A9A-BB31-45BBB7BABAF7}" type="slidenum">
+              <a:rPr lang="en-GB" noProof="0" smtClean="0"/>
+              <a:t>42</a:t>
             </a:fld>
             <a:endParaRPr lang="en-GB" noProof="0" dirty="0"/>
           </a:p>
@@ -24750,8 +25338,13 @@
           <a:p>
             <a:r>
               <a:rPr lang="en-US" dirty="0"/>
-              <a:t>Create Repositories</a:t>
-            </a:r>
+              <a:t>Configure </a:t>
+            </a:r>
+            <a:r>
+              <a:rPr lang="lt-LT" dirty="0" err="1"/>
+              <a:t>Git</a:t>
+            </a:r>
+            <a:endParaRPr lang="en-US" dirty="0"/>
           </a:p>
         </p:txBody>
       </p:sp>
@@ -24779,36 +25372,45 @@
               <a:buNone/>
             </a:pPr>
             <a:r>
-              <a:rPr lang="lt-LT" sz="2800" b="1" dirty="0" err="1"/>
-              <a:t>git</a:t>
-            </a:r>
-            <a:r>
-              <a:rPr lang="lt-LT" sz="2800" b="1" dirty="0"/>
-              <a:t> </a:t>
-            </a:r>
-            <a:r>
-              <a:rPr lang="lt-LT" sz="2800" b="1" dirty="0" err="1"/>
-              <a:t>init</a:t>
-            </a:r>
-            <a:r>
-              <a:rPr lang="lt-LT" sz="2800" b="1" dirty="0"/>
-              <a:t> [</a:t>
-            </a:r>
-            <a:r>
-              <a:rPr lang="lt-LT" sz="2800" b="1" dirty="0" err="1"/>
-              <a:t>project</a:t>
-            </a:r>
-            <a:r>
-              <a:rPr lang="lt-LT" sz="2800" b="1" dirty="0"/>
-              <a:t>-name]</a:t>
-            </a:r>
-            <a:endParaRPr lang="en-US" sz="2800" b="1" dirty="0"/>
+              <a:rPr lang="en-US" sz="2800" b="1" dirty="0"/>
+              <a:t>git config --global user.name "[name]"</a:t>
+            </a:r>
           </a:p>
           <a:p>
             <a:pPr lvl="1"/>
             <a:r>
               <a:rPr lang="en-US" sz="2400" dirty="0"/>
-              <a:t> Creates a new local repository with the specified name</a:t>
+              <a:t> Sets the name you want attached to your commit transactions</a:t>
+            </a:r>
+          </a:p>
+          <a:p>
+            <a:pPr marL="0" indent="0">
+              <a:buNone/>
+            </a:pPr>
+            <a:endParaRPr lang="en-US" sz="2400" dirty="0"/>
+          </a:p>
+          <a:p>
+            <a:pPr marL="0" indent="0">
+              <a:buNone/>
+            </a:pPr>
+            <a:r>
+              <a:rPr lang="en-US" sz="2800" b="1" dirty="0"/>
+              <a:t>git config --global </a:t>
+            </a:r>
+            <a:r>
+              <a:rPr lang="en-US" sz="2800" b="1" dirty="0" err="1"/>
+              <a:t>user.email</a:t>
+            </a:r>
+            <a:r>
+              <a:rPr lang="en-US" sz="2800" b="1" dirty="0"/>
+              <a:t> "[email address]"</a:t>
+            </a:r>
+          </a:p>
+          <a:p>
+            <a:pPr lvl="1"/>
+            <a:r>
+              <a:rPr lang="en-US" sz="2400" dirty="0"/>
+              <a:t> Sets the email you want attached to your commit transactions</a:t>
             </a:r>
           </a:p>
           <a:p>
@@ -24817,6 +25419,140 @@
             </a:pPr>
             <a:endParaRPr lang="en-US" sz="2400" dirty="0"/>
           </a:p>
+        </p:txBody>
+      </p:sp>
+      <p:sp>
+        <p:nvSpPr>
+          <p:cNvPr id="4" name="Date Placeholder 3"/>
+          <p:cNvSpPr>
+            <a:spLocks noGrp="1"/>
+          </p:cNvSpPr>
+          <p:nvPr>
+            <p:ph type="dt" sz="half" idx="10"/>
+          </p:nvPr>
+        </p:nvSpPr>
+        <p:spPr/>
+        <p:txBody>
+          <a:bodyPr/>
+          <a:lstStyle/>
+          <a:p>
+            <a:endParaRPr lang="en-GB" noProof="0" dirty="0"/>
+          </a:p>
+        </p:txBody>
+      </p:sp>
+      <p:sp>
+        <p:nvSpPr>
+          <p:cNvPr id="5" name="Footer Placeholder 4"/>
+          <p:cNvSpPr>
+            <a:spLocks noGrp="1"/>
+          </p:cNvSpPr>
+          <p:nvPr>
+            <p:ph type="ftr" sz="quarter" idx="11"/>
+          </p:nvPr>
+        </p:nvSpPr>
+        <p:spPr/>
+        <p:txBody>
+          <a:bodyPr/>
+          <a:lstStyle/>
+          <a:p>
+            <a:endParaRPr lang="en-GB" noProof="0" dirty="0"/>
+          </a:p>
+        </p:txBody>
+      </p:sp>
+      <p:sp>
+        <p:nvSpPr>
+          <p:cNvPr id="6" name="Slide Number Placeholder 5"/>
+          <p:cNvSpPr>
+            <a:spLocks noGrp="1"/>
+          </p:cNvSpPr>
+          <p:nvPr>
+            <p:ph type="sldNum" sz="quarter" idx="12"/>
+          </p:nvPr>
+        </p:nvSpPr>
+        <p:spPr/>
+        <p:txBody>
+          <a:bodyPr/>
+          <a:lstStyle/>
+          <a:p>
+            <a:fld id="{859873C9-BF5D-4A9A-BB31-45BBB7BABAF7}" type="slidenum">
+              <a:rPr lang="en-GB" noProof="0" smtClean="0"/>
+              <a:t>5</a:t>
+            </a:fld>
+            <a:endParaRPr lang="en-GB" noProof="0" dirty="0"/>
+          </a:p>
+        </p:txBody>
+      </p:sp>
+    </p:spTree>
+    <p:extLst>
+      <p:ext uri="{BB962C8B-B14F-4D97-AF65-F5344CB8AC3E}">
+        <p14:creationId xmlns:p14="http://schemas.microsoft.com/office/powerpoint/2010/main" val="2675022469"/>
+      </p:ext>
+    </p:extLst>
+  </p:cSld>
+  <p:clrMapOvr>
+    <a:masterClrMapping/>
+  </p:clrMapOvr>
+</p:sld>
+</file>
+
+<file path=ppt/slides/slide6.xml><?xml version="1.0" encoding="utf-8"?>
+<p:sld xmlns:a="http://schemas.openxmlformats.org/drawingml/2006/main" xmlns:r="http://schemas.openxmlformats.org/officeDocument/2006/relationships" xmlns:p="http://schemas.openxmlformats.org/presentationml/2006/main">
+  <p:cSld>
+    <p:spTree>
+      <p:nvGrpSpPr>
+        <p:cNvPr id="1" name=""/>
+        <p:cNvGrpSpPr/>
+        <p:nvPr/>
+      </p:nvGrpSpPr>
+      <p:grpSpPr>
+        <a:xfrm>
+          <a:off x="0" y="0"/>
+          <a:ext cx="0" cy="0"/>
+          <a:chOff x="0" y="0"/>
+          <a:chExt cx="0" cy="0"/>
+        </a:xfrm>
+      </p:grpSpPr>
+      <p:sp>
+        <p:nvSpPr>
+          <p:cNvPr id="2" name="Title 1"/>
+          <p:cNvSpPr>
+            <a:spLocks noGrp="1"/>
+          </p:cNvSpPr>
+          <p:nvPr>
+            <p:ph type="title"/>
+          </p:nvPr>
+        </p:nvSpPr>
+        <p:spPr/>
+        <p:txBody>
+          <a:bodyPr/>
+          <a:lstStyle/>
+          <a:p>
+            <a:r>
+              <a:rPr lang="en-US" dirty="0"/>
+              <a:t>Create Repositories</a:t>
+            </a:r>
+          </a:p>
+        </p:txBody>
+      </p:sp>
+      <p:sp>
+        <p:nvSpPr>
+          <p:cNvPr id="3" name="Content Placeholder 2"/>
+          <p:cNvSpPr>
+            <a:spLocks noGrp="1"/>
+          </p:cNvSpPr>
+          <p:nvPr>
+            <p:ph idx="1"/>
+          </p:nvPr>
+        </p:nvSpPr>
+        <p:spPr>
+          <a:xfrm>
+            <a:off x="809624" y="1533905"/>
+            <a:ext cx="10621963" cy="4310303"/>
+          </a:xfrm>
+        </p:spPr>
+        <p:txBody>
+          <a:bodyPr/>
+          <a:lstStyle/>
           <a:p>
             <a:pPr marL="0" indent="0">
               <a:buNone/>
@@ -24831,7 +25567,7 @@
             </a:r>
             <a:r>
               <a:rPr lang="lt-LT" sz="2800" b="1" dirty="0" err="1"/>
-              <a:t>clone</a:t>
+              <a:t>init</a:t>
             </a:r>
             <a:r>
               <a:rPr lang="lt-LT" sz="2800" b="1" dirty="0"/>
@@ -24839,6 +25575,49 @@
             </a:r>
             <a:r>
               <a:rPr lang="lt-LT" sz="2800" b="1" dirty="0" err="1"/>
+              <a:t>project</a:t>
+            </a:r>
+            <a:r>
+              <a:rPr lang="lt-LT" sz="2800" b="1" dirty="0"/>
+              <a:t>-name]</a:t>
+            </a:r>
+            <a:endParaRPr lang="en-US" sz="2800" b="1" dirty="0"/>
+          </a:p>
+          <a:p>
+            <a:pPr lvl="1"/>
+            <a:r>
+              <a:rPr lang="en-US" sz="2400" dirty="0"/>
+              <a:t> Creates a new local repository with the specified name</a:t>
+            </a:r>
+          </a:p>
+          <a:p>
+            <a:pPr marL="216000" lvl="1" indent="0">
+              <a:buNone/>
+            </a:pPr>
+            <a:endParaRPr lang="en-US" sz="2400" dirty="0"/>
+          </a:p>
+          <a:p>
+            <a:pPr marL="0" indent="0">
+              <a:buNone/>
+            </a:pPr>
+            <a:r>
+              <a:rPr lang="lt-LT" sz="2800" b="1" dirty="0" err="1"/>
+              <a:t>git</a:t>
+            </a:r>
+            <a:r>
+              <a:rPr lang="lt-LT" sz="2800" b="1" dirty="0"/>
+              <a:t> </a:t>
+            </a:r>
+            <a:r>
+              <a:rPr lang="lt-LT" sz="2800" b="1" dirty="0" err="1"/>
+              <a:t>clone</a:t>
+            </a:r>
+            <a:r>
+              <a:rPr lang="lt-LT" sz="2800" b="1" dirty="0"/>
+              <a:t> [</a:t>
+            </a:r>
+            <a:r>
+              <a:rPr lang="lt-LT" sz="2800" b="1" dirty="0" err="1"/>
               <a:t>url</a:t>
             </a:r>
             <a:r>
@@ -24911,7 +25690,7 @@
           <a:p>
             <a:fld id="{859873C9-BF5D-4A9A-BB31-45BBB7BABAF7}" type="slidenum">
               <a:rPr lang="en-GB" noProof="0" smtClean="0"/>
-              <a:t>5</a:t>
+              <a:t>6</a:t>
             </a:fld>
             <a:endParaRPr lang="en-GB" noProof="0" dirty="0"/>
           </a:p>
@@ -24930,7 +25709,195 @@
 </p:sld>
 </file>
 
-<file path=ppt/slides/slide6.xml><?xml version="1.0" encoding="utf-8"?>
+<file path=ppt/slides/slide7.xml><?xml version="1.0" encoding="utf-8"?>
+<p:sld xmlns:a="http://schemas.openxmlformats.org/drawingml/2006/main" xmlns:r="http://schemas.openxmlformats.org/officeDocument/2006/relationships" xmlns:p="http://schemas.openxmlformats.org/presentationml/2006/main">
+  <p:cSld>
+    <p:spTree>
+      <p:nvGrpSpPr>
+        <p:cNvPr id="1" name=""/>
+        <p:cNvGrpSpPr/>
+        <p:nvPr/>
+      </p:nvGrpSpPr>
+      <p:grpSpPr>
+        <a:xfrm>
+          <a:off x="0" y="0"/>
+          <a:ext cx="0" cy="0"/>
+          <a:chOff x="0" y="0"/>
+          <a:chExt cx="0" cy="0"/>
+        </a:xfrm>
+      </p:grpSpPr>
+      <p:sp>
+        <p:nvSpPr>
+          <p:cNvPr id="2" name="Title 1"/>
+          <p:cNvSpPr>
+            <a:spLocks noGrp="1"/>
+          </p:cNvSpPr>
+          <p:nvPr>
+            <p:ph type="title"/>
+          </p:nvPr>
+        </p:nvSpPr>
+        <p:spPr/>
+        <p:txBody>
+          <a:bodyPr/>
+          <a:lstStyle/>
+          <a:p>
+            <a:r>
+              <a:rPr lang="lt-LT" dirty="0" err="1"/>
+              <a:t>Check</a:t>
+            </a:r>
+            <a:r>
+              <a:rPr lang="en-US" dirty="0"/>
+              <a:t> changes</a:t>
+            </a:r>
+          </a:p>
+        </p:txBody>
+      </p:sp>
+      <p:sp>
+        <p:nvSpPr>
+          <p:cNvPr id="3" name="Content Placeholder 2"/>
+          <p:cNvSpPr>
+            <a:spLocks noGrp="1"/>
+          </p:cNvSpPr>
+          <p:nvPr>
+            <p:ph idx="1"/>
+          </p:nvPr>
+        </p:nvSpPr>
+        <p:spPr>
+          <a:xfrm>
+            <a:off x="809624" y="1533905"/>
+            <a:ext cx="9764341" cy="4310303"/>
+          </a:xfrm>
+        </p:spPr>
+        <p:txBody>
+          <a:bodyPr/>
+          <a:lstStyle/>
+          <a:p>
+            <a:pPr marL="0" indent="0">
+              <a:buNone/>
+            </a:pPr>
+            <a:r>
+              <a:rPr lang="lt-LT" sz="2800" b="1" dirty="0" err="1"/>
+              <a:t>git</a:t>
+            </a:r>
+            <a:r>
+              <a:rPr lang="lt-LT" sz="2800" b="1" dirty="0"/>
+              <a:t> status</a:t>
+            </a:r>
+            <a:endParaRPr lang="en-US" sz="2800" b="1" dirty="0"/>
+          </a:p>
+          <a:p>
+            <a:pPr lvl="1"/>
+            <a:r>
+              <a:rPr lang="en-US" sz="2400" dirty="0"/>
+              <a:t> Lists all new or modified files to be committed</a:t>
+            </a:r>
+          </a:p>
+          <a:p>
+            <a:pPr lvl="1"/>
+            <a:endParaRPr lang="en-US" sz="2400" dirty="0"/>
+          </a:p>
+          <a:p>
+            <a:pPr marL="0" indent="0">
+              <a:buNone/>
+            </a:pPr>
+            <a:r>
+              <a:rPr lang="lt-LT" sz="2800" b="1" dirty="0" err="1"/>
+              <a:t>git</a:t>
+            </a:r>
+            <a:r>
+              <a:rPr lang="lt-LT" sz="2800" b="1" dirty="0"/>
+              <a:t> </a:t>
+            </a:r>
+            <a:r>
+              <a:rPr lang="lt-LT" sz="2800" b="1" dirty="0" err="1"/>
+              <a:t>log</a:t>
+            </a:r>
+            <a:endParaRPr lang="en-US" sz="2800" b="1" dirty="0"/>
+          </a:p>
+          <a:p>
+            <a:pPr lvl="1"/>
+            <a:r>
+              <a:rPr lang="en-US" sz="2400" dirty="0"/>
+              <a:t> Show commit logs</a:t>
+            </a:r>
+          </a:p>
+        </p:txBody>
+      </p:sp>
+      <p:sp>
+        <p:nvSpPr>
+          <p:cNvPr id="4" name="Date Placeholder 3"/>
+          <p:cNvSpPr>
+            <a:spLocks noGrp="1"/>
+          </p:cNvSpPr>
+          <p:nvPr>
+            <p:ph type="dt" sz="half" idx="10"/>
+          </p:nvPr>
+        </p:nvSpPr>
+        <p:spPr/>
+        <p:txBody>
+          <a:bodyPr/>
+          <a:lstStyle/>
+          <a:p>
+            <a:endParaRPr lang="en-GB" noProof="0" dirty="0"/>
+          </a:p>
+        </p:txBody>
+      </p:sp>
+      <p:sp>
+        <p:nvSpPr>
+          <p:cNvPr id="5" name="Footer Placeholder 4"/>
+          <p:cNvSpPr>
+            <a:spLocks noGrp="1"/>
+          </p:cNvSpPr>
+          <p:nvPr>
+            <p:ph type="ftr" sz="quarter" idx="11"/>
+          </p:nvPr>
+        </p:nvSpPr>
+        <p:spPr/>
+        <p:txBody>
+          <a:bodyPr/>
+          <a:lstStyle/>
+          <a:p>
+            <a:endParaRPr lang="en-GB" noProof="0" dirty="0"/>
+          </a:p>
+        </p:txBody>
+      </p:sp>
+      <p:sp>
+        <p:nvSpPr>
+          <p:cNvPr id="6" name="Slide Number Placeholder 5"/>
+          <p:cNvSpPr>
+            <a:spLocks noGrp="1"/>
+          </p:cNvSpPr>
+          <p:nvPr>
+            <p:ph type="sldNum" sz="quarter" idx="12"/>
+          </p:nvPr>
+        </p:nvSpPr>
+        <p:spPr/>
+        <p:txBody>
+          <a:bodyPr/>
+          <a:lstStyle/>
+          <a:p>
+            <a:fld id="{859873C9-BF5D-4A9A-BB31-45BBB7BABAF7}" type="slidenum">
+              <a:rPr lang="en-GB" noProof="0" smtClean="0"/>
+              <a:t>7</a:t>
+            </a:fld>
+            <a:endParaRPr lang="en-GB" noProof="0" dirty="0"/>
+          </a:p>
+        </p:txBody>
+      </p:sp>
+    </p:spTree>
+    <p:extLst>
+      <p:ext uri="{BB962C8B-B14F-4D97-AF65-F5344CB8AC3E}">
+        <p14:creationId xmlns:p14="http://schemas.microsoft.com/office/powerpoint/2010/main" val="821609019"/>
+      </p:ext>
+    </p:extLst>
+  </p:cSld>
+  <p:clrMapOvr>
+    <a:masterClrMapping/>
+  </p:clrMapOvr>
+</p:sld>
+</file>
+
+<file path=ppt/slides/slide8.xml><?xml version="1.0" encoding="utf-8"?>
 <p:sld xmlns:a="http://schemas.openxmlformats.org/drawingml/2006/main" xmlns:r="http://schemas.openxmlformats.org/officeDocument/2006/relationships" xmlns:p="http://schemas.openxmlformats.org/presentationml/2006/main">
   <p:cSld>
     <p:spTree>
@@ -24969,7 +25936,7 @@
         </p:blipFill>
         <p:spPr>
           <a:xfrm>
-            <a:off x="6675154" y="2586145"/>
+            <a:off x="6722187" y="1533716"/>
             <a:ext cx="5469813" cy="3150336"/>
           </a:xfrm>
           <a:prstGeom prst="rect">
@@ -25028,7 +25995,23 @@
             </a:r>
             <a:r>
               <a:rPr lang="lt-LT" sz="2800" b="1" dirty="0"/>
-              <a:t> status</a:t>
+              <a:t> </a:t>
+            </a:r>
+            <a:r>
+              <a:rPr lang="lt-LT" sz="2800" b="1" dirty="0" err="1"/>
+              <a:t>add</a:t>
+            </a:r>
+            <a:r>
+              <a:rPr lang="lt-LT" sz="2800" b="1" dirty="0"/>
+              <a:t> [</a:t>
+            </a:r>
+            <a:r>
+              <a:rPr lang="lt-LT" sz="2800" b="1" dirty="0" err="1"/>
+              <a:t>file</a:t>
+            </a:r>
+            <a:r>
+              <a:rPr lang="lt-LT" sz="2800" b="1" dirty="0"/>
+              <a:t>]</a:t>
             </a:r>
             <a:endParaRPr lang="en-US" sz="2800" b="1" dirty="0"/>
           </a:p>
@@ -25036,7 +26019,7 @@
             <a:pPr lvl="1"/>
             <a:r>
               <a:rPr lang="en-US" sz="2400" dirty="0"/>
-              <a:t> Lists all new or modified files to be committed</a:t>
+              <a:t> Snapshots the file in preparation for versioning</a:t>
             </a:r>
           </a:p>
           <a:p>
@@ -25048,28 +26031,8 @@
               <a:buNone/>
             </a:pPr>
             <a:r>
-              <a:rPr lang="lt-LT" sz="2800" b="1" dirty="0" err="1"/>
-              <a:t>git</a:t>
-            </a:r>
-            <a:r>
-              <a:rPr lang="lt-LT" sz="2800" b="1" dirty="0"/>
-              <a:t> </a:t>
-            </a:r>
-            <a:r>
-              <a:rPr lang="lt-LT" sz="2800" b="1" dirty="0" err="1"/>
-              <a:t>add</a:t>
-            </a:r>
-            <a:r>
-              <a:rPr lang="lt-LT" sz="2800" b="1" dirty="0"/>
-              <a:t> [</a:t>
-            </a:r>
-            <a:r>
-              <a:rPr lang="lt-LT" sz="2800" b="1" dirty="0" err="1"/>
-              <a:t>file</a:t>
-            </a:r>
-            <a:r>
-              <a:rPr lang="lt-LT" sz="2800" b="1" dirty="0"/>
-              <a:t>]</a:t>
+              <a:rPr lang="fr-FR" sz="2800" b="1" dirty="0"/>
+              <a:t>git commit -m "[descriptive message]"</a:t>
             </a:r>
             <a:endParaRPr lang="en-US" sz="2800" b="1" dirty="0"/>
           </a:p>
@@ -25077,441 +26040,12 @@
             <a:pPr lvl="1"/>
             <a:r>
               <a:rPr lang="en-US" sz="2400" dirty="0"/>
-              <a:t> Snapshots the file in preparation for versioning</a:t>
+              <a:t> Records the file snapshots permanently in version history</a:t>
             </a:r>
           </a:p>
           <a:p>
             <a:pPr lvl="1"/>
             <a:endParaRPr lang="en-US" sz="2400" dirty="0"/>
-          </a:p>
-          <a:p>
-            <a:pPr marL="0" indent="0">
-              <a:buNone/>
-            </a:pPr>
-            <a:r>
-              <a:rPr lang="fr-FR" sz="2800" b="1" dirty="0"/>
-              <a:t>git commit -m "[descriptive message]"</a:t>
-            </a:r>
-            <a:endParaRPr lang="en-US" sz="2800" b="1" dirty="0"/>
-          </a:p>
-          <a:p>
-            <a:pPr lvl="1"/>
-            <a:r>
-              <a:rPr lang="en-US" sz="2400" dirty="0"/>
-              <a:t> Records the file snapshots permanently in version history</a:t>
-            </a:r>
-          </a:p>
-          <a:p>
-            <a:pPr lvl="1"/>
-            <a:endParaRPr lang="en-US" sz="2400" dirty="0"/>
-          </a:p>
-        </p:txBody>
-      </p:sp>
-      <p:sp>
-        <p:nvSpPr>
-          <p:cNvPr id="4" name="Date Placeholder 3"/>
-          <p:cNvSpPr>
-            <a:spLocks noGrp="1"/>
-          </p:cNvSpPr>
-          <p:nvPr>
-            <p:ph type="dt" sz="half" idx="10"/>
-          </p:nvPr>
-        </p:nvSpPr>
-        <p:spPr/>
-        <p:txBody>
-          <a:bodyPr/>
-          <a:lstStyle/>
-          <a:p>
-            <a:endParaRPr lang="en-GB" noProof="0" dirty="0"/>
-          </a:p>
-        </p:txBody>
-      </p:sp>
-      <p:sp>
-        <p:nvSpPr>
-          <p:cNvPr id="5" name="Footer Placeholder 4"/>
-          <p:cNvSpPr>
-            <a:spLocks noGrp="1"/>
-          </p:cNvSpPr>
-          <p:nvPr>
-            <p:ph type="ftr" sz="quarter" idx="11"/>
-          </p:nvPr>
-        </p:nvSpPr>
-        <p:spPr/>
-        <p:txBody>
-          <a:bodyPr/>
-          <a:lstStyle/>
-          <a:p>
-            <a:endParaRPr lang="en-GB" noProof="0" dirty="0"/>
-          </a:p>
-        </p:txBody>
-      </p:sp>
-      <p:sp>
-        <p:nvSpPr>
-          <p:cNvPr id="6" name="Slide Number Placeholder 5"/>
-          <p:cNvSpPr>
-            <a:spLocks noGrp="1"/>
-          </p:cNvSpPr>
-          <p:nvPr>
-            <p:ph type="sldNum" sz="quarter" idx="12"/>
-          </p:nvPr>
-        </p:nvSpPr>
-        <p:spPr/>
-        <p:txBody>
-          <a:bodyPr/>
-          <a:lstStyle/>
-          <a:p>
-            <a:fld id="{859873C9-BF5D-4A9A-BB31-45BBB7BABAF7}" type="slidenum">
-              <a:rPr lang="en-GB" noProof="0" smtClean="0"/>
-              <a:t>6</a:t>
-            </a:fld>
-            <a:endParaRPr lang="en-GB" noProof="0" dirty="0"/>
-          </a:p>
-        </p:txBody>
-      </p:sp>
-    </p:spTree>
-    <p:extLst>
-      <p:ext uri="{BB962C8B-B14F-4D97-AF65-F5344CB8AC3E}">
-        <p14:creationId xmlns:p14="http://schemas.microsoft.com/office/powerpoint/2010/main" val="4289592580"/>
-      </p:ext>
-    </p:extLst>
-  </p:cSld>
-  <p:clrMapOvr>
-    <a:masterClrMapping/>
-  </p:clrMapOvr>
-</p:sld>
-</file>
-
-<file path=ppt/slides/slide7.xml><?xml version="1.0" encoding="utf-8"?>
-<p:sld xmlns:a="http://schemas.openxmlformats.org/drawingml/2006/main" xmlns:r="http://schemas.openxmlformats.org/officeDocument/2006/relationships" xmlns:p="http://schemas.openxmlformats.org/presentationml/2006/main">
-  <p:cSld>
-    <p:spTree>
-      <p:nvGrpSpPr>
-        <p:cNvPr id="1" name=""/>
-        <p:cNvGrpSpPr/>
-        <p:nvPr/>
-      </p:nvGrpSpPr>
-      <p:grpSpPr>
-        <a:xfrm>
-          <a:off x="0" y="0"/>
-          <a:ext cx="0" cy="0"/>
-          <a:chOff x="0" y="0"/>
-          <a:chExt cx="0" cy="0"/>
-        </a:xfrm>
-      </p:grpSpPr>
-      <p:pic>
-        <p:nvPicPr>
-          <p:cNvPr id="10" name="Picture Placeholder 9"/>
-          <p:cNvPicPr>
-            <a:picLocks noGrp="1" noChangeAspect="1"/>
-          </p:cNvPicPr>
-          <p:nvPr>
-            <p:ph type="pic" sz="quarter" idx="13"/>
-          </p:nvPr>
-        </p:nvPicPr>
-        <p:blipFill>
-          <a:blip r:embed="rId3">
-            <a:extLst>
-              <a:ext uri="{28A0092B-C50C-407E-A947-70E740481C1C}">
-                <a14:useLocalDpi xmlns:a14="http://schemas.microsoft.com/office/drawing/2010/main" val="0"/>
-              </a:ext>
-            </a:extLst>
-          </a:blip>
-          <a:srcRect l="4" r="4"/>
-          <a:stretch>
-            <a:fillRect/>
-          </a:stretch>
-        </p:blipFill>
-        <p:spPr/>
-      </p:pic>
-      <p:sp>
-        <p:nvSpPr>
-          <p:cNvPr id="7" name="Title 6"/>
-          <p:cNvSpPr>
-            <a:spLocks noGrp="1"/>
-          </p:cNvSpPr>
-          <p:nvPr>
-            <p:ph type="ctrTitle"/>
-          </p:nvPr>
-        </p:nvSpPr>
-        <p:spPr/>
-        <p:txBody>
-          <a:bodyPr/>
-          <a:lstStyle/>
-          <a:p>
-            <a:r>
-              <a:rPr lang="en-US" dirty="0"/>
-              <a:t>Practice</a:t>
-            </a:r>
-            <a:endParaRPr lang="en-GB" dirty="0"/>
-          </a:p>
-        </p:txBody>
-      </p:sp>
-      <p:sp>
-        <p:nvSpPr>
-          <p:cNvPr id="8" name="Subtitle 7"/>
-          <p:cNvSpPr>
-            <a:spLocks noGrp="1"/>
-          </p:cNvSpPr>
-          <p:nvPr>
-            <p:ph type="subTitle" idx="1"/>
-          </p:nvPr>
-        </p:nvSpPr>
-        <p:spPr/>
-        <p:txBody>
-          <a:bodyPr/>
-          <a:lstStyle/>
-          <a:p>
-            <a:pPr>
-              <a:buNone/>
-            </a:pPr>
-            <a:endParaRPr lang="en-GB" dirty="0"/>
-          </a:p>
-        </p:txBody>
-      </p:sp>
-      <p:sp>
-        <p:nvSpPr>
-          <p:cNvPr id="4" name="Date Placeholder 3"/>
-          <p:cNvSpPr>
-            <a:spLocks noGrp="1"/>
-          </p:cNvSpPr>
-          <p:nvPr>
-            <p:ph type="dt" sz="half" idx="10"/>
-          </p:nvPr>
-        </p:nvSpPr>
-        <p:spPr/>
-        <p:txBody>
-          <a:bodyPr/>
-          <a:lstStyle/>
-          <a:p>
-            <a:endParaRPr lang="en-GB" dirty="0"/>
-          </a:p>
-        </p:txBody>
-      </p:sp>
-      <p:sp>
-        <p:nvSpPr>
-          <p:cNvPr id="5" name="Footer Placeholder 4"/>
-          <p:cNvSpPr>
-            <a:spLocks noGrp="1"/>
-          </p:cNvSpPr>
-          <p:nvPr>
-            <p:ph type="ftr" sz="quarter" idx="11"/>
-          </p:nvPr>
-        </p:nvSpPr>
-        <p:spPr/>
-        <p:txBody>
-          <a:bodyPr/>
-          <a:lstStyle/>
-          <a:p>
-            <a:endParaRPr lang="en-GB" dirty="0"/>
-          </a:p>
-        </p:txBody>
-      </p:sp>
-      <p:sp>
-        <p:nvSpPr>
-          <p:cNvPr id="6" name="Slide Number Placeholder 5"/>
-          <p:cNvSpPr>
-            <a:spLocks noGrp="1"/>
-          </p:cNvSpPr>
-          <p:nvPr>
-            <p:ph type="sldNum" sz="quarter" idx="12"/>
-          </p:nvPr>
-        </p:nvSpPr>
-        <p:spPr/>
-        <p:txBody>
-          <a:bodyPr/>
-          <a:lstStyle/>
-          <a:p>
-            <a:fld id="{24C8C45C-947F-4981-8B3F-4F32E973C901}" type="slidenum">
-              <a:rPr lang="en-GB" smtClean="0"/>
-              <a:pPr/>
-              <a:t>7</a:t>
-            </a:fld>
-            <a:endParaRPr lang="en-GB" dirty="0"/>
-          </a:p>
-        </p:txBody>
-      </p:sp>
-    </p:spTree>
-    <p:extLst>
-      <p:ext uri="{BB962C8B-B14F-4D97-AF65-F5344CB8AC3E}">
-        <p14:creationId xmlns:p14="http://schemas.microsoft.com/office/powerpoint/2010/main" val="3901669256"/>
-      </p:ext>
-    </p:extLst>
-  </p:cSld>
-  <p:clrMapOvr>
-    <a:masterClrMapping/>
-  </p:clrMapOvr>
-</p:sld>
-</file>
-
-<file path=ppt/slides/slide8.xml><?xml version="1.0" encoding="utf-8"?>
-<p:sld xmlns:a="http://schemas.openxmlformats.org/drawingml/2006/main" xmlns:r="http://schemas.openxmlformats.org/officeDocument/2006/relationships" xmlns:p="http://schemas.openxmlformats.org/presentationml/2006/main">
-  <p:cSld>
-    <p:spTree>
-      <p:nvGrpSpPr>
-        <p:cNvPr id="1" name=""/>
-        <p:cNvGrpSpPr/>
-        <p:nvPr/>
-      </p:nvGrpSpPr>
-      <p:grpSpPr>
-        <a:xfrm>
-          <a:off x="0" y="0"/>
-          <a:ext cx="0" cy="0"/>
-          <a:chOff x="0" y="0"/>
-          <a:chExt cx="0" cy="0"/>
-        </a:xfrm>
-      </p:grpSpPr>
-      <p:sp>
-        <p:nvSpPr>
-          <p:cNvPr id="2" name="Title 1"/>
-          <p:cNvSpPr>
-            <a:spLocks noGrp="1"/>
-          </p:cNvSpPr>
-          <p:nvPr>
-            <p:ph type="title"/>
-          </p:nvPr>
-        </p:nvSpPr>
-        <p:spPr/>
-        <p:txBody>
-          <a:bodyPr/>
-          <a:lstStyle/>
-          <a:p>
-            <a:r>
-              <a:rPr lang="lt-LT" dirty="0" err="1"/>
-              <a:t>Install</a:t>
-            </a:r>
-            <a:r>
-              <a:rPr lang="lt-LT" dirty="0"/>
-              <a:t> </a:t>
-            </a:r>
-            <a:r>
-              <a:rPr lang="lt-LT" dirty="0" err="1"/>
-              <a:t>git</a:t>
-            </a:r>
-            <a:endParaRPr lang="lt-LT" dirty="0"/>
-          </a:p>
-        </p:txBody>
-      </p:sp>
-      <p:sp>
-        <p:nvSpPr>
-          <p:cNvPr id="3" name="Content Placeholder 2"/>
-          <p:cNvSpPr>
-            <a:spLocks noGrp="1"/>
-          </p:cNvSpPr>
-          <p:nvPr>
-            <p:ph idx="1"/>
-          </p:nvPr>
-        </p:nvSpPr>
-        <p:spPr>
-          <a:xfrm>
-            <a:off x="809624" y="1533905"/>
-            <a:ext cx="10621963" cy="4310304"/>
-          </a:xfrm>
-        </p:spPr>
-        <p:txBody>
-          <a:bodyPr/>
-          <a:lstStyle/>
-          <a:p>
-            <a:r>
-              <a:rPr lang="en-US" b="1" dirty="0"/>
-              <a:t>Linux</a:t>
-            </a:r>
-            <a:r>
-              <a:rPr lang="en-US" dirty="0"/>
-              <a:t> </a:t>
-            </a:r>
-            <a:endParaRPr lang="lt-LT" dirty="0"/>
-          </a:p>
-          <a:p>
-            <a:pPr marL="0" indent="0">
-              <a:buNone/>
-            </a:pPr>
-            <a:r>
-              <a:rPr lang="lt-LT" dirty="0"/>
-              <a:t>	</a:t>
-            </a:r>
-            <a:r>
-              <a:rPr lang="en-US" dirty="0" err="1"/>
-              <a:t>sudo</a:t>
-            </a:r>
-            <a:r>
-              <a:rPr lang="en-US" dirty="0"/>
-              <a:t> apt-get install git</a:t>
-            </a:r>
-            <a:endParaRPr lang="lt-LT" dirty="0"/>
-          </a:p>
-          <a:p>
-            <a:pPr marL="0" indent="0">
-              <a:buNone/>
-            </a:pPr>
-            <a:r>
-              <a:rPr lang="lt-LT" dirty="0"/>
-              <a:t>	</a:t>
-            </a:r>
-            <a:r>
-              <a:rPr lang="en-US" dirty="0" err="1"/>
-              <a:t>sudo</a:t>
-            </a:r>
-            <a:r>
-              <a:rPr lang="en-US" dirty="0"/>
-              <a:t> yum install git</a:t>
-            </a:r>
-            <a:endParaRPr lang="lt-LT" dirty="0"/>
-          </a:p>
-          <a:p>
-            <a:r>
-              <a:rPr lang="en-US" b="1" dirty="0"/>
-              <a:t>Mac</a:t>
-            </a:r>
-            <a:r>
-              <a:rPr lang="en-US" dirty="0"/>
-              <a:t> </a:t>
-            </a:r>
-            <a:endParaRPr lang="lt-LT" dirty="0"/>
-          </a:p>
-          <a:p>
-            <a:pPr marL="0" indent="0">
-              <a:buNone/>
-            </a:pPr>
-            <a:r>
-              <a:rPr lang="lt-LT" dirty="0"/>
-              <a:t>	</a:t>
-            </a:r>
-            <a:r>
-              <a:rPr lang="en-US" dirty="0">
-                <a:hlinkClick r:id="rId3"/>
-              </a:rPr>
-              <a:t>http://git-scm.com/download/mac </a:t>
-            </a:r>
-            <a:endParaRPr lang="lt-LT" dirty="0"/>
-          </a:p>
-          <a:p>
-            <a:pPr marL="0" indent="0">
-              <a:buNone/>
-            </a:pPr>
-            <a:endParaRPr lang="lt-LT" dirty="0"/>
-          </a:p>
-          <a:p>
-            <a:r>
-              <a:rPr lang="en-US" b="1" dirty="0"/>
-              <a:t>Windows</a:t>
-            </a:r>
-            <a:endParaRPr lang="lt-LT" b="1" dirty="0"/>
-          </a:p>
-          <a:p>
-            <a:pPr marL="0" indent="0">
-              <a:buNone/>
-            </a:pPr>
-            <a:r>
-              <a:rPr lang="lt-LT" dirty="0"/>
-              <a:t>	</a:t>
-            </a:r>
-            <a:r>
-              <a:rPr lang="en-US" dirty="0">
-                <a:hlinkClick r:id="rId4"/>
-              </a:rPr>
-              <a:t>http://git-scm.com/download/win</a:t>
-            </a:r>
-            <a:endParaRPr lang="lt-LT" dirty="0"/>
           </a:p>
         </p:txBody>
       </p:sp>
@@ -25579,7 +26113,7 @@
     </p:spTree>
     <p:extLst>
       <p:ext uri="{BB962C8B-B14F-4D97-AF65-F5344CB8AC3E}">
-        <p14:creationId xmlns:p14="http://schemas.microsoft.com/office/powerpoint/2010/main" val="3857406326"/>
+        <p14:creationId xmlns:p14="http://schemas.microsoft.com/office/powerpoint/2010/main" val="4289592580"/>
       </p:ext>
     </p:extLst>
   </p:cSld>
@@ -25606,39 +26140,73 @@
           <a:chExt cx="0" cy="0"/>
         </a:xfrm>
       </p:grpSpPr>
-      <p:sp>
-        <p:nvSpPr>
-          <p:cNvPr id="2" name="Title 1"/>
-          <p:cNvSpPr>
-            <a:spLocks noGrp="1"/>
-          </p:cNvSpPr>
-          <p:nvPr>
-            <p:ph type="title"/>
-          </p:nvPr>
-        </p:nvSpPr>
-        <p:spPr>
-          <a:xfrm>
-            <a:off x="784224" y="481665"/>
-            <a:ext cx="10671175" cy="1052240"/>
-          </a:xfrm>
-        </p:spPr>
+      <p:pic>
+        <p:nvPicPr>
+          <p:cNvPr id="10" name="Picture Placeholder 9"/>
+          <p:cNvPicPr>
+            <a:picLocks noGrp="1" noChangeAspect="1"/>
+          </p:cNvPicPr>
+          <p:nvPr>
+            <p:ph type="pic" sz="quarter" idx="13"/>
+          </p:nvPr>
+        </p:nvPicPr>
+        <p:blipFill>
+          <a:blip r:embed="rId3">
+            <a:extLst>
+              <a:ext uri="{28A0092B-C50C-407E-A947-70E740481C1C}">
+                <a14:useLocalDpi xmlns:a14="http://schemas.microsoft.com/office/drawing/2010/main" val="0"/>
+              </a:ext>
+            </a:extLst>
+          </a:blip>
+          <a:srcRect l="4" r="4"/>
+          <a:stretch>
+            <a:fillRect/>
+          </a:stretch>
+        </p:blipFill>
+        <p:spPr/>
+      </p:pic>
+      <p:sp>
+        <p:nvSpPr>
+          <p:cNvPr id="7" name="Title 6"/>
+          <p:cNvSpPr>
+            <a:spLocks noGrp="1"/>
+          </p:cNvSpPr>
+          <p:nvPr>
+            <p:ph type="ctrTitle"/>
+          </p:nvPr>
+        </p:nvSpPr>
+        <p:spPr/>
         <p:txBody>
           <a:bodyPr/>
           <a:lstStyle/>
           <a:p>
             <a:r>
               <a:rPr lang="en-US" dirty="0"/>
-              <a:t>Task</a:t>
-            </a:r>
-            <a:r>
-              <a:rPr lang="lt-LT" dirty="0"/>
-              <a:t> </a:t>
-            </a:r>
-            <a:r>
-              <a:rPr lang="en-US" dirty="0"/>
-              <a:t>#1</a:t>
-            </a:r>
-            <a:endParaRPr lang="lt-LT" dirty="0"/>
+              <a:t>Practice</a:t>
+            </a:r>
+            <a:endParaRPr lang="en-GB" dirty="0"/>
+          </a:p>
+        </p:txBody>
+      </p:sp>
+      <p:sp>
+        <p:nvSpPr>
+          <p:cNvPr id="8" name="Subtitle 7"/>
+          <p:cNvSpPr>
+            <a:spLocks noGrp="1"/>
+          </p:cNvSpPr>
+          <p:nvPr>
+            <p:ph type="subTitle" idx="1"/>
+          </p:nvPr>
+        </p:nvSpPr>
+        <p:spPr/>
+        <p:txBody>
+          <a:bodyPr/>
+          <a:lstStyle/>
+          <a:p>
+            <a:pPr>
+              <a:buNone/>
+            </a:pPr>
+            <a:endParaRPr lang="en-GB" dirty="0"/>
           </a:p>
         </p:txBody>
       </p:sp>
@@ -25657,7 +26225,7 @@
           <a:bodyPr/>
           <a:lstStyle/>
           <a:p>
-            <a:endParaRPr lang="en-GB" noProof="0" dirty="0"/>
+            <a:endParaRPr lang="en-GB" dirty="0"/>
           </a:p>
         </p:txBody>
       </p:sp>
@@ -25676,7 +26244,7 @@
           <a:bodyPr/>
           <a:lstStyle/>
           <a:p>
-            <a:endParaRPr lang="en-GB" noProof="0" dirty="0"/>
+            <a:endParaRPr lang="en-GB" dirty="0"/>
           </a:p>
         </p:txBody>
       </p:sp>
@@ -25695,89 +26263,19 @@
           <a:bodyPr/>
           <a:lstStyle/>
           <a:p>
-            <a:fld id="{859873C9-BF5D-4A9A-BB31-45BBB7BABAF7}" type="slidenum">
-              <a:rPr lang="en-GB" noProof="0" smtClean="0"/>
+            <a:fld id="{24C8C45C-947F-4981-8B3F-4F32E973C901}" type="slidenum">
+              <a:rPr lang="en-GB" smtClean="0"/>
+              <a:pPr/>
               <a:t>9</a:t>
             </a:fld>
-            <a:endParaRPr lang="en-GB" noProof="0" dirty="0"/>
-          </a:p>
-        </p:txBody>
-      </p:sp>
-      <p:sp>
-        <p:nvSpPr>
-          <p:cNvPr id="9" name="Content Placeholder 2">
-            <a:extLst>
-              <a:ext uri="{FF2B5EF4-FFF2-40B4-BE49-F238E27FC236}">
-                <a16:creationId xmlns:a16="http://schemas.microsoft.com/office/drawing/2014/main" id="{6FBA3C69-E815-40A0-901C-A5E3695FC5A5}"/>
-              </a:ext>
-            </a:extLst>
-          </p:cNvPr>
-          <p:cNvSpPr>
-            <a:spLocks noGrp="1"/>
-          </p:cNvSpPr>
-          <p:nvPr>
-            <p:ph idx="1"/>
-          </p:nvPr>
-        </p:nvSpPr>
-        <p:spPr>
-          <a:xfrm>
-            <a:off x="809624" y="1533905"/>
-            <a:ext cx="10621963" cy="4310303"/>
-          </a:xfrm>
-        </p:spPr>
-        <p:txBody>
-          <a:bodyPr/>
-          <a:lstStyle/>
-          <a:p>
-            <a:r>
-              <a:rPr lang="lt-LT" sz="3200" dirty="0" err="1"/>
-              <a:t>Initialize</a:t>
-            </a:r>
-            <a:r>
-              <a:rPr lang="lt-LT" sz="3200" dirty="0"/>
-              <a:t> a </a:t>
-            </a:r>
-            <a:r>
-              <a:rPr lang="lt-LT" sz="3200" dirty="0" err="1"/>
-              <a:t>new</a:t>
-            </a:r>
-            <a:r>
-              <a:rPr lang="lt-LT" sz="3200" dirty="0"/>
-              <a:t> </a:t>
-            </a:r>
-            <a:r>
-              <a:rPr lang="lt-LT" sz="3200" dirty="0" err="1"/>
-              <a:t>git</a:t>
-            </a:r>
-            <a:r>
-              <a:rPr lang="lt-LT" sz="3200" dirty="0"/>
-              <a:t> </a:t>
-            </a:r>
-            <a:r>
-              <a:rPr lang="lt-LT" sz="3200" dirty="0" err="1"/>
-              <a:t>project</a:t>
-            </a:r>
-            <a:endParaRPr lang="en-US" sz="3200" dirty="0"/>
-          </a:p>
-          <a:p>
-            <a:r>
-              <a:rPr lang="en-US" sz="3200" dirty="0"/>
-              <a:t>Create a new file “readme.txt”</a:t>
-            </a:r>
-          </a:p>
-          <a:p>
-            <a:r>
-              <a:rPr lang="en-US" sz="3200" dirty="0"/>
-              <a:t>Commit changes to local repo</a:t>
-            </a:r>
-            <a:endParaRPr lang="lt-LT" sz="3200" dirty="0"/>
+            <a:endParaRPr lang="en-GB" dirty="0"/>
           </a:p>
         </p:txBody>
       </p:sp>
     </p:spTree>
     <p:extLst>
       <p:ext uri="{BB962C8B-B14F-4D97-AF65-F5344CB8AC3E}">
-        <p14:creationId xmlns:p14="http://schemas.microsoft.com/office/powerpoint/2010/main" val="1977380185"/>
+        <p14:creationId xmlns:p14="http://schemas.microsoft.com/office/powerpoint/2010/main" val="3901669256"/>
       </p:ext>
     </p:extLst>
   </p:cSld>
@@ -26467,18 +26965,18 @@
 </file>
 
 <file path=customXml/item1.xml><?xml version="1.0" encoding="utf-8"?>
-<p:properties xmlns:p="http://schemas.microsoft.com/office/2006/metadata/properties" xmlns:xsi="http://www.w3.org/2001/XMLSchema-instance" xmlns:pc="http://schemas.microsoft.com/office/infopath/2007/PartnerControls">
-  <documentManagement/>
-</p:properties>
-</file>
-
-<file path=customXml/item2.xml><?xml version="1.0" encoding="utf-8"?>
 <?mso-contentType ?>
 <FormTemplates xmlns="http://schemas.microsoft.com/sharepoint/v3/contenttype/forms">
   <Display>DocumentLibraryForm</Display>
   <Edit>DocumentLibraryForm</Edit>
   <New>DocumentLibraryForm</New>
 </FormTemplates>
+</file>
+
+<file path=customXml/item2.xml><?xml version="1.0" encoding="utf-8"?>
+<p:properties xmlns:p="http://schemas.microsoft.com/office/2006/metadata/properties" xmlns:xsi="http://www.w3.org/2001/XMLSchema-instance" xmlns:pc="http://schemas.microsoft.com/office/infopath/2007/PartnerControls">
+  <documentManagement/>
+</p:properties>
 </file>
 
 <file path=customXml/item3.xml><?xml version="1.0" encoding="utf-8"?>
@@ -26630,18 +27128,18 @@
 </file>
 
 <file path=customXml/itemProps1.xml><?xml version="1.0" encoding="utf-8"?>
-<ds:datastoreItem xmlns:ds="http://schemas.openxmlformats.org/officeDocument/2006/customXml" ds:itemID="{1ED6C778-C4AA-4A66-B6B5-60690C5199CD}">
+<ds:datastoreItem xmlns:ds="http://schemas.openxmlformats.org/officeDocument/2006/customXml" ds:itemID="{C98144AE-B0E9-4A9D-8BA0-7C7CD27128C4}">
   <ds:schemaRefs>
-    <ds:schemaRef ds:uri="http://schemas.microsoft.com/office/2006/metadata/properties"/>
-    <ds:schemaRef ds:uri="http://schemas.microsoft.com/office/infopath/2007/PartnerControls"/>
+    <ds:schemaRef ds:uri="http://schemas.microsoft.com/sharepoint/v3/contenttype/forms"/>
   </ds:schemaRefs>
 </ds:datastoreItem>
 </file>
 
 <file path=customXml/itemProps2.xml><?xml version="1.0" encoding="utf-8"?>
-<ds:datastoreItem xmlns:ds="http://schemas.openxmlformats.org/officeDocument/2006/customXml" ds:itemID="{C98144AE-B0E9-4A9D-8BA0-7C7CD27128C4}">
+<ds:datastoreItem xmlns:ds="http://schemas.openxmlformats.org/officeDocument/2006/customXml" ds:itemID="{1ED6C778-C4AA-4A66-B6B5-60690C5199CD}">
   <ds:schemaRefs>
-    <ds:schemaRef ds:uri="http://schemas.microsoft.com/sharepoint/v3/contenttype/forms"/>
+    <ds:schemaRef ds:uri="http://schemas.microsoft.com/office/2006/metadata/properties"/>
+    <ds:schemaRef ds:uri="http://schemas.microsoft.com/office/infopath/2007/PartnerControls"/>
   </ds:schemaRefs>
 </ds:datastoreItem>
 </file>
